--- a/docs/汇报PPT.pptx
+++ b/docs/汇报PPT.pptx
@@ -1,35 +1,36 @@
 
 <file path=ppt/presentation.xml><?xml version="1.0" encoding="utf-8"?>
-<p:presentation xmlns:a="http://schemas.openxmlformats.org/drawingml/2006/main" xmlns:r="http://schemas.openxmlformats.org/officeDocument/2006/relationships" xmlns:p="http://schemas.openxmlformats.org/presentationml/2006/main" saveSubsetFonts="1">
+<p:presentation xmlns:a="http://schemas.openxmlformats.org/drawingml/2006/main" xmlns:r="http://schemas.openxmlformats.org/officeDocument/2006/relationships" xmlns:p="http://schemas.openxmlformats.org/presentationml/2006/main">
   <p:sldMasterIdLst>
-    <p:sldMasterId id="2147483684" r:id="rId1"/>
+    <p:sldMasterId id="2147483648" r:id="rId1"/>
   </p:sldMasterIdLst>
   <p:notesMasterIdLst>
-    <p:notesMasterId r:id="rId19"/>
+    <p:notesMasterId r:id="rId4"/>
   </p:notesMasterIdLst>
   <p:sldIdLst>
-    <p:sldId id="359" r:id="rId2"/>
-    <p:sldId id="333" r:id="rId3"/>
-    <p:sldId id="356" r:id="rId4"/>
-    <p:sldId id="364" r:id="rId5"/>
-    <p:sldId id="338" r:id="rId6"/>
-    <p:sldId id="365" r:id="rId7"/>
-    <p:sldId id="362" r:id="rId8"/>
-    <p:sldId id="366" r:id="rId9"/>
-    <p:sldId id="367" r:id="rId10"/>
-    <p:sldId id="360" r:id="rId11"/>
-    <p:sldId id="369" r:id="rId12"/>
-    <p:sldId id="368" r:id="rId13"/>
-    <p:sldId id="370" r:id="rId14"/>
-    <p:sldId id="371" r:id="rId15"/>
-    <p:sldId id="372" r:id="rId16"/>
-    <p:sldId id="373" r:id="rId17"/>
-    <p:sldId id="374" r:id="rId18"/>
+    <p:sldId id="359" r:id="rId3"/>
+    <p:sldId id="378" r:id="rId5"/>
+    <p:sldId id="333" r:id="rId6"/>
+    <p:sldId id="356" r:id="rId7"/>
+    <p:sldId id="364" r:id="rId8"/>
+    <p:sldId id="338" r:id="rId9"/>
+    <p:sldId id="365" r:id="rId10"/>
+    <p:sldId id="362" r:id="rId11"/>
+    <p:sldId id="366" r:id="rId12"/>
+    <p:sldId id="367" r:id="rId13"/>
+    <p:sldId id="360" r:id="rId14"/>
+    <p:sldId id="369" r:id="rId15"/>
+    <p:sldId id="368" r:id="rId16"/>
+    <p:sldId id="370" r:id="rId17"/>
+    <p:sldId id="371" r:id="rId18"/>
+    <p:sldId id="372" r:id="rId19"/>
+    <p:sldId id="373" r:id="rId20"/>
+    <p:sldId id="374" r:id="rId21"/>
   </p:sldIdLst>
   <p:sldSz cx="9144000" cy="6858000" type="screen4x3"/>
   <p:notesSz cx="6858000" cy="9144000"/>
   <p:custDataLst>
-    <p:tags r:id="rId20"/>
+    <p:tags r:id="rId26"/>
   </p:custDataLst>
   <p:defaultTextStyle>
     <a:defPPr>
@@ -126,39 +127,17 @@
       </a:defRPr>
     </a:lvl9pPr>
   </p:defaultTextStyle>
-  <p:extLst>
-    <p:ext uri="{EFAFB233-063F-42B5-8137-9DF3F51BA10A}">
-      <p15:sldGuideLst xmlns:p15="http://schemas.microsoft.com/office/powerpoint/2012/main">
-        <p15:guide id="1" orient="horz" pos="1162" userDrawn="1">
-          <p15:clr>
-            <a:srgbClr val="A4A3A4"/>
-          </p15:clr>
-        </p15:guide>
-        <p15:guide id="2" pos="2880" userDrawn="1">
-          <p15:clr>
-            <a:srgbClr val="A4A3A4"/>
-          </p15:clr>
-        </p15:guide>
-      </p15:sldGuideLst>
-    </p:ext>
-  </p:extLst>
 </p:presentation>
 </file>
 
 <file path=ppt/commentAuthors.xml><?xml version="1.0" encoding="utf-8"?>
 <p:cmAuthorLst xmlns:a="http://schemas.openxmlformats.org/drawingml/2006/main" xmlns:r="http://schemas.openxmlformats.org/officeDocument/2006/relationships" xmlns:p="http://schemas.openxmlformats.org/presentationml/2006/main">
-  <p:cmAuthor id="1" name="740969824@qq.com" initials="7" lastIdx="1" clrIdx="0">
-    <p:extLst>
-      <p:ext uri="{19B8F6BF-5375-455C-9EA6-DF929625EA0E}">
-        <p15:presenceInfo xmlns:p15="http://schemas.microsoft.com/office/powerpoint/2012/main" userId="8fd6ad04f1a1d0ba" providerId="Windows Live"/>
-      </p:ext>
-    </p:extLst>
-  </p:cmAuthor>
+  <p:cmAuthor id="1" name="740969824@qq.com" initials="7" lastIdx="1" clrIdx="0"/>
 </p:cmAuthorLst>
 </file>
 
 <file path=ppt/charts/chart1.xml><?xml version="1.0" encoding="utf-8"?>
-<c:chartSpace xmlns:c="http://schemas.openxmlformats.org/drawingml/2006/chart" xmlns:a="http://schemas.openxmlformats.org/drawingml/2006/main" xmlns:r="http://schemas.openxmlformats.org/officeDocument/2006/relationships" xmlns:c16r2="http://schemas.microsoft.com/office/drawing/2015/06/chart">
+<c:chartSpace xmlns:c="http://schemas.openxmlformats.org/drawingml/2006/chart" xmlns:a="http://schemas.openxmlformats.org/drawingml/2006/main" xmlns:r="http://schemas.openxmlformats.org/officeDocument/2006/relationships">
   <c:date1904 val="0"/>
   <c:lang val="zh-CN"/>
   <c:roundedCorners val="0"/>
@@ -178,7 +157,7 @@
           <a:lstStyle/>
           <a:p>
             <a:pPr>
-              <a:defRPr sz="1862" b="0" i="0" u="none" strike="noStrike" kern="1200" spc="0" baseline="0">
+              <a:defRPr lang="zh-CN" sz="1860" b="0" i="0" u="none" strike="noStrike" kern="1200" spc="0" baseline="0">
                 <a:solidFill>
                   <a:schemeClr val="tx1">
                     <a:lumMod val="65000"/>
@@ -197,6 +176,10 @@
               </a:rPr>
               <a:t>重污染企业周边</a:t>
             </a:r>
+            <a:endParaRPr lang="zh-CN" altLang="en-US" sz="1400" dirty="0">
+              <a:latin typeface="微软雅黑" panose="020B0503020204020204" pitchFamily="34" charset="-122"/>
+              <a:ea typeface="微软雅黑" panose="020B0503020204020204" pitchFamily="34" charset="-122"/>
+            </a:endParaRPr>
           </a:p>
         </c:rich>
       </c:tx>
@@ -204,8 +187,8 @@
         <c:manualLayout>
           <c:xMode val="edge"/>
           <c:yMode val="edge"/>
-          <c:x val="0.27463683992439952"/>
-          <c:y val="0.13640392372587715"/>
+          <c:x val="0.2746368399244"/>
+          <c:y val="0.136403923725877"/>
         </c:manualLayout>
       </c:layout>
       <c:overlay val="0"/>
@@ -216,26 +199,6 @@
         </a:ln>
         <a:effectLst/>
       </c:spPr>
-      <c:txPr>
-        <a:bodyPr rot="0" spcFirstLastPara="1" vertOverflow="ellipsis" vert="horz" wrap="square" anchor="ctr" anchorCtr="1"/>
-        <a:lstStyle/>
-        <a:p>
-          <a:pPr>
-            <a:defRPr sz="1862" b="0" i="0" u="none" strike="noStrike" kern="1200" spc="0" baseline="0">
-              <a:solidFill>
-                <a:schemeClr val="tx1">
-                  <a:lumMod val="65000"/>
-                  <a:lumOff val="35000"/>
-                </a:schemeClr>
-              </a:solidFill>
-              <a:latin typeface="+mn-lt"/>
-              <a:ea typeface="+mn-ea"/>
-              <a:cs typeface="+mn-cs"/>
-            </a:defRPr>
-          </a:pPr>
-          <a:endParaRPr lang="zh-CN"/>
-        </a:p>
-      </c:txPr>
     </c:title>
     <c:autoTitleDeleted val="0"/>
     <c:plotArea>
@@ -243,7 +206,6 @@
       <c:pieChart>
         <c:varyColors val="1"/>
         <c:dLbls>
-          <c:dLblPos val="bestFit"/>
           <c:showLegendKey val="0"/>
           <c:showVal val="1"/>
           <c:showCatName val="0"/>
@@ -264,13 +226,6 @@
     </c:plotArea>
     <c:plotVisOnly val="1"/>
     <c:dispBlanksAs val="gap"/>
-    <c:extLst>
-      <c:ext xmlns:c16r3="http://schemas.microsoft.com/office/drawing/2017/03/chart" uri="{56B9EC1D-385E-4148-901F-78D8002777C0}">
-        <c16r3:dataDisplayOptions16>
-          <c16r3:dispNaAsBlank val="1"/>
-        </c16r3:dataDisplayOptions16>
-      </c:ext>
-    </c:extLst>
     <c:showDLblsOverMax val="0"/>
   </c:chart>
   <c:spPr>
@@ -285,18 +240,168 @@
     <a:lstStyle/>
     <a:p>
       <a:pPr>
-        <a:defRPr/>
+        <a:defRPr lang="zh-CN"/>
       </a:pPr>
-      <a:endParaRPr lang="zh-CN"/>
     </a:p>
   </c:txPr>
-  <c:externalData r:id="rId3">
+  <c:externalData r:id="rId1">
+    <c:autoUpdate val="0"/>
+  </c:externalData>
+</c:chartSpace>
+</file>
+
+<file path=ppt/charts/chart2.xml><?xml version="1.0" encoding="utf-8"?>
+<c:chartSpace xmlns:c="http://schemas.openxmlformats.org/drawingml/2006/chart" xmlns:a="http://schemas.openxmlformats.org/drawingml/2006/main" xmlns:r="http://schemas.openxmlformats.org/officeDocument/2006/relationships">
+  <c:date1904 val="0"/>
+  <c:lang val="zh-CN"/>
+  <c:roundedCorners val="0"/>
+  <mc:AlternateContent xmlns:mc="http://schemas.openxmlformats.org/markup-compatibility/2006">
+    <mc:Choice xmlns:c14="http://schemas.microsoft.com/office/drawing/2007/8/2/chart" Requires="c14">
+      <c14:style val="102"/>
+    </mc:Choice>
+    <mc:Fallback>
+      <c:style val="2"/>
+    </mc:Fallback>
+  </mc:AlternateContent>
+  <c:chart>
+    <c:title>
+      <c:tx>
+        <c:rich>
+          <a:bodyPr rot="0" spcFirstLastPara="1" vertOverflow="ellipsis" vert="horz" wrap="square" anchor="ctr" anchorCtr="1"/>
+          <a:lstStyle/>
+          <a:p>
+            <a:pPr>
+              <a:defRPr lang="zh-CN" sz="1860" b="0" i="0" u="none" strike="noStrike" kern="1200" spc="0" baseline="0">
+                <a:solidFill>
+                  <a:schemeClr val="tx1">
+                    <a:lumMod val="65000"/>
+                    <a:lumOff val="35000"/>
+                  </a:schemeClr>
+                </a:solidFill>
+                <a:latin typeface="+mn-lt"/>
+                <a:ea typeface="+mn-ea"/>
+                <a:cs typeface="+mn-cs"/>
+              </a:defRPr>
+            </a:pPr>
+            <a:r>
+              <a:rPr lang="zh-CN" altLang="en-US" sz="1400" dirty="0">
+                <a:latin typeface="微软雅黑" panose="020B0503020204020204" pitchFamily="34" charset="-122"/>
+                <a:ea typeface="微软雅黑" panose="020B0503020204020204" pitchFamily="34" charset="-122"/>
+              </a:rPr>
+              <a:t>重污染企业周边</a:t>
+            </a:r>
+            <a:endParaRPr lang="zh-CN" altLang="en-US" sz="1400" dirty="0">
+              <a:latin typeface="微软雅黑" panose="020B0503020204020204" pitchFamily="34" charset="-122"/>
+              <a:ea typeface="微软雅黑" panose="020B0503020204020204" pitchFamily="34" charset="-122"/>
+            </a:endParaRPr>
+          </a:p>
+        </c:rich>
+      </c:tx>
+      <c:layout>
+        <c:manualLayout>
+          <c:xMode val="edge"/>
+          <c:yMode val="edge"/>
+          <c:x val="0.2746368399244"/>
+          <c:y val="0.136403923725877"/>
+        </c:manualLayout>
+      </c:layout>
+      <c:overlay val="0"/>
+      <c:spPr>
+        <a:noFill/>
+        <a:ln>
+          <a:noFill/>
+        </a:ln>
+        <a:effectLst/>
+      </c:spPr>
+    </c:title>
+    <c:autoTitleDeleted val="0"/>
+    <c:plotArea>
+      <c:layout/>
+      <c:pieChart>
+        <c:varyColors val="1"/>
+        <c:dLbls>
+          <c:showLegendKey val="0"/>
+          <c:showVal val="1"/>
+          <c:showCatName val="0"/>
+          <c:showSerName val="0"/>
+          <c:showPercent val="0"/>
+          <c:showBubbleSize val="0"/>
+          <c:showLeaderLines val="0"/>
+        </c:dLbls>
+        <c:firstSliceAng val="0"/>
+      </c:pieChart>
+      <c:spPr>
+        <a:noFill/>
+        <a:ln>
+          <a:noFill/>
+        </a:ln>
+        <a:effectLst/>
+      </c:spPr>
+    </c:plotArea>
+    <c:plotVisOnly val="1"/>
+    <c:dispBlanksAs val="gap"/>
+    <c:showDLblsOverMax val="0"/>
+  </c:chart>
+  <c:spPr>
+    <a:noFill/>
+    <a:ln>
+      <a:noFill/>
+    </a:ln>
+    <a:effectLst/>
+  </c:spPr>
+  <c:txPr>
+    <a:bodyPr/>
+    <a:lstStyle/>
+    <a:p>
+      <a:pPr>
+        <a:defRPr lang="zh-CN"/>
+      </a:pPr>
+    </a:p>
+  </c:txPr>
+  <c:externalData r:id="rId1">
     <c:autoUpdate val="0"/>
   </c:externalData>
 </c:chartSpace>
 </file>
 
 <file path=ppt/charts/colors1.xml><?xml version="1.0" encoding="utf-8"?>
+<cs:colorStyle xmlns:cs="http://schemas.microsoft.com/office/drawing/2012/chartStyle" xmlns:a="http://schemas.openxmlformats.org/drawingml/2006/main" meth="cycle" id="11">
+  <a:schemeClr val="accent1"/>
+  <a:schemeClr val="accent3"/>
+  <a:schemeClr val="accent5"/>
+  <cs:variation/>
+  <cs:variation>
+    <a:lumMod val="60000"/>
+  </cs:variation>
+  <cs:variation>
+    <a:lumMod val="80000"/>
+    <a:lumOff val="20000"/>
+  </cs:variation>
+  <cs:variation>
+    <a:lumMod val="80000"/>
+  </cs:variation>
+  <cs:variation>
+    <a:lumMod val="60000"/>
+    <a:lumOff val="40000"/>
+  </cs:variation>
+  <cs:variation>
+    <a:lumMod val="50000"/>
+  </cs:variation>
+  <cs:variation>
+    <a:lumMod val="70000"/>
+    <a:lumOff val="30000"/>
+  </cs:variation>
+  <cs:variation>
+    <a:lumMod val="70000"/>
+  </cs:variation>
+  <cs:variation>
+    <a:lumMod val="50000"/>
+    <a:lumOff val="50000"/>
+  </cs:variation>
+</cs:colorStyle>
+</file>
+
+<file path=ppt/charts/colors2.xml><?xml version="1.0" encoding="utf-8"?>
 <cs:colorStyle xmlns:cs="http://schemas.microsoft.com/office/drawing/2012/chartStyle" xmlns:a="http://schemas.openxmlformats.org/drawingml/2006/main" meth="cycle" id="11">
   <a:schemeClr val="accent1"/>
   <a:schemeClr val="accent3"/>
@@ -368,7 +473,7 @@
         <a:round/>
       </a:ln>
     </cs:spPr>
-    <cs:defRPr sz="1197" kern="1200"/>
+    <cs:defRPr sz="1195" kern="1200"/>
   </cs:categoryAxis>
   <cs:chartArea mods="allowNoFillOverride allowNoLineOverride">
     <cs:lnRef idx="0"/>
@@ -391,7 +496,7 @@
         <a:round/>
       </a:ln>
     </cs:spPr>
-    <cs:defRPr sz="1197" kern="1200"/>
+    <cs:defRPr sz="1195" kern="1200"/>
   </cs:chartArea>
   <cs:dataLabel>
     <cs:lnRef idx="0"/>
@@ -403,7 +508,7 @@
         <a:lumOff val="25000"/>
       </a:schemeClr>
     </cs:fontRef>
-    <cs:defRPr sz="1197" kern="1200"/>
+    <cs:defRPr sz="1195" kern="1200"/>
   </cs:dataLabel>
   <cs:dataLabelCallout>
     <cs:lnRef idx="0"/>
@@ -428,7 +533,7 @@
         </a:solidFill>
       </a:ln>
     </cs:spPr>
-    <cs:defRPr sz="1197" kern="1200"/>
+    <cs:defRPr sz="1195" kern="1200"/>
     <cs:bodyPr rot="0" spcFirstLastPara="1" vertOverflow="clip" horzOverflow="clip" vert="horz" wrap="square" lIns="36576" tIns="18288" rIns="36576" bIns="18288" anchor="ctr" anchorCtr="1">
       <a:spAutoFit/>
     </cs:bodyPr>
@@ -545,7 +650,7 @@
         <a:round/>
       </a:ln>
     </cs:spPr>
-    <cs:defRPr sz="1197" kern="1200"/>
+    <cs:defRPr sz="1195" kern="1200"/>
   </cs:dataTable>
   <cs:downBar>
     <cs:lnRef idx="0"/>
@@ -710,7 +815,7 @@
         <a:lumOff val="35000"/>
       </a:schemeClr>
     </cs:fontRef>
-    <cs:defRPr sz="1197" kern="1200"/>
+    <cs:defRPr sz="1195" kern="1200"/>
   </cs:legend>
   <cs:plotArea mods="allowNoFillOverride allowNoLineOverride">
     <cs:lnRef idx="0"/>
@@ -738,7 +843,7 @@
         <a:lumOff val="35000"/>
       </a:schemeClr>
     </cs:fontRef>
-    <cs:defRPr sz="1197" kern="1200"/>
+    <cs:defRPr sz="1195" kern="1200"/>
   </cs:seriesAxis>
   <cs:seriesLine>
     <cs:lnRef idx="0"/>
@@ -769,7 +874,7 @@
         <a:lumOff val="35000"/>
       </a:schemeClr>
     </cs:fontRef>
-    <cs:defRPr sz="1862" b="0" kern="1200" spc="0" baseline="0"/>
+    <cs:defRPr sz="1860" b="0" kern="1200" spc="0" baseline="0"/>
   </cs:title>
   <cs:trendline>
     <cs:lnRef idx="0">
@@ -799,7 +904,7 @@
         <a:lumOff val="35000"/>
       </a:schemeClr>
     </cs:fontRef>
-    <cs:defRPr sz="1197" kern="1200"/>
+    <cs:defRPr sz="1195" kern="1200"/>
   </cs:trendlineLabel>
   <cs:upBar>
     <cs:lnRef idx="0"/>
@@ -833,7 +938,526 @@
         <a:lumOff val="35000"/>
       </a:schemeClr>
     </cs:fontRef>
-    <cs:defRPr sz="1197" kern="1200"/>
+    <cs:defRPr sz="1195" kern="1200"/>
+  </cs:valueAxis>
+  <cs:wall>
+    <cs:lnRef idx="0"/>
+    <cs:fillRef idx="0"/>
+    <cs:effectRef idx="0"/>
+    <cs:fontRef idx="minor">
+      <a:schemeClr val="tx1"/>
+    </cs:fontRef>
+    <cs:spPr>
+      <a:noFill/>
+      <a:ln>
+        <a:noFill/>
+      </a:ln>
+    </cs:spPr>
+  </cs:wall>
+</cs:chartStyle>
+</file>
+
+<file path=ppt/charts/style2.xml><?xml version="1.0" encoding="utf-8"?>
+<cs:chartStyle xmlns:cs="http://schemas.microsoft.com/office/drawing/2012/chartStyle" xmlns:a="http://schemas.openxmlformats.org/drawingml/2006/main" id="251">
+  <cs:axisTitle>
+    <cs:lnRef idx="0"/>
+    <cs:fillRef idx="0"/>
+    <cs:effectRef idx="0"/>
+    <cs:fontRef idx="minor">
+      <a:schemeClr val="tx1">
+        <a:lumMod val="65000"/>
+        <a:lumOff val="35000"/>
+      </a:schemeClr>
+    </cs:fontRef>
+    <cs:defRPr sz="1330" kern="1200"/>
+  </cs:axisTitle>
+  <cs:categoryAxis>
+    <cs:lnRef idx="0"/>
+    <cs:fillRef idx="0"/>
+    <cs:effectRef idx="0"/>
+    <cs:fontRef idx="minor">
+      <a:schemeClr val="tx1">
+        <a:lumMod val="65000"/>
+        <a:lumOff val="35000"/>
+      </a:schemeClr>
+    </cs:fontRef>
+    <cs:spPr>
+      <a:ln w="9525" cap="flat" cmpd="sng" algn="ctr">
+        <a:solidFill>
+          <a:schemeClr val="tx1">
+            <a:lumMod val="15000"/>
+            <a:lumOff val="85000"/>
+          </a:schemeClr>
+        </a:solidFill>
+        <a:round/>
+      </a:ln>
+    </cs:spPr>
+    <cs:defRPr sz="1195" kern="1200"/>
+  </cs:categoryAxis>
+  <cs:chartArea mods="allowNoFillOverride allowNoLineOverride">
+    <cs:lnRef idx="0"/>
+    <cs:fillRef idx="0"/>
+    <cs:effectRef idx="0"/>
+    <cs:fontRef idx="minor">
+      <a:schemeClr val="tx1"/>
+    </cs:fontRef>
+    <cs:spPr>
+      <a:solidFill>
+        <a:schemeClr val="bg1"/>
+      </a:solidFill>
+      <a:ln w="9525" cap="flat" cmpd="sng" algn="ctr">
+        <a:solidFill>
+          <a:schemeClr val="tx1">
+            <a:lumMod val="15000"/>
+            <a:lumOff val="85000"/>
+          </a:schemeClr>
+        </a:solidFill>
+        <a:round/>
+      </a:ln>
+    </cs:spPr>
+    <cs:defRPr sz="1195" kern="1200"/>
+  </cs:chartArea>
+  <cs:dataLabel>
+    <cs:lnRef idx="0"/>
+    <cs:fillRef idx="0"/>
+    <cs:effectRef idx="0"/>
+    <cs:fontRef idx="minor">
+      <a:schemeClr val="tx1">
+        <a:lumMod val="75000"/>
+        <a:lumOff val="25000"/>
+      </a:schemeClr>
+    </cs:fontRef>
+    <cs:defRPr sz="1195" kern="1200"/>
+  </cs:dataLabel>
+  <cs:dataLabelCallout>
+    <cs:lnRef idx="0"/>
+    <cs:fillRef idx="0"/>
+    <cs:effectRef idx="0"/>
+    <cs:fontRef idx="minor">
+      <a:schemeClr val="dk1">
+        <a:lumMod val="65000"/>
+        <a:lumOff val="35000"/>
+      </a:schemeClr>
+    </cs:fontRef>
+    <cs:spPr>
+      <a:solidFill>
+        <a:schemeClr val="lt1"/>
+      </a:solidFill>
+      <a:ln>
+        <a:solidFill>
+          <a:schemeClr val="dk1">
+            <a:lumMod val="25000"/>
+            <a:lumOff val="75000"/>
+          </a:schemeClr>
+        </a:solidFill>
+      </a:ln>
+    </cs:spPr>
+    <cs:defRPr sz="1195" kern="1200"/>
+    <cs:bodyPr rot="0" spcFirstLastPara="1" vertOverflow="clip" horzOverflow="clip" vert="horz" wrap="square" lIns="36576" tIns="18288" rIns="36576" bIns="18288" anchor="ctr" anchorCtr="1">
+      <a:spAutoFit/>
+    </cs:bodyPr>
+  </cs:dataLabelCallout>
+  <cs:dataPoint>
+    <cs:lnRef idx="0"/>
+    <cs:fillRef idx="1">
+      <cs:styleClr val="auto"/>
+    </cs:fillRef>
+    <cs:effectRef idx="0"/>
+    <cs:fontRef idx="minor">
+      <a:schemeClr val="tx1"/>
+    </cs:fontRef>
+    <cs:spPr>
+      <a:ln w="19050">
+        <a:solidFill>
+          <a:schemeClr val="lt1"/>
+        </a:solidFill>
+      </a:ln>
+    </cs:spPr>
+  </cs:dataPoint>
+  <cs:dataPoint3D>
+    <cs:lnRef idx="0"/>
+    <cs:fillRef idx="1">
+      <cs:styleClr val="auto"/>
+    </cs:fillRef>
+    <cs:effectRef idx="0"/>
+    <cs:fontRef idx="minor">
+      <a:schemeClr val="tx1"/>
+    </cs:fontRef>
+    <cs:spPr>
+      <a:ln w="25400">
+        <a:solidFill>
+          <a:schemeClr val="lt1"/>
+        </a:solidFill>
+      </a:ln>
+    </cs:spPr>
+  </cs:dataPoint3D>
+  <cs:dataPointLine>
+    <cs:lnRef idx="0">
+      <cs:styleClr val="auto"/>
+    </cs:lnRef>
+    <cs:fillRef idx="0"/>
+    <cs:effectRef idx="0"/>
+    <cs:fontRef idx="minor">
+      <a:schemeClr val="tx1"/>
+    </cs:fontRef>
+    <cs:spPr>
+      <a:ln w="28575" cap="rnd">
+        <a:solidFill>
+          <a:schemeClr val="phClr"/>
+        </a:solidFill>
+        <a:round/>
+      </a:ln>
+    </cs:spPr>
+  </cs:dataPointLine>
+  <cs:dataPointMarker>
+    <cs:lnRef idx="0">
+      <cs:styleClr val="auto"/>
+    </cs:lnRef>
+    <cs:fillRef idx="1">
+      <cs:styleClr val="auto"/>
+    </cs:fillRef>
+    <cs:effectRef idx="0"/>
+    <cs:fontRef idx="minor">
+      <a:schemeClr val="tx1"/>
+    </cs:fontRef>
+    <cs:spPr>
+      <a:ln w="9525">
+        <a:solidFill>
+          <a:schemeClr val="phClr"/>
+        </a:solidFill>
+      </a:ln>
+    </cs:spPr>
+  </cs:dataPointMarker>
+  <cs:dataPointMarkerLayout symbol="circle" size="5"/>
+  <cs:dataPointWireframe>
+    <cs:lnRef idx="0">
+      <cs:styleClr val="auto"/>
+    </cs:lnRef>
+    <cs:fillRef idx="0"/>
+    <cs:effectRef idx="0"/>
+    <cs:fontRef idx="minor">
+      <a:schemeClr val="tx1"/>
+    </cs:fontRef>
+    <cs:spPr>
+      <a:ln w="9525" cap="rnd">
+        <a:solidFill>
+          <a:schemeClr val="phClr"/>
+        </a:solidFill>
+        <a:round/>
+      </a:ln>
+    </cs:spPr>
+  </cs:dataPointWireframe>
+  <cs:dataTable>
+    <cs:lnRef idx="0"/>
+    <cs:fillRef idx="0"/>
+    <cs:effectRef idx="0"/>
+    <cs:fontRef idx="minor">
+      <a:schemeClr val="tx1">
+        <a:lumMod val="65000"/>
+        <a:lumOff val="35000"/>
+      </a:schemeClr>
+    </cs:fontRef>
+    <cs:spPr>
+      <a:noFill/>
+      <a:ln w="9525" cap="flat" cmpd="sng" algn="ctr">
+        <a:solidFill>
+          <a:schemeClr val="tx1">
+            <a:lumMod val="15000"/>
+            <a:lumOff val="85000"/>
+          </a:schemeClr>
+        </a:solidFill>
+        <a:round/>
+      </a:ln>
+    </cs:spPr>
+    <cs:defRPr sz="1195" kern="1200"/>
+  </cs:dataTable>
+  <cs:downBar>
+    <cs:lnRef idx="0"/>
+    <cs:fillRef idx="0"/>
+    <cs:effectRef idx="0"/>
+    <cs:fontRef idx="minor">
+      <a:schemeClr val="tx1"/>
+    </cs:fontRef>
+    <cs:spPr>
+      <a:solidFill>
+        <a:schemeClr val="dk1">
+          <a:lumMod val="75000"/>
+          <a:lumOff val="25000"/>
+        </a:schemeClr>
+      </a:solidFill>
+      <a:ln w="9525" cap="flat" cmpd="sng" algn="ctr">
+        <a:solidFill>
+          <a:schemeClr val="tx1">
+            <a:lumMod val="65000"/>
+            <a:lumOff val="35000"/>
+          </a:schemeClr>
+        </a:solidFill>
+        <a:round/>
+      </a:ln>
+    </cs:spPr>
+  </cs:downBar>
+  <cs:dropLine>
+    <cs:lnRef idx="0"/>
+    <cs:fillRef idx="0"/>
+    <cs:effectRef idx="0"/>
+    <cs:fontRef idx="minor">
+      <a:schemeClr val="tx1"/>
+    </cs:fontRef>
+    <cs:spPr>
+      <a:ln w="9525" cap="flat" cmpd="sng" algn="ctr">
+        <a:solidFill>
+          <a:schemeClr val="tx1">
+            <a:lumMod val="35000"/>
+            <a:lumOff val="65000"/>
+          </a:schemeClr>
+        </a:solidFill>
+        <a:round/>
+      </a:ln>
+    </cs:spPr>
+  </cs:dropLine>
+  <cs:errorBar>
+    <cs:lnRef idx="0"/>
+    <cs:fillRef idx="0"/>
+    <cs:effectRef idx="0"/>
+    <cs:fontRef idx="minor">
+      <a:schemeClr val="tx1"/>
+    </cs:fontRef>
+    <cs:spPr>
+      <a:ln w="9525" cap="flat" cmpd="sng" algn="ctr">
+        <a:solidFill>
+          <a:schemeClr val="tx1">
+            <a:lumMod val="65000"/>
+            <a:lumOff val="35000"/>
+          </a:schemeClr>
+        </a:solidFill>
+        <a:round/>
+      </a:ln>
+    </cs:spPr>
+  </cs:errorBar>
+  <cs:floor>
+    <cs:lnRef idx="0"/>
+    <cs:fillRef idx="0"/>
+    <cs:effectRef idx="0"/>
+    <cs:fontRef idx="minor">
+      <a:schemeClr val="tx1"/>
+    </cs:fontRef>
+    <cs:spPr>
+      <a:noFill/>
+      <a:ln>
+        <a:noFill/>
+      </a:ln>
+    </cs:spPr>
+  </cs:floor>
+  <cs:gridlineMajor>
+    <cs:lnRef idx="0"/>
+    <cs:fillRef idx="0"/>
+    <cs:effectRef idx="0"/>
+    <cs:fontRef idx="minor">
+      <a:schemeClr val="tx1"/>
+    </cs:fontRef>
+    <cs:spPr>
+      <a:ln w="9525" cap="flat" cmpd="sng" algn="ctr">
+        <a:solidFill>
+          <a:schemeClr val="tx1">
+            <a:lumMod val="15000"/>
+            <a:lumOff val="85000"/>
+          </a:schemeClr>
+        </a:solidFill>
+        <a:round/>
+      </a:ln>
+    </cs:spPr>
+  </cs:gridlineMajor>
+  <cs:gridlineMinor>
+    <cs:lnRef idx="0"/>
+    <cs:fillRef idx="0"/>
+    <cs:effectRef idx="0"/>
+    <cs:fontRef idx="minor">
+      <a:schemeClr val="tx1"/>
+    </cs:fontRef>
+    <cs:spPr>
+      <a:ln w="9525" cap="flat" cmpd="sng" algn="ctr">
+        <a:solidFill>
+          <a:schemeClr val="tx1">
+            <a:lumMod val="5000"/>
+            <a:lumOff val="95000"/>
+          </a:schemeClr>
+        </a:solidFill>
+        <a:round/>
+      </a:ln>
+    </cs:spPr>
+  </cs:gridlineMinor>
+  <cs:hiLoLine>
+    <cs:lnRef idx="0"/>
+    <cs:fillRef idx="0"/>
+    <cs:effectRef idx="0"/>
+    <cs:fontRef idx="minor">
+      <a:schemeClr val="tx1"/>
+    </cs:fontRef>
+    <cs:spPr>
+      <a:ln w="9525" cap="flat" cmpd="sng" algn="ctr">
+        <a:solidFill>
+          <a:schemeClr val="tx1">
+            <a:lumMod val="50000"/>
+            <a:lumOff val="50000"/>
+          </a:schemeClr>
+        </a:solidFill>
+        <a:round/>
+      </a:ln>
+    </cs:spPr>
+  </cs:hiLoLine>
+  <cs:leaderLine>
+    <cs:lnRef idx="0"/>
+    <cs:fillRef idx="0"/>
+    <cs:effectRef idx="0"/>
+    <cs:fontRef idx="minor">
+      <a:schemeClr val="tx1"/>
+    </cs:fontRef>
+    <cs:spPr>
+      <a:ln w="9525" cap="flat" cmpd="sng" algn="ctr">
+        <a:solidFill>
+          <a:schemeClr val="tx1">
+            <a:lumMod val="35000"/>
+            <a:lumOff val="65000"/>
+          </a:schemeClr>
+        </a:solidFill>
+        <a:round/>
+      </a:ln>
+    </cs:spPr>
+  </cs:leaderLine>
+  <cs:legend>
+    <cs:lnRef idx="0"/>
+    <cs:fillRef idx="0"/>
+    <cs:effectRef idx="0"/>
+    <cs:fontRef idx="minor">
+      <a:schemeClr val="tx1">
+        <a:lumMod val="65000"/>
+        <a:lumOff val="35000"/>
+      </a:schemeClr>
+    </cs:fontRef>
+    <cs:defRPr sz="1195" kern="1200"/>
+  </cs:legend>
+  <cs:plotArea mods="allowNoFillOverride allowNoLineOverride">
+    <cs:lnRef idx="0"/>
+    <cs:fillRef idx="0"/>
+    <cs:effectRef idx="0"/>
+    <cs:fontRef idx="minor">
+      <a:schemeClr val="tx1"/>
+    </cs:fontRef>
+  </cs:plotArea>
+  <cs:plotArea3D mods="allowNoFillOverride allowNoLineOverride">
+    <cs:lnRef idx="0"/>
+    <cs:fillRef idx="0"/>
+    <cs:effectRef idx="0"/>
+    <cs:fontRef idx="minor">
+      <a:schemeClr val="tx1"/>
+    </cs:fontRef>
+  </cs:plotArea3D>
+  <cs:seriesAxis>
+    <cs:lnRef idx="0"/>
+    <cs:fillRef idx="0"/>
+    <cs:effectRef idx="0"/>
+    <cs:fontRef idx="minor">
+      <a:schemeClr val="tx1">
+        <a:lumMod val="65000"/>
+        <a:lumOff val="35000"/>
+      </a:schemeClr>
+    </cs:fontRef>
+    <cs:defRPr sz="1195" kern="1200"/>
+  </cs:seriesAxis>
+  <cs:seriesLine>
+    <cs:lnRef idx="0"/>
+    <cs:fillRef idx="0"/>
+    <cs:effectRef idx="0"/>
+    <cs:fontRef idx="minor">
+      <a:schemeClr val="tx1"/>
+    </cs:fontRef>
+    <cs:spPr>
+      <a:ln w="9525" cap="flat" cmpd="sng" algn="ctr">
+        <a:solidFill>
+          <a:schemeClr val="tx1">
+            <a:lumMod val="35000"/>
+            <a:lumOff val="65000"/>
+          </a:schemeClr>
+        </a:solidFill>
+        <a:round/>
+      </a:ln>
+    </cs:spPr>
+  </cs:seriesLine>
+  <cs:title>
+    <cs:lnRef idx="0"/>
+    <cs:fillRef idx="0"/>
+    <cs:effectRef idx="0"/>
+    <cs:fontRef idx="minor">
+      <a:schemeClr val="tx1">
+        <a:lumMod val="65000"/>
+        <a:lumOff val="35000"/>
+      </a:schemeClr>
+    </cs:fontRef>
+    <cs:defRPr sz="1860" b="0" kern="1200" spc="0" baseline="0"/>
+  </cs:title>
+  <cs:trendline>
+    <cs:lnRef idx="0">
+      <cs:styleClr val="auto"/>
+    </cs:lnRef>
+    <cs:fillRef idx="0"/>
+    <cs:effectRef idx="0"/>
+    <cs:fontRef idx="minor">
+      <a:schemeClr val="tx1"/>
+    </cs:fontRef>
+    <cs:spPr>
+      <a:ln w="19050" cap="rnd">
+        <a:solidFill>
+          <a:schemeClr val="phClr"/>
+        </a:solidFill>
+        <a:prstDash val="sysDot"/>
+      </a:ln>
+    </cs:spPr>
+  </cs:trendline>
+  <cs:trendlineLabel>
+    <cs:lnRef idx="0"/>
+    <cs:fillRef idx="0"/>
+    <cs:effectRef idx="0"/>
+    <cs:fontRef idx="minor">
+      <a:schemeClr val="tx1">
+        <a:lumMod val="65000"/>
+        <a:lumOff val="35000"/>
+      </a:schemeClr>
+    </cs:fontRef>
+    <cs:defRPr sz="1195" kern="1200"/>
+  </cs:trendlineLabel>
+  <cs:upBar>
+    <cs:lnRef idx="0"/>
+    <cs:fillRef idx="0"/>
+    <cs:effectRef idx="0"/>
+    <cs:fontRef idx="minor">
+      <a:schemeClr val="tx1"/>
+    </cs:fontRef>
+    <cs:spPr>
+      <a:solidFill>
+        <a:schemeClr val="lt1"/>
+      </a:solidFill>
+      <a:ln w="9525" cap="flat" cmpd="sng" algn="ctr">
+        <a:solidFill>
+          <a:schemeClr val="tx1">
+            <a:lumMod val="65000"/>
+            <a:lumOff val="35000"/>
+          </a:schemeClr>
+        </a:solidFill>
+        <a:round/>
+      </a:ln>
+    </cs:spPr>
+  </cs:upBar>
+  <cs:valueAxis>
+    <cs:lnRef idx="0"/>
+    <cs:fillRef idx="0"/>
+    <cs:effectRef idx="0"/>
+    <cs:fontRef idx="minor">
+      <a:schemeClr val="tx1">
+        <a:lumMod val="65000"/>
+        <a:lumOff val="35000"/>
+      </a:schemeClr>
+    </cs:fontRef>
+    <cs:defRPr sz="1195" kern="1200"/>
   </cs:valueAxis>
   <cs:wall>
     <cs:lnRef idx="0"/>
@@ -934,7 +1558,6 @@
           <a:p>
             <a:fld id="{558B725A-BFDD-44D0-A8D3-61766B07B7F1}" type="datetimeFigureOut">
               <a:rPr lang="zh-CN" altLang="en-US" smtClean="0"/>
-              <a:t>2023/5/27</a:t>
             </a:fld>
             <a:endParaRPr lang="zh-CN" altLang="en-US"/>
           </a:p>
@@ -1001,6 +1624,7 @@
               <a:rPr lang="zh-CN" altLang="en-US"/>
               <a:t>编辑母版文本样式</a:t>
             </a:r>
+            <a:endParaRPr lang="zh-CN" altLang="en-US"/>
           </a:p>
           <a:p>
             <a:pPr lvl="1"/>
@@ -1008,6 +1632,7 @@
               <a:rPr lang="zh-CN" altLang="en-US"/>
               <a:t>第二级</a:t>
             </a:r>
+            <a:endParaRPr lang="zh-CN" altLang="en-US"/>
           </a:p>
           <a:p>
             <a:pPr lvl="2"/>
@@ -1015,6 +1640,7 @@
               <a:rPr lang="zh-CN" altLang="en-US"/>
               <a:t>第三级</a:t>
             </a:r>
+            <a:endParaRPr lang="zh-CN" altLang="en-US"/>
           </a:p>
           <a:p>
             <a:pPr lvl="3"/>
@@ -1022,6 +1648,7 @@
               <a:rPr lang="zh-CN" altLang="en-US"/>
               <a:t>第四级</a:t>
             </a:r>
+            <a:endParaRPr lang="zh-CN" altLang="en-US"/>
           </a:p>
           <a:p>
             <a:pPr lvl="4"/>
@@ -1029,6 +1656,7 @@
               <a:rPr lang="zh-CN" altLang="en-US"/>
               <a:t>第五级</a:t>
             </a:r>
+            <a:endParaRPr lang="zh-CN" altLang="en-US"/>
           </a:p>
         </p:txBody>
       </p:sp>
@@ -1092,18 +1720,12 @@
           <a:p>
             <a:fld id="{B9BCC932-0C1F-4C94-8B9A-3944ABBB4E30}" type="slidenum">
               <a:rPr lang="zh-CN" altLang="en-US" smtClean="0"/>
-              <a:t>‹#›</a:t>
             </a:fld>
             <a:endParaRPr lang="zh-CN" altLang="en-US"/>
           </a:p>
         </p:txBody>
       </p:sp>
     </p:spTree>
-    <p:extLst>
-      <p:ext uri="{BB962C8B-B14F-4D97-AF65-F5344CB8AC3E}">
-        <p14:creationId xmlns:p14="http://schemas.microsoft.com/office/powerpoint/2010/main" val="2947105361"/>
-      </p:ext>
-    </p:extLst>
   </p:cSld>
   <p:clrMap bg1="lt1" tx1="dk1" bg2="lt2" tx2="dk2" accent1="accent1" accent2="accent2" accent3="accent3" accent4="accent4" accent5="accent5" accent6="accent6" hlink="hlink" folHlink="folHlink"/>
   <p:notesStyle>
@@ -1271,18 +1893,12 @@
           <a:p>
             <a:fld id="{B9BCC932-0C1F-4C94-8B9A-3944ABBB4E30}" type="slidenum">
               <a:rPr lang="zh-CN" altLang="en-US" smtClean="0"/>
-              <a:t>1</a:t>
             </a:fld>
             <a:endParaRPr lang="zh-CN" altLang="en-US"/>
           </a:p>
         </p:txBody>
       </p:sp>
     </p:spTree>
-    <p:extLst>
-      <p:ext uri="{BB962C8B-B14F-4D97-AF65-F5344CB8AC3E}">
-        <p14:creationId xmlns:p14="http://schemas.microsoft.com/office/powerpoint/2010/main" val="2632636317"/>
-      </p:ext>
-    </p:extLst>
   </p:cSld>
   <p:clrMapOvr>
     <a:masterClrMapping/>
@@ -1360,18 +1976,12 @@
           <a:p>
             <a:fld id="{B9BCC932-0C1F-4C94-8B9A-3944ABBB4E30}" type="slidenum">
               <a:rPr lang="zh-CN" altLang="en-US" smtClean="0"/>
-              <a:t>10</a:t>
             </a:fld>
             <a:endParaRPr lang="zh-CN" altLang="en-US"/>
           </a:p>
         </p:txBody>
       </p:sp>
     </p:spTree>
-    <p:extLst>
-      <p:ext uri="{BB962C8B-B14F-4D97-AF65-F5344CB8AC3E}">
-        <p14:creationId xmlns:p14="http://schemas.microsoft.com/office/powerpoint/2010/main" val="3791226099"/>
-      </p:ext>
-    </p:extLst>
   </p:cSld>
   <p:clrMapOvr>
     <a:masterClrMapping/>
@@ -1449,18 +2059,12 @@
           <a:p>
             <a:fld id="{B9BCC932-0C1F-4C94-8B9A-3944ABBB4E30}" type="slidenum">
               <a:rPr lang="zh-CN" altLang="en-US" smtClean="0"/>
-              <a:t>11</a:t>
             </a:fld>
             <a:endParaRPr lang="zh-CN" altLang="en-US"/>
           </a:p>
         </p:txBody>
       </p:sp>
     </p:spTree>
-    <p:extLst>
-      <p:ext uri="{BB962C8B-B14F-4D97-AF65-F5344CB8AC3E}">
-        <p14:creationId xmlns:p14="http://schemas.microsoft.com/office/powerpoint/2010/main" val="3963051737"/>
-      </p:ext>
-    </p:extLst>
   </p:cSld>
   <p:clrMapOvr>
     <a:masterClrMapping/>
@@ -1538,18 +2142,12 @@
           <a:p>
             <a:fld id="{B9BCC932-0C1F-4C94-8B9A-3944ABBB4E30}" type="slidenum">
               <a:rPr lang="zh-CN" altLang="en-US" smtClean="0"/>
-              <a:t>12</a:t>
             </a:fld>
             <a:endParaRPr lang="zh-CN" altLang="en-US"/>
           </a:p>
         </p:txBody>
       </p:sp>
     </p:spTree>
-    <p:extLst>
-      <p:ext uri="{BB962C8B-B14F-4D97-AF65-F5344CB8AC3E}">
-        <p14:creationId xmlns:p14="http://schemas.microsoft.com/office/powerpoint/2010/main" val="2251200944"/>
-      </p:ext>
-    </p:extLst>
   </p:cSld>
   <p:clrMapOvr>
     <a:masterClrMapping/>
@@ -1627,18 +2225,12 @@
           <a:p>
             <a:fld id="{B9BCC932-0C1F-4C94-8B9A-3944ABBB4E30}" type="slidenum">
               <a:rPr lang="zh-CN" altLang="en-US" smtClean="0"/>
-              <a:t>13</a:t>
             </a:fld>
             <a:endParaRPr lang="zh-CN" altLang="en-US"/>
           </a:p>
         </p:txBody>
       </p:sp>
     </p:spTree>
-    <p:extLst>
-      <p:ext uri="{BB962C8B-B14F-4D97-AF65-F5344CB8AC3E}">
-        <p14:creationId xmlns:p14="http://schemas.microsoft.com/office/powerpoint/2010/main" val="3078960906"/>
-      </p:ext>
-    </p:extLst>
   </p:cSld>
   <p:clrMapOvr>
     <a:masterClrMapping/>
@@ -1716,18 +2308,12 @@
           <a:p>
             <a:fld id="{B9BCC932-0C1F-4C94-8B9A-3944ABBB4E30}" type="slidenum">
               <a:rPr lang="zh-CN" altLang="en-US" smtClean="0"/>
-              <a:t>14</a:t>
             </a:fld>
             <a:endParaRPr lang="zh-CN" altLang="en-US"/>
           </a:p>
         </p:txBody>
       </p:sp>
     </p:spTree>
-    <p:extLst>
-      <p:ext uri="{BB962C8B-B14F-4D97-AF65-F5344CB8AC3E}">
-        <p14:creationId xmlns:p14="http://schemas.microsoft.com/office/powerpoint/2010/main" val="1235878295"/>
-      </p:ext>
-    </p:extLst>
   </p:cSld>
   <p:clrMapOvr>
     <a:masterClrMapping/>
@@ -1805,18 +2391,12 @@
           <a:p>
             <a:fld id="{B9BCC932-0C1F-4C94-8B9A-3944ABBB4E30}" type="slidenum">
               <a:rPr lang="zh-CN" altLang="en-US" smtClean="0"/>
-              <a:t>15</a:t>
             </a:fld>
             <a:endParaRPr lang="zh-CN" altLang="en-US"/>
           </a:p>
         </p:txBody>
       </p:sp>
     </p:spTree>
-    <p:extLst>
-      <p:ext uri="{BB962C8B-B14F-4D97-AF65-F5344CB8AC3E}">
-        <p14:creationId xmlns:p14="http://schemas.microsoft.com/office/powerpoint/2010/main" val="2298323961"/>
-      </p:ext>
-    </p:extLst>
   </p:cSld>
   <p:clrMapOvr>
     <a:masterClrMapping/>
@@ -1894,18 +2474,12 @@
           <a:p>
             <a:fld id="{B9BCC932-0C1F-4C94-8B9A-3944ABBB4E30}" type="slidenum">
               <a:rPr lang="zh-CN" altLang="en-US" smtClean="0"/>
-              <a:t>16</a:t>
             </a:fld>
             <a:endParaRPr lang="zh-CN" altLang="en-US"/>
           </a:p>
         </p:txBody>
       </p:sp>
     </p:spTree>
-    <p:extLst>
-      <p:ext uri="{BB962C8B-B14F-4D97-AF65-F5344CB8AC3E}">
-        <p14:creationId xmlns:p14="http://schemas.microsoft.com/office/powerpoint/2010/main" val="3369768222"/>
-      </p:ext>
-    </p:extLst>
   </p:cSld>
   <p:clrMapOvr>
     <a:masterClrMapping/>
@@ -1983,18 +2557,95 @@
           <a:p>
             <a:fld id="{B9BCC932-0C1F-4C94-8B9A-3944ABBB4E30}" type="slidenum">
               <a:rPr lang="zh-CN" altLang="en-US" smtClean="0"/>
-              <a:t>17</a:t>
             </a:fld>
             <a:endParaRPr lang="zh-CN" altLang="en-US"/>
           </a:p>
         </p:txBody>
       </p:sp>
     </p:spTree>
-    <p:extLst>
-      <p:ext uri="{BB962C8B-B14F-4D97-AF65-F5344CB8AC3E}">
-        <p14:creationId xmlns:p14="http://schemas.microsoft.com/office/powerpoint/2010/main" val="180153490"/>
-      </p:ext>
-    </p:extLst>
+  </p:cSld>
+  <p:clrMapOvr>
+    <a:masterClrMapping/>
+  </p:clrMapOvr>
+</p:notes>
+</file>
+
+<file path=ppt/notesSlides/notesSlide18.xml><?xml version="1.0" encoding="utf-8"?>
+<p:notes xmlns:a="http://schemas.openxmlformats.org/drawingml/2006/main" xmlns:r="http://schemas.openxmlformats.org/officeDocument/2006/relationships" xmlns:p="http://schemas.openxmlformats.org/presentationml/2006/main">
+  <p:cSld>
+    <p:spTree>
+      <p:nvGrpSpPr>
+        <p:cNvPr id="1" name=""/>
+        <p:cNvGrpSpPr/>
+        <p:nvPr/>
+      </p:nvGrpSpPr>
+      <p:grpSpPr>
+        <a:xfrm>
+          <a:off x="0" y="0"/>
+          <a:ext cx="0" cy="0"/>
+          <a:chOff x="0" y="0"/>
+          <a:chExt cx="0" cy="0"/>
+        </a:xfrm>
+      </p:grpSpPr>
+      <p:sp>
+        <p:nvSpPr>
+          <p:cNvPr id="2" name="幻灯片图像占位符 1"/>
+          <p:cNvSpPr>
+            <a:spLocks noGrp="1" noRot="1" noChangeAspect="1"/>
+          </p:cNvSpPr>
+          <p:nvPr>
+            <p:ph type="sldImg"/>
+          </p:nvPr>
+        </p:nvSpPr>
+        <p:spPr>
+          <a:xfrm>
+            <a:off x="1371600" y="1143000"/>
+            <a:ext cx="4114800" cy="3086100"/>
+          </a:xfrm>
+        </p:spPr>
+      </p:sp>
+      <p:sp>
+        <p:nvSpPr>
+          <p:cNvPr id="3" name="备注占位符 2"/>
+          <p:cNvSpPr>
+            <a:spLocks noGrp="1"/>
+          </p:cNvSpPr>
+          <p:nvPr>
+            <p:ph type="body" idx="1"/>
+          </p:nvPr>
+        </p:nvSpPr>
+        <p:spPr/>
+        <p:txBody>
+          <a:bodyPr/>
+          <a:lstStyle/>
+          <a:p>
+            <a:endParaRPr lang="zh-CN" altLang="en-US"/>
+          </a:p>
+        </p:txBody>
+      </p:sp>
+      <p:sp>
+        <p:nvSpPr>
+          <p:cNvPr id="4" name="灯片编号占位符 3"/>
+          <p:cNvSpPr>
+            <a:spLocks noGrp="1"/>
+          </p:cNvSpPr>
+          <p:nvPr>
+            <p:ph type="sldNum" sz="quarter" idx="10"/>
+          </p:nvPr>
+        </p:nvSpPr>
+        <p:spPr/>
+        <p:txBody>
+          <a:bodyPr/>
+          <a:lstStyle/>
+          <a:p>
+            <a:fld id="{B9BCC932-0C1F-4C94-8B9A-3944ABBB4E30}" type="slidenum">
+              <a:rPr lang="zh-CN" altLang="en-US" smtClean="0"/>
+            </a:fld>
+            <a:endParaRPr lang="zh-CN" altLang="en-US"/>
+          </a:p>
+        </p:txBody>
+      </p:sp>
+    </p:spTree>
   </p:cSld>
   <p:clrMapOvr>
     <a:masterClrMapping/>
@@ -2072,18 +2723,12 @@
           <a:p>
             <a:fld id="{B9BCC932-0C1F-4C94-8B9A-3944ABBB4E30}" type="slidenum">
               <a:rPr lang="zh-CN" altLang="en-US" smtClean="0"/>
-              <a:t>2</a:t>
             </a:fld>
             <a:endParaRPr lang="zh-CN" altLang="en-US"/>
           </a:p>
         </p:txBody>
       </p:sp>
     </p:spTree>
-    <p:extLst>
-      <p:ext uri="{BB962C8B-B14F-4D97-AF65-F5344CB8AC3E}">
-        <p14:creationId xmlns:p14="http://schemas.microsoft.com/office/powerpoint/2010/main" val="4153960333"/>
-      </p:ext>
-    </p:extLst>
   </p:cSld>
   <p:clrMapOvr>
     <a:masterClrMapping/>
@@ -2161,18 +2806,12 @@
           <a:p>
             <a:fld id="{B9BCC932-0C1F-4C94-8B9A-3944ABBB4E30}" type="slidenum">
               <a:rPr lang="zh-CN" altLang="en-US" smtClean="0"/>
-              <a:t>3</a:t>
             </a:fld>
             <a:endParaRPr lang="zh-CN" altLang="en-US"/>
           </a:p>
         </p:txBody>
       </p:sp>
     </p:spTree>
-    <p:extLst>
-      <p:ext uri="{BB962C8B-B14F-4D97-AF65-F5344CB8AC3E}">
-        <p14:creationId xmlns:p14="http://schemas.microsoft.com/office/powerpoint/2010/main" val="1699212750"/>
-      </p:ext>
-    </p:extLst>
   </p:cSld>
   <p:clrMapOvr>
     <a:masterClrMapping/>
@@ -2250,18 +2889,12 @@
           <a:p>
             <a:fld id="{B9BCC932-0C1F-4C94-8B9A-3944ABBB4E30}" type="slidenum">
               <a:rPr lang="zh-CN" altLang="en-US" smtClean="0"/>
-              <a:t>4</a:t>
             </a:fld>
             <a:endParaRPr lang="zh-CN" altLang="en-US"/>
           </a:p>
         </p:txBody>
       </p:sp>
     </p:spTree>
-    <p:extLst>
-      <p:ext uri="{BB962C8B-B14F-4D97-AF65-F5344CB8AC3E}">
-        <p14:creationId xmlns:p14="http://schemas.microsoft.com/office/powerpoint/2010/main" val="2965039031"/>
-      </p:ext>
-    </p:extLst>
   </p:cSld>
   <p:clrMapOvr>
     <a:masterClrMapping/>
@@ -2339,18 +2972,12 @@
           <a:p>
             <a:fld id="{B9BCC932-0C1F-4C94-8B9A-3944ABBB4E30}" type="slidenum">
               <a:rPr lang="zh-CN" altLang="en-US" smtClean="0"/>
-              <a:t>5</a:t>
             </a:fld>
             <a:endParaRPr lang="zh-CN" altLang="en-US"/>
           </a:p>
         </p:txBody>
       </p:sp>
     </p:spTree>
-    <p:extLst>
-      <p:ext uri="{BB962C8B-B14F-4D97-AF65-F5344CB8AC3E}">
-        <p14:creationId xmlns:p14="http://schemas.microsoft.com/office/powerpoint/2010/main" val="349949146"/>
-      </p:ext>
-    </p:extLst>
   </p:cSld>
   <p:clrMapOvr>
     <a:masterClrMapping/>
@@ -2428,18 +3055,12 @@
           <a:p>
             <a:fld id="{B9BCC932-0C1F-4C94-8B9A-3944ABBB4E30}" type="slidenum">
               <a:rPr lang="zh-CN" altLang="en-US" smtClean="0"/>
-              <a:t>6</a:t>
             </a:fld>
             <a:endParaRPr lang="zh-CN" altLang="en-US"/>
           </a:p>
         </p:txBody>
       </p:sp>
     </p:spTree>
-    <p:extLst>
-      <p:ext uri="{BB962C8B-B14F-4D97-AF65-F5344CB8AC3E}">
-        <p14:creationId xmlns:p14="http://schemas.microsoft.com/office/powerpoint/2010/main" val="1111755951"/>
-      </p:ext>
-    </p:extLst>
   </p:cSld>
   <p:clrMapOvr>
     <a:masterClrMapping/>
@@ -2517,18 +3138,12 @@
           <a:p>
             <a:fld id="{B9BCC932-0C1F-4C94-8B9A-3944ABBB4E30}" type="slidenum">
               <a:rPr lang="zh-CN" altLang="en-US" smtClean="0"/>
-              <a:t>7</a:t>
             </a:fld>
             <a:endParaRPr lang="zh-CN" altLang="en-US"/>
           </a:p>
         </p:txBody>
       </p:sp>
     </p:spTree>
-    <p:extLst>
-      <p:ext uri="{BB962C8B-B14F-4D97-AF65-F5344CB8AC3E}">
-        <p14:creationId xmlns:p14="http://schemas.microsoft.com/office/powerpoint/2010/main" val="165045731"/>
-      </p:ext>
-    </p:extLst>
   </p:cSld>
   <p:clrMapOvr>
     <a:masterClrMapping/>
@@ -2606,18 +3221,12 @@
           <a:p>
             <a:fld id="{B9BCC932-0C1F-4C94-8B9A-3944ABBB4E30}" type="slidenum">
               <a:rPr lang="zh-CN" altLang="en-US" smtClean="0"/>
-              <a:t>8</a:t>
             </a:fld>
             <a:endParaRPr lang="zh-CN" altLang="en-US"/>
           </a:p>
         </p:txBody>
       </p:sp>
     </p:spTree>
-    <p:extLst>
-      <p:ext uri="{BB962C8B-B14F-4D97-AF65-F5344CB8AC3E}">
-        <p14:creationId xmlns:p14="http://schemas.microsoft.com/office/powerpoint/2010/main" val="779911162"/>
-      </p:ext>
-    </p:extLst>
   </p:cSld>
   <p:clrMapOvr>
     <a:masterClrMapping/>
@@ -2695,18 +3304,12 @@
           <a:p>
             <a:fld id="{B9BCC932-0C1F-4C94-8B9A-3944ABBB4E30}" type="slidenum">
               <a:rPr lang="zh-CN" altLang="en-US" smtClean="0"/>
-              <a:t>9</a:t>
             </a:fld>
             <a:endParaRPr lang="zh-CN" altLang="en-US"/>
           </a:p>
         </p:txBody>
       </p:sp>
     </p:spTree>
-    <p:extLst>
-      <p:ext uri="{BB962C8B-B14F-4D97-AF65-F5344CB8AC3E}">
-        <p14:creationId xmlns:p14="http://schemas.microsoft.com/office/powerpoint/2010/main" val="4183256043"/>
-      </p:ext>
-    </p:extLst>
   </p:cSld>
   <p:clrMapOvr>
     <a:masterClrMapping/>
@@ -2780,7 +3383,6 @@
           <a:p>
             <a:fld id="{8AF6F278-ABF0-48CA-ADF0-1D43CCA8A181}" type="datetimeFigureOut">
               <a:rPr lang="zh-CN" altLang="en-US" smtClean="0"/>
-              <a:t>2023/5/27</a:t>
             </a:fld>
             <a:endParaRPr lang="zh-CN" altLang="en-US"/>
           </a:p>
@@ -2822,7 +3424,6 @@
           <a:p>
             <a:fld id="{F46799FB-52B8-4698-BECF-01ADD9E846BE}" type="slidenum">
               <a:rPr lang="zh-CN" altLang="en-US" smtClean="0"/>
-              <a:t>‹#›</a:t>
             </a:fld>
             <a:endParaRPr lang="zh-CN" altLang="en-US"/>
           </a:p>
@@ -2830,13 +3431,7 @@
       </p:sp>
       <p:sp>
         <p:nvSpPr>
-          <p:cNvPr id="7" name="矩形 6">
-            <a:extLst>
-              <a:ext uri="{FF2B5EF4-FFF2-40B4-BE49-F238E27FC236}">
-                <a16:creationId xmlns:a16="http://schemas.microsoft.com/office/drawing/2014/main" id="{BD623D83-E2A8-4D3F-811F-9DA8DA5A0060}"/>
-              </a:ext>
-            </a:extLst>
-          </p:cNvPr>
+          <p:cNvPr id="7" name="矩形 6"/>
           <p:cNvSpPr/>
           <p:nvPr userDrawn="1"/>
         </p:nvSpPr>
@@ -2882,13 +3477,7 @@
       </p:sp>
       <p:sp>
         <p:nvSpPr>
-          <p:cNvPr id="8" name="矩形 7">
-            <a:extLst>
-              <a:ext uri="{FF2B5EF4-FFF2-40B4-BE49-F238E27FC236}">
-                <a16:creationId xmlns:a16="http://schemas.microsoft.com/office/drawing/2014/main" id="{9BA20394-4E92-4CFF-8460-5E5F892C023F}"/>
-              </a:ext>
-            </a:extLst>
-          </p:cNvPr>
+          <p:cNvPr id="8" name="矩形 7"/>
           <p:cNvSpPr/>
           <p:nvPr userDrawn="1"/>
         </p:nvSpPr>
@@ -2934,13 +3523,7 @@
       </p:sp>
       <p:sp>
         <p:nvSpPr>
-          <p:cNvPr id="9" name="矩形 8">
-            <a:extLst>
-              <a:ext uri="{FF2B5EF4-FFF2-40B4-BE49-F238E27FC236}">
-                <a16:creationId xmlns:a16="http://schemas.microsoft.com/office/drawing/2014/main" id="{CF3B1382-C2B6-4A78-AC70-E5FB5018C6F3}"/>
-              </a:ext>
-            </a:extLst>
-          </p:cNvPr>
+          <p:cNvPr id="9" name="矩形 8"/>
           <p:cNvSpPr/>
           <p:nvPr userDrawn="1"/>
         </p:nvSpPr>
@@ -2986,13 +3569,7 @@
       </p:sp>
       <p:sp>
         <p:nvSpPr>
-          <p:cNvPr id="10" name="矩形 9">
-            <a:extLst>
-              <a:ext uri="{FF2B5EF4-FFF2-40B4-BE49-F238E27FC236}">
-                <a16:creationId xmlns:a16="http://schemas.microsoft.com/office/drawing/2014/main" id="{B98DFBC0-340E-4E3E-AE22-7BE154B8B660}"/>
-              </a:ext>
-            </a:extLst>
-          </p:cNvPr>
+          <p:cNvPr id="10" name="矩形 9"/>
           <p:cNvSpPr/>
           <p:nvPr userDrawn="1"/>
         </p:nvSpPr>
@@ -3038,13 +3615,7 @@
       </p:sp>
       <p:sp>
         <p:nvSpPr>
-          <p:cNvPr id="11" name="圆角矩形 7">
-            <a:extLst>
-              <a:ext uri="{FF2B5EF4-FFF2-40B4-BE49-F238E27FC236}">
-                <a16:creationId xmlns:a16="http://schemas.microsoft.com/office/drawing/2014/main" id="{A65551B7-532D-49E9-8D41-1778D936C0EE}"/>
-              </a:ext>
-            </a:extLst>
-          </p:cNvPr>
+          <p:cNvPr id="11" name="圆角矩形 7"/>
           <p:cNvSpPr/>
           <p:nvPr userDrawn="1"/>
         </p:nvSpPr>
@@ -3099,13 +3670,7 @@
       </p:sp>
       <p:pic>
         <p:nvPicPr>
-          <p:cNvPr id="16" name="图片 15" descr="徽标&#10;&#10;描述已自动生成">
-            <a:extLst>
-              <a:ext uri="{FF2B5EF4-FFF2-40B4-BE49-F238E27FC236}">
-                <a16:creationId xmlns:a16="http://schemas.microsoft.com/office/drawing/2014/main" id="{06A4D7F9-7391-4F03-A07B-B260B803E204}"/>
-              </a:ext>
-            </a:extLst>
-          </p:cNvPr>
+          <p:cNvPr id="16" name="图片 15" descr="徽标&#10;&#10;描述已自动生成"/>
           <p:cNvPicPr>
             <a:picLocks noChangeAspect="1"/>
           </p:cNvPicPr>
@@ -3134,11 +3699,6 @@
         </p:spPr>
       </p:pic>
     </p:spTree>
-    <p:extLst>
-      <p:ext uri="{BB962C8B-B14F-4D97-AF65-F5344CB8AC3E}">
-        <p14:creationId xmlns:p14="http://schemas.microsoft.com/office/powerpoint/2010/main" val="3337922989"/>
-      </p:ext>
-    </p:extLst>
   </p:cSld>
   <p:clrMapOvr>
     <a:masterClrMapping/>
@@ -3248,6 +3808,7 @@
               <a:rPr lang="zh-CN" altLang="en-US"/>
               <a:t>单击此处编辑母版文本样式</a:t>
             </a:r>
+            <a:endParaRPr lang="zh-CN" altLang="en-US"/>
           </a:p>
           <a:p>
             <a:pPr lvl="1"/>
@@ -3255,6 +3816,7 @@
               <a:rPr lang="zh-CN" altLang="en-US"/>
               <a:t>二级</a:t>
             </a:r>
+            <a:endParaRPr lang="zh-CN" altLang="en-US"/>
           </a:p>
           <a:p>
             <a:pPr lvl="2"/>
@@ -3262,6 +3824,7 @@
               <a:rPr lang="zh-CN" altLang="en-US"/>
               <a:t>三级</a:t>
             </a:r>
+            <a:endParaRPr lang="zh-CN" altLang="en-US"/>
           </a:p>
           <a:p>
             <a:pPr lvl="3"/>
@@ -3269,6 +3832,7 @@
               <a:rPr lang="zh-CN" altLang="en-US"/>
               <a:t>四级</a:t>
             </a:r>
+            <a:endParaRPr lang="zh-CN" altLang="en-US"/>
           </a:p>
           <a:p>
             <a:pPr lvl="4"/>
@@ -3342,6 +3906,7 @@
               <a:rPr lang="zh-CN" altLang="en-US"/>
               <a:t>单击此处编辑母版文本样式</a:t>
             </a:r>
+            <a:endParaRPr lang="zh-CN" altLang="en-US"/>
           </a:p>
         </p:txBody>
       </p:sp>
@@ -3368,8 +3933,6 @@
                   </a:prstClr>
                 </a:solidFill>
               </a:rPr>
-              <a:pPr/>
-              <a:t>2023/5/27</a:t>
             </a:fld>
             <a:endParaRPr lang="zh-CN" altLang="en-US">
               <a:solidFill>
@@ -3429,8 +3992,6 @@
                   </a:prstClr>
                 </a:solidFill>
               </a:rPr>
-              <a:pPr/>
-              <a:t>‹#›</a:t>
             </a:fld>
             <a:endParaRPr lang="zh-CN" altLang="en-US">
               <a:solidFill>
@@ -3443,11 +4004,6 @@
         </p:txBody>
       </p:sp>
     </p:spTree>
-    <p:extLst>
-      <p:ext uri="{BB962C8B-B14F-4D97-AF65-F5344CB8AC3E}">
-        <p14:creationId xmlns:p14="http://schemas.microsoft.com/office/powerpoint/2010/main" val="3780768184"/>
-      </p:ext>
-    </p:extLst>
   </p:cSld>
   <p:clrMapOvr>
     <a:masterClrMapping/>
@@ -3631,6 +4187,7 @@
               <a:rPr lang="zh-CN" altLang="en-US"/>
               <a:t>单击此处编辑母版文本样式</a:t>
             </a:r>
+            <a:endParaRPr lang="zh-CN" altLang="en-US"/>
           </a:p>
         </p:txBody>
       </p:sp>
@@ -3657,8 +4214,6 @@
                   </a:prstClr>
                 </a:solidFill>
               </a:rPr>
-              <a:pPr/>
-              <a:t>2023/5/27</a:t>
             </a:fld>
             <a:endParaRPr lang="zh-CN" altLang="en-US">
               <a:solidFill>
@@ -3718,8 +4273,6 @@
                   </a:prstClr>
                 </a:solidFill>
               </a:rPr>
-              <a:pPr/>
-              <a:t>‹#›</a:t>
             </a:fld>
             <a:endParaRPr lang="zh-CN" altLang="en-US">
               <a:solidFill>
@@ -3732,11 +4285,6 @@
         </p:txBody>
       </p:sp>
     </p:spTree>
-    <p:extLst>
-      <p:ext uri="{BB962C8B-B14F-4D97-AF65-F5344CB8AC3E}">
-        <p14:creationId xmlns:p14="http://schemas.microsoft.com/office/powerpoint/2010/main" val="3187895822"/>
-      </p:ext>
-    </p:extLst>
   </p:cSld>
   <p:clrMapOvr>
     <a:masterClrMapping/>
@@ -3804,6 +4352,7 @@
               <a:rPr lang="zh-CN" altLang="en-US"/>
               <a:t>单击此处编辑母版文本样式</a:t>
             </a:r>
+            <a:endParaRPr lang="zh-CN" altLang="en-US"/>
           </a:p>
           <a:p>
             <a:pPr lvl="1"/>
@@ -3811,6 +4360,7 @@
               <a:rPr lang="zh-CN" altLang="en-US"/>
               <a:t>二级</a:t>
             </a:r>
+            <a:endParaRPr lang="zh-CN" altLang="en-US"/>
           </a:p>
           <a:p>
             <a:pPr lvl="2"/>
@@ -3818,6 +4368,7 @@
               <a:rPr lang="zh-CN" altLang="en-US"/>
               <a:t>三级</a:t>
             </a:r>
+            <a:endParaRPr lang="zh-CN" altLang="en-US"/>
           </a:p>
           <a:p>
             <a:pPr lvl="3"/>
@@ -3825,6 +4376,7 @@
               <a:rPr lang="zh-CN" altLang="en-US"/>
               <a:t>四级</a:t>
             </a:r>
+            <a:endParaRPr lang="zh-CN" altLang="en-US"/>
           </a:p>
           <a:p>
             <a:pPr lvl="4"/>
@@ -3859,8 +4411,6 @@
                   </a:prstClr>
                 </a:solidFill>
               </a:rPr>
-              <a:pPr/>
-              <a:t>2023/5/27</a:t>
             </a:fld>
             <a:endParaRPr lang="zh-CN" altLang="en-US">
               <a:solidFill>
@@ -3920,8 +4470,6 @@
                   </a:prstClr>
                 </a:solidFill>
               </a:rPr>
-              <a:pPr/>
-              <a:t>‹#›</a:t>
             </a:fld>
             <a:endParaRPr lang="zh-CN" altLang="en-US">
               <a:solidFill>
@@ -3934,11 +4482,6 @@
         </p:txBody>
       </p:sp>
     </p:spTree>
-    <p:extLst>
-      <p:ext uri="{BB962C8B-B14F-4D97-AF65-F5344CB8AC3E}">
-        <p14:creationId xmlns:p14="http://schemas.microsoft.com/office/powerpoint/2010/main" val="576568358"/>
-      </p:ext>
-    </p:extLst>
   </p:cSld>
   <p:clrMapOvr>
     <a:masterClrMapping/>
@@ -4016,6 +4559,7 @@
               <a:rPr lang="zh-CN" altLang="en-US"/>
               <a:t>单击此处编辑母版文本样式</a:t>
             </a:r>
+            <a:endParaRPr lang="zh-CN" altLang="en-US"/>
           </a:p>
           <a:p>
             <a:pPr lvl="1"/>
@@ -4023,6 +4567,7 @@
               <a:rPr lang="zh-CN" altLang="en-US"/>
               <a:t>二级</a:t>
             </a:r>
+            <a:endParaRPr lang="zh-CN" altLang="en-US"/>
           </a:p>
           <a:p>
             <a:pPr lvl="2"/>
@@ -4030,6 +4575,7 @@
               <a:rPr lang="zh-CN" altLang="en-US"/>
               <a:t>三级</a:t>
             </a:r>
+            <a:endParaRPr lang="zh-CN" altLang="en-US"/>
           </a:p>
           <a:p>
             <a:pPr lvl="3"/>
@@ -4037,6 +4583,7 @@
               <a:rPr lang="zh-CN" altLang="en-US"/>
               <a:t>四级</a:t>
             </a:r>
+            <a:endParaRPr lang="zh-CN" altLang="en-US"/>
           </a:p>
           <a:p>
             <a:pPr lvl="4"/>
@@ -4071,8 +4618,6 @@
                   </a:prstClr>
                 </a:solidFill>
               </a:rPr>
-              <a:pPr/>
-              <a:t>2023/5/27</a:t>
             </a:fld>
             <a:endParaRPr lang="zh-CN" altLang="en-US">
               <a:solidFill>
@@ -4132,8 +4677,6 @@
                   </a:prstClr>
                 </a:solidFill>
               </a:rPr>
-              <a:pPr/>
-              <a:t>‹#›</a:t>
             </a:fld>
             <a:endParaRPr lang="zh-CN" altLang="en-US">
               <a:solidFill>
@@ -4146,11 +4689,6 @@
         </p:txBody>
       </p:sp>
     </p:spTree>
-    <p:extLst>
-      <p:ext uri="{BB962C8B-B14F-4D97-AF65-F5344CB8AC3E}">
-        <p14:creationId xmlns:p14="http://schemas.microsoft.com/office/powerpoint/2010/main" val="1704160087"/>
-      </p:ext>
-    </p:extLst>
   </p:cSld>
   <p:clrMapOvr>
     <a:masterClrMapping/>
@@ -4224,7 +4762,6 @@
           <a:p>
             <a:fld id="{8AF6F278-ABF0-48CA-ADF0-1D43CCA8A181}" type="datetimeFigureOut">
               <a:rPr lang="zh-CN" altLang="en-US" smtClean="0"/>
-              <a:t>2023/5/27</a:t>
             </a:fld>
             <a:endParaRPr lang="zh-CN" altLang="en-US"/>
           </a:p>
@@ -4266,7 +4803,6 @@
           <a:p>
             <a:fld id="{F46799FB-52B8-4698-BECF-01ADD9E846BE}" type="slidenum">
               <a:rPr lang="zh-CN" altLang="en-US" smtClean="0"/>
-              <a:t>‹#›</a:t>
             </a:fld>
             <a:endParaRPr lang="zh-CN" altLang="en-US"/>
           </a:p>
@@ -4274,13 +4810,7 @@
       </p:sp>
       <p:sp>
         <p:nvSpPr>
-          <p:cNvPr id="7" name="矩形 6">
-            <a:extLst>
-              <a:ext uri="{FF2B5EF4-FFF2-40B4-BE49-F238E27FC236}">
-                <a16:creationId xmlns:a16="http://schemas.microsoft.com/office/drawing/2014/main" id="{BD623D83-E2A8-4D3F-811F-9DA8DA5A0060}"/>
-              </a:ext>
-            </a:extLst>
-          </p:cNvPr>
+          <p:cNvPr id="7" name="矩形 6"/>
           <p:cNvSpPr/>
           <p:nvPr userDrawn="1"/>
         </p:nvSpPr>
@@ -4326,13 +4856,7 @@
       </p:sp>
       <p:sp>
         <p:nvSpPr>
-          <p:cNvPr id="8" name="矩形 7">
-            <a:extLst>
-              <a:ext uri="{FF2B5EF4-FFF2-40B4-BE49-F238E27FC236}">
-                <a16:creationId xmlns:a16="http://schemas.microsoft.com/office/drawing/2014/main" id="{9BA20394-4E92-4CFF-8460-5E5F892C023F}"/>
-              </a:ext>
-            </a:extLst>
-          </p:cNvPr>
+          <p:cNvPr id="8" name="矩形 7"/>
           <p:cNvSpPr/>
           <p:nvPr userDrawn="1"/>
         </p:nvSpPr>
@@ -4378,13 +4902,7 @@
       </p:sp>
       <p:sp>
         <p:nvSpPr>
-          <p:cNvPr id="9" name="矩形 8">
-            <a:extLst>
-              <a:ext uri="{FF2B5EF4-FFF2-40B4-BE49-F238E27FC236}">
-                <a16:creationId xmlns:a16="http://schemas.microsoft.com/office/drawing/2014/main" id="{CF3B1382-C2B6-4A78-AC70-E5FB5018C6F3}"/>
-              </a:ext>
-            </a:extLst>
-          </p:cNvPr>
+          <p:cNvPr id="9" name="矩形 8"/>
           <p:cNvSpPr/>
           <p:nvPr userDrawn="1"/>
         </p:nvSpPr>
@@ -4430,13 +4948,7 @@
       </p:sp>
       <p:sp>
         <p:nvSpPr>
-          <p:cNvPr id="10" name="矩形 9">
-            <a:extLst>
-              <a:ext uri="{FF2B5EF4-FFF2-40B4-BE49-F238E27FC236}">
-                <a16:creationId xmlns:a16="http://schemas.microsoft.com/office/drawing/2014/main" id="{B98DFBC0-340E-4E3E-AE22-7BE154B8B660}"/>
-              </a:ext>
-            </a:extLst>
-          </p:cNvPr>
+          <p:cNvPr id="10" name="矩形 9"/>
           <p:cNvSpPr/>
           <p:nvPr userDrawn="1"/>
         </p:nvSpPr>
@@ -4482,13 +4994,7 @@
       </p:sp>
       <p:sp>
         <p:nvSpPr>
-          <p:cNvPr id="11" name="圆角矩形 7">
-            <a:extLst>
-              <a:ext uri="{FF2B5EF4-FFF2-40B4-BE49-F238E27FC236}">
-                <a16:creationId xmlns:a16="http://schemas.microsoft.com/office/drawing/2014/main" id="{A65551B7-532D-49E9-8D41-1778D936C0EE}"/>
-              </a:ext>
-            </a:extLst>
-          </p:cNvPr>
+          <p:cNvPr id="11" name="圆角矩形 7"/>
           <p:cNvSpPr/>
           <p:nvPr userDrawn="1"/>
         </p:nvSpPr>
@@ -4543,13 +5049,7 @@
       </p:sp>
       <p:pic>
         <p:nvPicPr>
-          <p:cNvPr id="16" name="图片 15" descr="徽标&#10;&#10;描述已自动生成">
-            <a:extLst>
-              <a:ext uri="{FF2B5EF4-FFF2-40B4-BE49-F238E27FC236}">
-                <a16:creationId xmlns:a16="http://schemas.microsoft.com/office/drawing/2014/main" id="{06A4D7F9-7391-4F03-A07B-B260B803E204}"/>
-              </a:ext>
-            </a:extLst>
-          </p:cNvPr>
+          <p:cNvPr id="16" name="图片 15" descr="徽标&#10;&#10;描述已自动生成"/>
           <p:cNvPicPr>
             <a:picLocks noChangeAspect="1"/>
           </p:cNvPicPr>
@@ -4578,11 +5078,6 @@
         </p:spPr>
       </p:pic>
     </p:spTree>
-    <p:extLst>
-      <p:ext uri="{BB962C8B-B14F-4D97-AF65-F5344CB8AC3E}">
-        <p14:creationId xmlns:p14="http://schemas.microsoft.com/office/powerpoint/2010/main" val="23915178"/>
-      </p:ext>
-    </p:extLst>
   </p:cSld>
   <p:clrMapOvr>
     <a:masterClrMapping/>
@@ -4727,8 +5222,6 @@
                   </a:prstClr>
                 </a:solidFill>
               </a:rPr>
-              <a:pPr/>
-              <a:t>2023/5/27</a:t>
             </a:fld>
             <a:endParaRPr lang="zh-CN" altLang="en-US">
               <a:solidFill>
@@ -4788,8 +5281,6 @@
                   </a:prstClr>
                 </a:solidFill>
               </a:rPr>
-              <a:pPr/>
-              <a:t>‹#›</a:t>
             </a:fld>
             <a:endParaRPr lang="zh-CN" altLang="en-US">
               <a:solidFill>
@@ -4802,11 +5293,6 @@
         </p:txBody>
       </p:sp>
     </p:spTree>
-    <p:extLst>
-      <p:ext uri="{BB962C8B-B14F-4D97-AF65-F5344CB8AC3E}">
-        <p14:creationId xmlns:p14="http://schemas.microsoft.com/office/powerpoint/2010/main" val="3899798372"/>
-      </p:ext>
-    </p:extLst>
   </p:cSld>
   <p:clrMapOvr>
     <a:masterClrMapping/>
@@ -4874,6 +5360,7 @@
               <a:rPr lang="zh-CN" altLang="en-US"/>
               <a:t>单击此处编辑母版文本样式</a:t>
             </a:r>
+            <a:endParaRPr lang="zh-CN" altLang="en-US"/>
           </a:p>
           <a:p>
             <a:pPr lvl="1"/>
@@ -4881,6 +5368,7 @@
               <a:rPr lang="zh-CN" altLang="en-US"/>
               <a:t>二级</a:t>
             </a:r>
+            <a:endParaRPr lang="zh-CN" altLang="en-US"/>
           </a:p>
           <a:p>
             <a:pPr lvl="2"/>
@@ -4888,6 +5376,7 @@
               <a:rPr lang="zh-CN" altLang="en-US"/>
               <a:t>三级</a:t>
             </a:r>
+            <a:endParaRPr lang="zh-CN" altLang="en-US"/>
           </a:p>
           <a:p>
             <a:pPr lvl="3"/>
@@ -4895,6 +5384,7 @@
               <a:rPr lang="zh-CN" altLang="en-US"/>
               <a:t>四级</a:t>
             </a:r>
+            <a:endParaRPr lang="zh-CN" altLang="en-US"/>
           </a:p>
           <a:p>
             <a:pPr lvl="4"/>
@@ -4929,8 +5419,6 @@
                   </a:prstClr>
                 </a:solidFill>
               </a:rPr>
-              <a:pPr/>
-              <a:t>2023/5/27</a:t>
             </a:fld>
             <a:endParaRPr lang="zh-CN" altLang="en-US">
               <a:solidFill>
@@ -4990,8 +5478,6 @@
                   </a:prstClr>
                 </a:solidFill>
               </a:rPr>
-              <a:pPr/>
-              <a:t>‹#›</a:t>
             </a:fld>
             <a:endParaRPr lang="zh-CN" altLang="en-US">
               <a:solidFill>
@@ -5004,11 +5490,6 @@
         </p:txBody>
       </p:sp>
     </p:spTree>
-    <p:extLst>
-      <p:ext uri="{BB962C8B-B14F-4D97-AF65-F5344CB8AC3E}">
-        <p14:creationId xmlns:p14="http://schemas.microsoft.com/office/powerpoint/2010/main" val="3221906598"/>
-      </p:ext>
-    </p:extLst>
   </p:cSld>
   <p:clrMapOvr>
     <a:masterClrMapping/>
@@ -5179,6 +5660,7 @@
               <a:rPr lang="zh-CN" altLang="en-US"/>
               <a:t>单击此处编辑母版文本样式</a:t>
             </a:r>
+            <a:endParaRPr lang="zh-CN" altLang="en-US"/>
           </a:p>
         </p:txBody>
       </p:sp>
@@ -5205,8 +5687,6 @@
                   </a:prstClr>
                 </a:solidFill>
               </a:rPr>
-              <a:pPr/>
-              <a:t>2023/5/27</a:t>
             </a:fld>
             <a:endParaRPr lang="zh-CN" altLang="en-US">
               <a:solidFill>
@@ -5266,8 +5746,6 @@
                   </a:prstClr>
                 </a:solidFill>
               </a:rPr>
-              <a:pPr/>
-              <a:t>‹#›</a:t>
             </a:fld>
             <a:endParaRPr lang="zh-CN" altLang="en-US">
               <a:solidFill>
@@ -5280,11 +5758,6 @@
         </p:txBody>
       </p:sp>
     </p:spTree>
-    <p:extLst>
-      <p:ext uri="{BB962C8B-B14F-4D97-AF65-F5344CB8AC3E}">
-        <p14:creationId xmlns:p14="http://schemas.microsoft.com/office/powerpoint/2010/main" val="1530030868"/>
-      </p:ext>
-    </p:extLst>
   </p:cSld>
   <p:clrMapOvr>
     <a:masterClrMapping/>
@@ -5357,6 +5830,7 @@
               <a:rPr lang="zh-CN" altLang="en-US"/>
               <a:t>单击此处编辑母版文本样式</a:t>
             </a:r>
+            <a:endParaRPr lang="zh-CN" altLang="en-US"/>
           </a:p>
           <a:p>
             <a:pPr lvl="1"/>
@@ -5364,6 +5838,7 @@
               <a:rPr lang="zh-CN" altLang="en-US"/>
               <a:t>二级</a:t>
             </a:r>
+            <a:endParaRPr lang="zh-CN" altLang="en-US"/>
           </a:p>
           <a:p>
             <a:pPr lvl="2"/>
@@ -5371,6 +5846,7 @@
               <a:rPr lang="zh-CN" altLang="en-US"/>
               <a:t>三级</a:t>
             </a:r>
+            <a:endParaRPr lang="zh-CN" altLang="en-US"/>
           </a:p>
           <a:p>
             <a:pPr lvl="3"/>
@@ -5378,6 +5854,7 @@
               <a:rPr lang="zh-CN" altLang="en-US"/>
               <a:t>四级</a:t>
             </a:r>
+            <a:endParaRPr lang="zh-CN" altLang="en-US"/>
           </a:p>
           <a:p>
             <a:pPr lvl="4"/>
@@ -5414,6 +5891,7 @@
               <a:rPr lang="zh-CN" altLang="en-US"/>
               <a:t>单击此处编辑母版文本样式</a:t>
             </a:r>
+            <a:endParaRPr lang="zh-CN" altLang="en-US"/>
           </a:p>
           <a:p>
             <a:pPr lvl="1"/>
@@ -5421,6 +5899,7 @@
               <a:rPr lang="zh-CN" altLang="en-US"/>
               <a:t>二级</a:t>
             </a:r>
+            <a:endParaRPr lang="zh-CN" altLang="en-US"/>
           </a:p>
           <a:p>
             <a:pPr lvl="2"/>
@@ -5428,6 +5907,7 @@
               <a:rPr lang="zh-CN" altLang="en-US"/>
               <a:t>三级</a:t>
             </a:r>
+            <a:endParaRPr lang="zh-CN" altLang="en-US"/>
           </a:p>
           <a:p>
             <a:pPr lvl="3"/>
@@ -5435,6 +5915,7 @@
               <a:rPr lang="zh-CN" altLang="en-US"/>
               <a:t>四级</a:t>
             </a:r>
+            <a:endParaRPr lang="zh-CN" altLang="en-US"/>
           </a:p>
           <a:p>
             <a:pPr lvl="4"/>
@@ -5469,8 +5950,6 @@
                   </a:prstClr>
                 </a:solidFill>
               </a:rPr>
-              <a:pPr/>
-              <a:t>2023/5/27</a:t>
             </a:fld>
             <a:endParaRPr lang="zh-CN" altLang="en-US">
               <a:solidFill>
@@ -5530,8 +6009,6 @@
                   </a:prstClr>
                 </a:solidFill>
               </a:rPr>
-              <a:pPr/>
-              <a:t>‹#›</a:t>
             </a:fld>
             <a:endParaRPr lang="zh-CN" altLang="en-US">
               <a:solidFill>
@@ -5544,11 +6021,6 @@
         </p:txBody>
       </p:sp>
     </p:spTree>
-    <p:extLst>
-      <p:ext uri="{BB962C8B-B14F-4D97-AF65-F5344CB8AC3E}">
-        <p14:creationId xmlns:p14="http://schemas.microsoft.com/office/powerpoint/2010/main" val="3895631569"/>
-      </p:ext>
-    </p:extLst>
   </p:cSld>
   <p:clrMapOvr>
     <a:masterClrMapping/>
@@ -5663,6 +6135,7 @@
               <a:rPr lang="zh-CN" altLang="en-US"/>
               <a:t>单击此处编辑母版文本样式</a:t>
             </a:r>
+            <a:endParaRPr lang="zh-CN" altLang="en-US"/>
           </a:p>
         </p:txBody>
       </p:sp>
@@ -5691,6 +6164,7 @@
               <a:rPr lang="zh-CN" altLang="en-US"/>
               <a:t>单击此处编辑母版文本样式</a:t>
             </a:r>
+            <a:endParaRPr lang="zh-CN" altLang="en-US"/>
           </a:p>
           <a:p>
             <a:pPr lvl="1"/>
@@ -5698,6 +6172,7 @@
               <a:rPr lang="zh-CN" altLang="en-US"/>
               <a:t>二级</a:t>
             </a:r>
+            <a:endParaRPr lang="zh-CN" altLang="en-US"/>
           </a:p>
           <a:p>
             <a:pPr lvl="2"/>
@@ -5705,6 +6180,7 @@
               <a:rPr lang="zh-CN" altLang="en-US"/>
               <a:t>三级</a:t>
             </a:r>
+            <a:endParaRPr lang="zh-CN" altLang="en-US"/>
           </a:p>
           <a:p>
             <a:pPr lvl="3"/>
@@ -5712,6 +6188,7 @@
               <a:rPr lang="zh-CN" altLang="en-US"/>
               <a:t>四级</a:t>
             </a:r>
+            <a:endParaRPr lang="zh-CN" altLang="en-US"/>
           </a:p>
           <a:p>
             <a:pPr lvl="4"/>
@@ -5785,6 +6262,7 @@
               <a:rPr lang="zh-CN" altLang="en-US"/>
               <a:t>单击此处编辑母版文本样式</a:t>
             </a:r>
+            <a:endParaRPr lang="zh-CN" altLang="en-US"/>
           </a:p>
         </p:txBody>
       </p:sp>
@@ -5813,6 +6291,7 @@
               <a:rPr lang="zh-CN" altLang="en-US"/>
               <a:t>单击此处编辑母版文本样式</a:t>
             </a:r>
+            <a:endParaRPr lang="zh-CN" altLang="en-US"/>
           </a:p>
           <a:p>
             <a:pPr lvl="1"/>
@@ -5820,6 +6299,7 @@
               <a:rPr lang="zh-CN" altLang="en-US"/>
               <a:t>二级</a:t>
             </a:r>
+            <a:endParaRPr lang="zh-CN" altLang="en-US"/>
           </a:p>
           <a:p>
             <a:pPr lvl="2"/>
@@ -5827,6 +6307,7 @@
               <a:rPr lang="zh-CN" altLang="en-US"/>
               <a:t>三级</a:t>
             </a:r>
+            <a:endParaRPr lang="zh-CN" altLang="en-US"/>
           </a:p>
           <a:p>
             <a:pPr lvl="3"/>
@@ -5834,6 +6315,7 @@
               <a:rPr lang="zh-CN" altLang="en-US"/>
               <a:t>四级</a:t>
             </a:r>
+            <a:endParaRPr lang="zh-CN" altLang="en-US"/>
           </a:p>
           <a:p>
             <a:pPr lvl="4"/>
@@ -5868,8 +6350,6 @@
                   </a:prstClr>
                 </a:solidFill>
               </a:rPr>
-              <a:pPr/>
-              <a:t>2023/5/27</a:t>
             </a:fld>
             <a:endParaRPr lang="zh-CN" altLang="en-US">
               <a:solidFill>
@@ -5929,8 +6409,6 @@
                   </a:prstClr>
                 </a:solidFill>
               </a:rPr>
-              <a:pPr/>
-              <a:t>‹#›</a:t>
             </a:fld>
             <a:endParaRPr lang="zh-CN" altLang="en-US">
               <a:solidFill>
@@ -5943,11 +6421,6 @@
         </p:txBody>
       </p:sp>
     </p:spTree>
-    <p:extLst>
-      <p:ext uri="{BB962C8B-B14F-4D97-AF65-F5344CB8AC3E}">
-        <p14:creationId xmlns:p14="http://schemas.microsoft.com/office/powerpoint/2010/main" val="3701503459"/>
-      </p:ext>
-    </p:extLst>
   </p:cSld>
   <p:clrMapOvr>
     <a:masterClrMapping/>
@@ -6018,8 +6491,6 @@
                   </a:prstClr>
                 </a:solidFill>
               </a:rPr>
-              <a:pPr/>
-              <a:t>2023/5/27</a:t>
             </a:fld>
             <a:endParaRPr lang="zh-CN" altLang="en-US">
               <a:solidFill>
@@ -6079,8 +6550,6 @@
                   </a:prstClr>
                 </a:solidFill>
               </a:rPr>
-              <a:pPr/>
-              <a:t>‹#›</a:t>
             </a:fld>
             <a:endParaRPr lang="zh-CN" altLang="en-US">
               <a:solidFill>
@@ -6093,11 +6562,6 @@
         </p:txBody>
       </p:sp>
     </p:spTree>
-    <p:extLst>
-      <p:ext uri="{BB962C8B-B14F-4D97-AF65-F5344CB8AC3E}">
-        <p14:creationId xmlns:p14="http://schemas.microsoft.com/office/powerpoint/2010/main" val="4088797773"/>
-      </p:ext>
-    </p:extLst>
   </p:cSld>
   <p:clrMapOvr>
     <a:masterClrMapping/>
@@ -6145,8 +6609,6 @@
                   </a:prstClr>
                 </a:solidFill>
               </a:rPr>
-              <a:pPr/>
-              <a:t>2023/5/27</a:t>
             </a:fld>
             <a:endParaRPr lang="zh-CN" altLang="en-US">
               <a:solidFill>
@@ -6206,8 +6668,6 @@
                   </a:prstClr>
                 </a:solidFill>
               </a:rPr>
-              <a:pPr/>
-              <a:t>‹#›</a:t>
             </a:fld>
             <a:endParaRPr lang="zh-CN" altLang="en-US">
               <a:solidFill>
@@ -6220,11 +6680,6 @@
         </p:txBody>
       </p:sp>
     </p:spTree>
-    <p:extLst>
-      <p:ext uri="{BB962C8B-B14F-4D97-AF65-F5344CB8AC3E}">
-        <p14:creationId xmlns:p14="http://schemas.microsoft.com/office/powerpoint/2010/main" val="2604563156"/>
-      </p:ext>
-    </p:extLst>
   </p:cSld>
   <p:clrMapOvr>
     <a:masterClrMapping/>
@@ -6238,7 +6693,7 @@
     <p:bg>
       <p:bgPr>
         <a:blipFill dpi="0" rotWithShape="1">
-          <a:blip r:embed="rId15">
+          <a:blip r:embed="rId14">
             <a:lum/>
           </a:blip>
           <a:srcRect/>
@@ -6326,6 +6781,7 @@
               <a:rPr lang="zh-CN" altLang="en-US"/>
               <a:t>单击此处编辑母版文本样式</a:t>
             </a:r>
+            <a:endParaRPr lang="zh-CN" altLang="en-US"/>
           </a:p>
           <a:p>
             <a:pPr lvl="1"/>
@@ -6333,6 +6789,7 @@
               <a:rPr lang="zh-CN" altLang="en-US"/>
               <a:t>二级</a:t>
             </a:r>
+            <a:endParaRPr lang="zh-CN" altLang="en-US"/>
           </a:p>
           <a:p>
             <a:pPr lvl="2"/>
@@ -6340,6 +6797,7 @@
               <a:rPr lang="zh-CN" altLang="en-US"/>
               <a:t>三级</a:t>
             </a:r>
+            <a:endParaRPr lang="zh-CN" altLang="en-US"/>
           </a:p>
           <a:p>
             <a:pPr lvl="3"/>
@@ -6347,6 +6805,7 @@
               <a:rPr lang="zh-CN" altLang="en-US"/>
               <a:t>四级</a:t>
             </a:r>
+            <a:endParaRPr lang="zh-CN" altLang="en-US"/>
           </a:p>
           <a:p>
             <a:pPr lvl="4"/>
@@ -6399,8 +6858,6 @@
                   </a:prstClr>
                 </a:solidFill>
               </a:rPr>
-              <a:pPr/>
-              <a:t>2023/5/27</a:t>
             </a:fld>
             <a:endParaRPr lang="zh-CN" altLang="en-US">
               <a:solidFill>
@@ -6496,8 +6953,6 @@
                   </a:prstClr>
                 </a:solidFill>
               </a:rPr>
-              <a:pPr/>
-              <a:t>‹#›</a:t>
             </a:fld>
             <a:endParaRPr lang="zh-CN" altLang="en-US">
               <a:solidFill>
@@ -6510,27 +6965,22 @@
         </p:txBody>
       </p:sp>
     </p:spTree>
-    <p:extLst>
-      <p:ext uri="{BB962C8B-B14F-4D97-AF65-F5344CB8AC3E}">
-        <p14:creationId xmlns:p14="http://schemas.microsoft.com/office/powerpoint/2010/main" val="3574450061"/>
-      </p:ext>
-    </p:extLst>
   </p:cSld>
   <p:clrMap bg1="lt1" tx1="dk1" bg2="lt2" tx2="dk2" accent1="accent1" accent2="accent2" accent3="accent3" accent4="accent4" accent5="accent5" accent6="accent6" hlink="hlink" folHlink="folHlink"/>
   <p:sldLayoutIdLst>
-    <p:sldLayoutId id="2147483698" r:id="rId1"/>
-    <p:sldLayoutId id="2147483697" r:id="rId2"/>
-    <p:sldLayoutId id="2147483685" r:id="rId3"/>
-    <p:sldLayoutId id="2147483686" r:id="rId4"/>
-    <p:sldLayoutId id="2147483687" r:id="rId5"/>
-    <p:sldLayoutId id="2147483688" r:id="rId6"/>
-    <p:sldLayoutId id="2147483689" r:id="rId7"/>
-    <p:sldLayoutId id="2147483690" r:id="rId8"/>
-    <p:sldLayoutId id="2147483691" r:id="rId9"/>
-    <p:sldLayoutId id="2147483692" r:id="rId10"/>
-    <p:sldLayoutId id="2147483693" r:id="rId11"/>
-    <p:sldLayoutId id="2147483694" r:id="rId12"/>
-    <p:sldLayoutId id="2147483695" r:id="rId13"/>
+    <p:sldLayoutId id="2147483649" r:id="rId1"/>
+    <p:sldLayoutId id="2147483650" r:id="rId2"/>
+    <p:sldLayoutId id="2147483651" r:id="rId3"/>
+    <p:sldLayoutId id="2147483652" r:id="rId4"/>
+    <p:sldLayoutId id="2147483653" r:id="rId5"/>
+    <p:sldLayoutId id="2147483654" r:id="rId6"/>
+    <p:sldLayoutId id="2147483655" r:id="rId7"/>
+    <p:sldLayoutId id="2147483656" r:id="rId8"/>
+    <p:sldLayoutId id="2147483657" r:id="rId9"/>
+    <p:sldLayoutId id="2147483658" r:id="rId10"/>
+    <p:sldLayoutId id="2147483659" r:id="rId11"/>
+    <p:sldLayoutId id="2147483660" r:id="rId12"/>
+    <p:sldLayoutId id="2147483661" r:id="rId13"/>
   </p:sldLayoutIdLst>
   <p:txStyles>
     <p:titleStyle>
@@ -6868,6 +7318,1918 @@
               </a:rPr>
               <a:t>项目背景</a:t>
             </a:r>
+            <a:endParaRPr lang="zh-CN" altLang="en-US" sz="2100" dirty="0">
+              <a:solidFill>
+                <a:schemeClr val="tx1">
+                  <a:lumMod val="85000"/>
+                  <a:lumOff val="15000"/>
+                </a:schemeClr>
+              </a:solidFill>
+              <a:latin typeface="微软雅黑" panose="020B0503020204020204" pitchFamily="34" charset="-122"/>
+              <a:ea typeface="微软雅黑" panose="020B0503020204020204" pitchFamily="34" charset="-122"/>
+            </a:endParaRPr>
+          </a:p>
+        </p:txBody>
+      </p:sp>
+      <p:sp>
+        <p:nvSpPr>
+          <p:cNvPr id="5" name="文本框 4"/>
+          <p:cNvSpPr txBox="1"/>
+          <p:nvPr/>
+        </p:nvSpPr>
+        <p:spPr>
+          <a:xfrm>
+            <a:off x="597310" y="1520772"/>
+            <a:ext cx="2060163" cy="276999"/>
+          </a:xfrm>
+          <a:prstGeom prst="rect">
+            <a:avLst/>
+          </a:prstGeom>
+          <a:noFill/>
+        </p:spPr>
+        <p:txBody>
+          <a:bodyPr wrap="square" rtlCol="0">
+            <a:spAutoFit/>
+          </a:bodyPr>
+          <a:lstStyle/>
+          <a:p>
+            <a:pPr algn="ctr"/>
+            <a:r>
+              <a:rPr lang="en-US" altLang="zh-CN" sz="1200" dirty="0">
+                <a:solidFill>
+                  <a:schemeClr val="tx1">
+                    <a:lumMod val="85000"/>
+                    <a:lumOff val="15000"/>
+                  </a:schemeClr>
+                </a:solidFill>
+                <a:latin typeface="Times New Roman" panose="02020603050405020304" pitchFamily="18" charset="0"/>
+                <a:ea typeface="锐字逼格青春粗黑体简2.0" panose="02010604000000000000" pitchFamily="2" charset="-122"/>
+                <a:cs typeface="Times New Roman" panose="02020603050405020304" pitchFamily="18" charset="0"/>
+              </a:rPr>
+              <a:t>Research Topic Background</a:t>
+            </a:r>
+            <a:endParaRPr lang="zh-CN" altLang="en-US" sz="1200" dirty="0">
+              <a:solidFill>
+                <a:schemeClr val="tx1">
+                  <a:lumMod val="85000"/>
+                  <a:lumOff val="15000"/>
+                </a:schemeClr>
+              </a:solidFill>
+              <a:latin typeface="Times New Roman" panose="02020603050405020304" pitchFamily="18" charset="0"/>
+              <a:ea typeface="锐字逼格青春粗黑体简2.0" panose="02010604000000000000" pitchFamily="2" charset="-122"/>
+              <a:cs typeface="Times New Roman" panose="02020603050405020304" pitchFamily="18" charset="0"/>
+            </a:endParaRPr>
+          </a:p>
+        </p:txBody>
+      </p:sp>
+      <p:cxnSp>
+        <p:nvCxnSpPr>
+          <p:cNvPr id="6" name="直接连接符 5"/>
+          <p:cNvCxnSpPr/>
+          <p:nvPr/>
+        </p:nvCxnSpPr>
+        <p:spPr>
+          <a:xfrm>
+            <a:off x="597310" y="1200152"/>
+            <a:ext cx="0" cy="474183"/>
+          </a:xfrm>
+          <a:prstGeom prst="line">
+            <a:avLst/>
+          </a:prstGeom>
+          <a:ln w="76200">
+            <a:solidFill>
+              <a:srgbClr val="1C4885"/>
+            </a:solidFill>
+          </a:ln>
+        </p:spPr>
+        <p:style>
+          <a:lnRef idx="1">
+            <a:schemeClr val="accent1"/>
+          </a:lnRef>
+          <a:fillRef idx="0">
+            <a:schemeClr val="accent1"/>
+          </a:fillRef>
+          <a:effectRef idx="0">
+            <a:schemeClr val="accent1"/>
+          </a:effectRef>
+          <a:fontRef idx="minor">
+            <a:schemeClr val="tx1"/>
+          </a:fontRef>
+        </p:style>
+      </p:cxnSp>
+      <p:graphicFrame>
+        <p:nvGraphicFramePr>
+          <p:cNvPr id="11" name="图表 10"/>
+          <p:cNvGraphicFramePr/>
+          <p:nvPr/>
+        </p:nvGraphicFramePr>
+        <p:xfrm>
+          <a:off x="707196" y="1702642"/>
+          <a:ext cx="3212151" cy="2141434"/>
+        </p:xfrm>
+        <a:graphic>
+          <a:graphicData uri="http://schemas.openxmlformats.org/drawingml/2006/chart">
+            <c:chart xmlns:c="http://schemas.openxmlformats.org/drawingml/2006/chart" xmlns:r="http://schemas.openxmlformats.org/officeDocument/2006/relationships" r:id="rId1"/>
+          </a:graphicData>
+        </a:graphic>
+      </p:graphicFrame>
+      <p:sp>
+        <p:nvSpPr>
+          <p:cNvPr id="2" name="文本框 1"/>
+          <p:cNvSpPr txBox="1"/>
+          <p:nvPr/>
+        </p:nvSpPr>
+        <p:spPr>
+          <a:xfrm>
+            <a:off x="852854" y="2337015"/>
+            <a:ext cx="3870316" cy="923330"/>
+          </a:xfrm>
+          <a:prstGeom prst="rect">
+            <a:avLst/>
+          </a:prstGeom>
+          <a:noFill/>
+        </p:spPr>
+        <p:txBody>
+          <a:bodyPr wrap="square" rtlCol="0">
+            <a:spAutoFit/>
+          </a:bodyPr>
+          <a:lstStyle/>
+          <a:p>
+            <a:r>
+              <a:rPr lang="zh-CN" altLang="en-US" dirty="0"/>
+              <a:t>分布式关系型数据库引擎</a:t>
+            </a:r>
+            <a:endParaRPr lang="en-US" altLang="zh-CN" dirty="0"/>
+          </a:p>
+          <a:p>
+            <a:endParaRPr lang="en-US" altLang="zh-CN" dirty="0"/>
+          </a:p>
+          <a:p>
+            <a:r>
+              <a:rPr lang="en-US" altLang="zh-CN" dirty="0"/>
+              <a:t>Distributed-MySQL</a:t>
+            </a:r>
+            <a:endParaRPr lang="zh-CN" altLang="en-US" dirty="0"/>
+          </a:p>
+        </p:txBody>
+      </p:sp>
+      <p:pic>
+        <p:nvPicPr>
+          <p:cNvPr id="13" name="图片 12"/>
+          <p:cNvPicPr>
+            <a:picLocks noChangeAspect="1"/>
+          </p:cNvPicPr>
+          <p:nvPr/>
+        </p:nvPicPr>
+        <p:blipFill>
+          <a:blip r:embed="rId2"/>
+          <a:stretch>
+            <a:fillRect/>
+          </a:stretch>
+        </p:blipFill>
+        <p:spPr>
+          <a:xfrm>
+            <a:off x="1148080" y="3434080"/>
+            <a:ext cx="7213600" cy="2480945"/>
+          </a:xfrm>
+          <a:prstGeom prst="rect">
+            <a:avLst/>
+          </a:prstGeom>
+        </p:spPr>
+      </p:pic>
+    </p:spTree>
+  </p:cSld>
+  <p:clrMapOvr>
+    <a:masterClrMapping/>
+  </p:clrMapOvr>
+  <mc:AlternateContent xmlns:mc="http://schemas.openxmlformats.org/markup-compatibility/2006">
+    <mc:Choice xmlns:p14="http://schemas.microsoft.com/office/powerpoint/2010/main" Requires="p14">
+      <p:transition p14:dur="10"/>
+    </mc:Choice>
+    <mc:Fallback>
+      <p:transition/>
+    </mc:Fallback>
+  </mc:AlternateContent>
+</p:sld>
+</file>
+
+<file path=ppt/slides/slide10.xml><?xml version="1.0" encoding="utf-8"?>
+<p:sld xmlns:a="http://schemas.openxmlformats.org/drawingml/2006/main" xmlns:r="http://schemas.openxmlformats.org/officeDocument/2006/relationships" xmlns:p="http://schemas.openxmlformats.org/presentationml/2006/main">
+  <p:cSld>
+    <p:spTree>
+      <p:nvGrpSpPr>
+        <p:cNvPr id="1" name=""/>
+        <p:cNvGrpSpPr/>
+        <p:nvPr/>
+      </p:nvGrpSpPr>
+      <p:grpSpPr>
+        <a:xfrm>
+          <a:off x="0" y="0"/>
+          <a:ext cx="0" cy="0"/>
+          <a:chOff x="0" y="0"/>
+          <a:chExt cx="0" cy="0"/>
+        </a:xfrm>
+      </p:grpSpPr>
+      <p:cxnSp>
+        <p:nvCxnSpPr>
+          <p:cNvPr id="6" name="直接连接符 5"/>
+          <p:cNvCxnSpPr/>
+          <p:nvPr/>
+        </p:nvCxnSpPr>
+        <p:spPr>
+          <a:xfrm>
+            <a:off x="597310" y="1200152"/>
+            <a:ext cx="0" cy="474183"/>
+          </a:xfrm>
+          <a:prstGeom prst="line">
+            <a:avLst/>
+          </a:prstGeom>
+          <a:ln w="76200">
+            <a:solidFill>
+              <a:srgbClr val="1C4885"/>
+            </a:solidFill>
+          </a:ln>
+        </p:spPr>
+        <p:style>
+          <a:lnRef idx="1">
+            <a:schemeClr val="accent1"/>
+          </a:lnRef>
+          <a:fillRef idx="0">
+            <a:schemeClr val="accent1"/>
+          </a:fillRef>
+          <a:effectRef idx="0">
+            <a:schemeClr val="accent1"/>
+          </a:effectRef>
+          <a:fontRef idx="minor">
+            <a:schemeClr val="tx1"/>
+          </a:fontRef>
+        </p:style>
+      </p:cxnSp>
+      <p:sp>
+        <p:nvSpPr>
+          <p:cNvPr id="2" name="文本框 1"/>
+          <p:cNvSpPr txBox="1"/>
+          <p:nvPr/>
+        </p:nvSpPr>
+        <p:spPr>
+          <a:xfrm>
+            <a:off x="817685" y="1229494"/>
+            <a:ext cx="5192496" cy="415498"/>
+          </a:xfrm>
+          <a:prstGeom prst="rect">
+            <a:avLst/>
+          </a:prstGeom>
+          <a:noFill/>
+        </p:spPr>
+        <p:txBody>
+          <a:bodyPr wrap="square" rtlCol="0">
+            <a:spAutoFit/>
+          </a:bodyPr>
+          <a:lstStyle/>
+          <a:p>
+            <a:r>
+              <a:rPr lang="zh-CN" altLang="en-US" sz="2100" dirty="0">
+                <a:latin typeface="微软雅黑" panose="020B0503020204020204" pitchFamily="34" charset="-122"/>
+                <a:ea typeface="微软雅黑" panose="020B0503020204020204" pitchFamily="34" charset="-122"/>
+              </a:rPr>
+              <a:t>重点功能 </a:t>
+            </a:r>
+            <a:r>
+              <a:rPr lang="en-US" altLang="zh-CN" sz="2100" dirty="0">
+                <a:latin typeface="微软雅黑" panose="020B0503020204020204" pitchFamily="34" charset="-122"/>
+                <a:ea typeface="微软雅黑" panose="020B0503020204020204" pitchFamily="34" charset="-122"/>
+              </a:rPr>
+              <a:t>·</a:t>
+            </a:r>
+            <a:r>
+              <a:rPr lang="zh-CN" altLang="en-US" sz="2100" dirty="0">
+                <a:latin typeface="微软雅黑" panose="020B0503020204020204" pitchFamily="34" charset="-122"/>
+                <a:ea typeface="微软雅黑" panose="020B0503020204020204" pitchFamily="34" charset="-122"/>
+              </a:rPr>
+              <a:t> 节点管理</a:t>
+            </a:r>
+            <a:endParaRPr lang="zh-CN" altLang="en-US" sz="2100" dirty="0">
+              <a:latin typeface="微软雅黑" panose="020B0503020204020204" pitchFamily="34" charset="-122"/>
+              <a:ea typeface="微软雅黑" panose="020B0503020204020204" pitchFamily="34" charset="-122"/>
+            </a:endParaRPr>
+          </a:p>
+        </p:txBody>
+      </p:sp>
+      <p:sp>
+        <p:nvSpPr>
+          <p:cNvPr id="4" name="文本框 3"/>
+          <p:cNvSpPr txBox="1"/>
+          <p:nvPr/>
+        </p:nvSpPr>
+        <p:spPr>
+          <a:xfrm>
+            <a:off x="1878400" y="2205588"/>
+            <a:ext cx="4923846" cy="2446824"/>
+          </a:xfrm>
+          <a:prstGeom prst="rect">
+            <a:avLst/>
+          </a:prstGeom>
+          <a:noFill/>
+        </p:spPr>
+        <p:txBody>
+          <a:bodyPr wrap="square" rtlCol="0">
+            <a:spAutoFit/>
+          </a:bodyPr>
+          <a:lstStyle/>
+          <a:p>
+            <a:pPr lvl="0" algn="just">
+              <a:lnSpc>
+                <a:spcPct val="150000"/>
+              </a:lnSpc>
+            </a:pPr>
+            <a:r>
+              <a:rPr lang="en-US" altLang="zh-CN" sz="1800" kern="100" dirty="0">
+                <a:effectLst/>
+                <a:latin typeface="Times New Roman" panose="02020603050405020304" pitchFamily="18" charset="0"/>
+                <a:ea typeface="宋体" pitchFamily="2" charset="-122"/>
+              </a:rPr>
+              <a:t>Master</a:t>
+            </a:r>
+            <a:r>
+              <a:rPr lang="zh-CN" altLang="en-US" sz="1800" kern="100" dirty="0">
+                <a:effectLst/>
+                <a:latin typeface="Times New Roman" panose="02020603050405020304" pitchFamily="18" charset="0"/>
+                <a:ea typeface="宋体" pitchFamily="2" charset="-122"/>
+              </a:rPr>
+              <a:t>进行基于本地缓存的节点管理</a:t>
+            </a:r>
+            <a:endParaRPr lang="en-US" altLang="zh-CN" sz="1800" kern="100" dirty="0">
+              <a:effectLst/>
+              <a:latin typeface="Times New Roman" panose="02020603050405020304" pitchFamily="18" charset="0"/>
+              <a:ea typeface="宋体" pitchFamily="2" charset="-122"/>
+            </a:endParaRPr>
+          </a:p>
+          <a:p>
+            <a:pPr marL="342900" lvl="0" indent="-342900" algn="just">
+              <a:lnSpc>
+                <a:spcPct val="150000"/>
+              </a:lnSpc>
+              <a:buFont typeface="Wingdings" panose="05000000000000000000" pitchFamily="2" charset="2"/>
+              <a:buChar char=""/>
+            </a:pPr>
+            <a:r>
+              <a:rPr lang="zh-CN" altLang="en-US" sz="1800" kern="100" dirty="0">
+                <a:effectLst/>
+                <a:latin typeface="Times New Roman" panose="02020603050405020304" pitchFamily="18" charset="0"/>
+                <a:ea typeface="宋体" pitchFamily="2" charset="-122"/>
+              </a:rPr>
+              <a:t>节点加入</a:t>
+            </a:r>
+            <a:endParaRPr lang="en-US" altLang="zh-CN" sz="1800" kern="100" dirty="0">
+              <a:effectLst/>
+              <a:latin typeface="Times New Roman" panose="02020603050405020304" pitchFamily="18" charset="0"/>
+              <a:ea typeface="宋体" pitchFamily="2" charset="-122"/>
+            </a:endParaRPr>
+          </a:p>
+          <a:p>
+            <a:pPr marL="342900" lvl="0" indent="-342900" algn="just">
+              <a:lnSpc>
+                <a:spcPct val="150000"/>
+              </a:lnSpc>
+              <a:buFont typeface="Wingdings" panose="05000000000000000000" pitchFamily="2" charset="2"/>
+              <a:buChar char=""/>
+            </a:pPr>
+            <a:r>
+              <a:rPr lang="zh-CN" altLang="en-US" kern="100" dirty="0">
+                <a:latin typeface="Times New Roman" panose="02020603050405020304" pitchFamily="18" charset="0"/>
+                <a:ea typeface="宋体" pitchFamily="2" charset="-122"/>
+              </a:rPr>
+              <a:t>节点退出</a:t>
+            </a:r>
+            <a:endParaRPr lang="en-US" altLang="zh-CN" sz="1800" kern="100" dirty="0">
+              <a:effectLst/>
+              <a:latin typeface="Times New Roman" panose="02020603050405020304" pitchFamily="18" charset="0"/>
+              <a:ea typeface="宋体" pitchFamily="2" charset="-122"/>
+            </a:endParaRPr>
+          </a:p>
+          <a:p>
+            <a:pPr marL="342900" lvl="0" indent="-342900" algn="just">
+              <a:lnSpc>
+                <a:spcPct val="150000"/>
+              </a:lnSpc>
+              <a:buFont typeface="Wingdings" panose="05000000000000000000" pitchFamily="2" charset="2"/>
+              <a:buChar char=""/>
+            </a:pPr>
+            <a:r>
+              <a:rPr lang="zh-CN" altLang="en-US" sz="1800" kern="100" dirty="0">
+                <a:effectLst/>
+                <a:latin typeface="Times New Roman" panose="02020603050405020304" pitchFamily="18" charset="0"/>
+                <a:ea typeface="宋体" pitchFamily="2" charset="-122"/>
+              </a:rPr>
+              <a:t>新表创建</a:t>
+            </a:r>
+            <a:endParaRPr lang="en-US" altLang="zh-CN" sz="1800" kern="100" dirty="0">
+              <a:effectLst/>
+              <a:latin typeface="Times New Roman" panose="02020603050405020304" pitchFamily="18" charset="0"/>
+              <a:ea typeface="宋体" pitchFamily="2" charset="-122"/>
+            </a:endParaRPr>
+          </a:p>
+          <a:p>
+            <a:pPr marL="342900" lvl="0" indent="-342900" algn="just">
+              <a:lnSpc>
+                <a:spcPct val="150000"/>
+              </a:lnSpc>
+              <a:buFont typeface="Wingdings" panose="05000000000000000000" pitchFamily="2" charset="2"/>
+              <a:buChar char=""/>
+            </a:pPr>
+            <a:r>
+              <a:rPr lang="zh-CN" altLang="en-US" kern="100" dirty="0">
+                <a:latin typeface="Times New Roman" panose="02020603050405020304" pitchFamily="18" charset="0"/>
+                <a:ea typeface="宋体" pitchFamily="2" charset="-122"/>
+              </a:rPr>
+              <a:t>旧表删除</a:t>
+            </a:r>
+            <a:endParaRPr lang="zh-CN" altLang="zh-CN" sz="1800" kern="100" dirty="0">
+              <a:effectLst/>
+              <a:latin typeface="Times New Roman" panose="02020603050405020304" pitchFamily="18" charset="0"/>
+              <a:ea typeface="宋体" pitchFamily="2" charset="-122"/>
+            </a:endParaRPr>
+          </a:p>
+          <a:p>
+            <a:endParaRPr kumimoji="1" lang="zh-CN" altLang="en-US" dirty="0"/>
+          </a:p>
+        </p:txBody>
+      </p:sp>
+    </p:spTree>
+  </p:cSld>
+  <p:clrMapOvr>
+    <a:masterClrMapping/>
+  </p:clrMapOvr>
+  <mc:AlternateContent xmlns:mc="http://schemas.openxmlformats.org/markup-compatibility/2006">
+    <mc:Choice xmlns:p14="http://schemas.microsoft.com/office/powerpoint/2010/main" Requires="p14">
+      <p:transition p14:dur="10"/>
+    </mc:Choice>
+    <mc:Fallback>
+      <p:transition/>
+    </mc:Fallback>
+  </mc:AlternateContent>
+</p:sld>
+</file>
+
+<file path=ppt/slides/slide11.xml><?xml version="1.0" encoding="utf-8"?>
+<p:sld xmlns:a="http://schemas.openxmlformats.org/drawingml/2006/main" xmlns:r="http://schemas.openxmlformats.org/officeDocument/2006/relationships" xmlns:p="http://schemas.openxmlformats.org/presentationml/2006/main">
+  <p:cSld>
+    <p:spTree>
+      <p:nvGrpSpPr>
+        <p:cNvPr id="1" name=""/>
+        <p:cNvGrpSpPr/>
+        <p:nvPr/>
+      </p:nvGrpSpPr>
+      <p:grpSpPr>
+        <a:xfrm>
+          <a:off x="0" y="0"/>
+          <a:ext cx="0" cy="0"/>
+          <a:chOff x="0" y="0"/>
+          <a:chExt cx="0" cy="0"/>
+        </a:xfrm>
+      </p:grpSpPr>
+      <p:cxnSp>
+        <p:nvCxnSpPr>
+          <p:cNvPr id="6" name="直接连接符 5"/>
+          <p:cNvCxnSpPr/>
+          <p:nvPr/>
+        </p:nvCxnSpPr>
+        <p:spPr>
+          <a:xfrm>
+            <a:off x="535167" y="436672"/>
+            <a:ext cx="0" cy="474183"/>
+          </a:xfrm>
+          <a:prstGeom prst="line">
+            <a:avLst/>
+          </a:prstGeom>
+          <a:ln w="76200">
+            <a:solidFill>
+              <a:srgbClr val="1C4885"/>
+            </a:solidFill>
+          </a:ln>
+        </p:spPr>
+        <p:style>
+          <a:lnRef idx="1">
+            <a:schemeClr val="accent1"/>
+          </a:lnRef>
+          <a:fillRef idx="0">
+            <a:schemeClr val="accent1"/>
+          </a:fillRef>
+          <a:effectRef idx="0">
+            <a:schemeClr val="accent1"/>
+          </a:effectRef>
+          <a:fontRef idx="minor">
+            <a:schemeClr val="tx1"/>
+          </a:fontRef>
+        </p:style>
+      </p:cxnSp>
+      <p:sp>
+        <p:nvSpPr>
+          <p:cNvPr id="2" name="文本框 1"/>
+          <p:cNvSpPr txBox="1"/>
+          <p:nvPr/>
+        </p:nvSpPr>
+        <p:spPr>
+          <a:xfrm>
+            <a:off x="782174" y="495357"/>
+            <a:ext cx="1758461" cy="415498"/>
+          </a:xfrm>
+          <a:prstGeom prst="rect">
+            <a:avLst/>
+          </a:prstGeom>
+          <a:noFill/>
+        </p:spPr>
+        <p:txBody>
+          <a:bodyPr wrap="square" rtlCol="0">
+            <a:spAutoFit/>
+          </a:bodyPr>
+          <a:lstStyle/>
+          <a:p>
+            <a:r>
+              <a:rPr lang="en-US" altLang="zh-CN" sz="2100" dirty="0">
+                <a:latin typeface="微软雅黑" panose="020B0503020204020204" pitchFamily="34" charset="-122"/>
+                <a:ea typeface="微软雅黑" panose="020B0503020204020204" pitchFamily="34" charset="-122"/>
+              </a:rPr>
+              <a:t>CLIENT</a:t>
+            </a:r>
+            <a:endParaRPr lang="en-US" altLang="zh-CN" sz="2100" dirty="0">
+              <a:latin typeface="微软雅黑" panose="020B0503020204020204" pitchFamily="34" charset="-122"/>
+              <a:ea typeface="微软雅黑" panose="020B0503020204020204" pitchFamily="34" charset="-122"/>
+            </a:endParaRPr>
+          </a:p>
+        </p:txBody>
+      </p:sp>
+      <p:pic>
+        <p:nvPicPr>
+          <p:cNvPr id="3" name="图片 2"/>
+          <p:cNvPicPr>
+            <a:picLocks noChangeAspect="1"/>
+          </p:cNvPicPr>
+          <p:nvPr/>
+        </p:nvPicPr>
+        <p:blipFill>
+          <a:blip r:embed="rId1">
+            <a:extLst>
+              <a:ext uri="{28A0092B-C50C-407E-A947-70E740481C1C}">
+                <a14:useLocalDpi xmlns:a14="http://schemas.microsoft.com/office/drawing/2010/main" val="0"/>
+              </a:ext>
+            </a:extLst>
+          </a:blip>
+          <a:srcRect/>
+          <a:stretch>
+            <a:fillRect/>
+          </a:stretch>
+        </p:blipFill>
+        <p:spPr bwMode="auto">
+          <a:xfrm>
+            <a:off x="1689364" y="167268"/>
+            <a:ext cx="5536624" cy="6523463"/>
+          </a:xfrm>
+          <a:prstGeom prst="rect">
+            <a:avLst/>
+          </a:prstGeom>
+          <a:noFill/>
+          <a:ln>
+            <a:noFill/>
+          </a:ln>
+        </p:spPr>
+      </p:pic>
+    </p:spTree>
+  </p:cSld>
+  <p:clrMapOvr>
+    <a:masterClrMapping/>
+  </p:clrMapOvr>
+  <mc:AlternateContent xmlns:mc="http://schemas.openxmlformats.org/markup-compatibility/2006">
+    <mc:Choice xmlns:p14="http://schemas.microsoft.com/office/powerpoint/2010/main" Requires="p14">
+      <p:transition p14:dur="10"/>
+    </mc:Choice>
+    <mc:Fallback>
+      <p:transition/>
+    </mc:Fallback>
+  </mc:AlternateContent>
+</p:sld>
+</file>
+
+<file path=ppt/slides/slide12.xml><?xml version="1.0" encoding="utf-8"?>
+<p:sld xmlns:a="http://schemas.openxmlformats.org/drawingml/2006/main" xmlns:r="http://schemas.openxmlformats.org/officeDocument/2006/relationships" xmlns:p="http://schemas.openxmlformats.org/presentationml/2006/main">
+  <p:cSld>
+    <p:spTree>
+      <p:nvGrpSpPr>
+        <p:cNvPr id="1" name=""/>
+        <p:cNvGrpSpPr/>
+        <p:nvPr/>
+      </p:nvGrpSpPr>
+      <p:grpSpPr>
+        <a:xfrm>
+          <a:off x="0" y="0"/>
+          <a:ext cx="0" cy="0"/>
+          <a:chOff x="0" y="0"/>
+          <a:chExt cx="0" cy="0"/>
+        </a:xfrm>
+      </p:grpSpPr>
+      <p:cxnSp>
+        <p:nvCxnSpPr>
+          <p:cNvPr id="6" name="直接连接符 5"/>
+          <p:cNvCxnSpPr/>
+          <p:nvPr/>
+        </p:nvCxnSpPr>
+        <p:spPr>
+          <a:xfrm>
+            <a:off x="535167" y="436672"/>
+            <a:ext cx="0" cy="474183"/>
+          </a:xfrm>
+          <a:prstGeom prst="line">
+            <a:avLst/>
+          </a:prstGeom>
+          <a:ln w="76200">
+            <a:solidFill>
+              <a:srgbClr val="1C4885"/>
+            </a:solidFill>
+          </a:ln>
+        </p:spPr>
+        <p:style>
+          <a:lnRef idx="1">
+            <a:schemeClr val="accent1"/>
+          </a:lnRef>
+          <a:fillRef idx="0">
+            <a:schemeClr val="accent1"/>
+          </a:fillRef>
+          <a:effectRef idx="0">
+            <a:schemeClr val="accent1"/>
+          </a:effectRef>
+          <a:fontRef idx="minor">
+            <a:schemeClr val="tx1"/>
+          </a:fontRef>
+        </p:style>
+      </p:cxnSp>
+      <p:sp>
+        <p:nvSpPr>
+          <p:cNvPr id="2" name="文本框 1"/>
+          <p:cNvSpPr txBox="1"/>
+          <p:nvPr/>
+        </p:nvSpPr>
+        <p:spPr>
+          <a:xfrm>
+            <a:off x="771023" y="495357"/>
+            <a:ext cx="3533344" cy="415498"/>
+          </a:xfrm>
+          <a:prstGeom prst="rect">
+            <a:avLst/>
+          </a:prstGeom>
+          <a:noFill/>
+        </p:spPr>
+        <p:txBody>
+          <a:bodyPr wrap="square" rtlCol="0">
+            <a:spAutoFit/>
+          </a:bodyPr>
+          <a:lstStyle/>
+          <a:p>
+            <a:r>
+              <a:rPr lang="en-US" altLang="zh-CN" sz="2100" dirty="0">
+                <a:latin typeface="微软雅黑" panose="020B0503020204020204" pitchFamily="34" charset="-122"/>
+                <a:ea typeface="微软雅黑" panose="020B0503020204020204" pitchFamily="34" charset="-122"/>
+              </a:rPr>
+              <a:t>CLIENT</a:t>
+            </a:r>
+            <a:r>
+              <a:rPr lang="zh-CN" altLang="en-US" sz="2100" dirty="0">
+                <a:latin typeface="微软雅黑" panose="020B0503020204020204" pitchFamily="34" charset="-122"/>
+                <a:ea typeface="微软雅黑" panose="020B0503020204020204" pitchFamily="34" charset="-122"/>
+              </a:rPr>
+              <a:t> </a:t>
+            </a:r>
+            <a:r>
+              <a:rPr lang="en-US" altLang="zh-CN" sz="2100" dirty="0">
+                <a:latin typeface="微软雅黑" panose="020B0503020204020204" pitchFamily="34" charset="-122"/>
+                <a:ea typeface="微软雅黑" panose="020B0503020204020204" pitchFamily="34" charset="-122"/>
+              </a:rPr>
+              <a:t>·</a:t>
+            </a:r>
+            <a:r>
+              <a:rPr lang="zh-CN" altLang="en-US" sz="2100" dirty="0">
+                <a:latin typeface="微软雅黑" panose="020B0503020204020204" pitchFamily="34" charset="-122"/>
+                <a:ea typeface="微软雅黑" panose="020B0503020204020204" pitchFamily="34" charset="-122"/>
+              </a:rPr>
+              <a:t> 缓存刷新</a:t>
+            </a:r>
+            <a:endParaRPr lang="en-US" altLang="zh-CN" sz="2100" dirty="0">
+              <a:latin typeface="微软雅黑" panose="020B0503020204020204" pitchFamily="34" charset="-122"/>
+              <a:ea typeface="微软雅黑" panose="020B0503020204020204" pitchFamily="34" charset="-122"/>
+            </a:endParaRPr>
+          </a:p>
+        </p:txBody>
+      </p:sp>
+      <p:pic>
+        <p:nvPicPr>
+          <p:cNvPr id="4" name="图片 3"/>
+          <p:cNvPicPr>
+            <a:picLocks noChangeAspect="1"/>
+          </p:cNvPicPr>
+          <p:nvPr/>
+        </p:nvPicPr>
+        <p:blipFill>
+          <a:blip r:embed="rId1">
+            <a:extLst>
+              <a:ext uri="{28A0092B-C50C-407E-A947-70E740481C1C}">
+                <a14:useLocalDpi xmlns:a14="http://schemas.microsoft.com/office/drawing/2010/main" val="0"/>
+              </a:ext>
+            </a:extLst>
+          </a:blip>
+          <a:srcRect/>
+          <a:stretch>
+            <a:fillRect/>
+          </a:stretch>
+        </p:blipFill>
+        <p:spPr bwMode="auto">
+          <a:xfrm>
+            <a:off x="535167" y="1031564"/>
+            <a:ext cx="7589696" cy="5331076"/>
+          </a:xfrm>
+          <a:prstGeom prst="rect">
+            <a:avLst/>
+          </a:prstGeom>
+          <a:noFill/>
+          <a:ln>
+            <a:noFill/>
+          </a:ln>
+        </p:spPr>
+      </p:pic>
+    </p:spTree>
+  </p:cSld>
+  <p:clrMapOvr>
+    <a:masterClrMapping/>
+  </p:clrMapOvr>
+  <mc:AlternateContent xmlns:mc="http://schemas.openxmlformats.org/markup-compatibility/2006">
+    <mc:Choice xmlns:p14="http://schemas.microsoft.com/office/powerpoint/2010/main" Requires="p14">
+      <p:transition p14:dur="10"/>
+    </mc:Choice>
+    <mc:Fallback>
+      <p:transition/>
+    </mc:Fallback>
+  </mc:AlternateContent>
+</p:sld>
+</file>
+
+<file path=ppt/slides/slide13.xml><?xml version="1.0" encoding="utf-8"?>
+<p:sld xmlns:a="http://schemas.openxmlformats.org/drawingml/2006/main" xmlns:r="http://schemas.openxmlformats.org/officeDocument/2006/relationships" xmlns:p="http://schemas.openxmlformats.org/presentationml/2006/main">
+  <p:cSld>
+    <p:spTree>
+      <p:nvGrpSpPr>
+        <p:cNvPr id="1" name=""/>
+        <p:cNvGrpSpPr/>
+        <p:nvPr/>
+      </p:nvGrpSpPr>
+      <p:grpSpPr>
+        <a:xfrm>
+          <a:off x="0" y="0"/>
+          <a:ext cx="0" cy="0"/>
+          <a:chOff x="0" y="0"/>
+          <a:chExt cx="0" cy="0"/>
+        </a:xfrm>
+      </p:grpSpPr>
+      <p:cxnSp>
+        <p:nvCxnSpPr>
+          <p:cNvPr id="6" name="直接连接符 5"/>
+          <p:cNvCxnSpPr/>
+          <p:nvPr/>
+        </p:nvCxnSpPr>
+        <p:spPr>
+          <a:xfrm>
+            <a:off x="597310" y="1200152"/>
+            <a:ext cx="0" cy="474183"/>
+          </a:xfrm>
+          <a:prstGeom prst="line">
+            <a:avLst/>
+          </a:prstGeom>
+          <a:ln w="76200">
+            <a:solidFill>
+              <a:srgbClr val="1C4885"/>
+            </a:solidFill>
+          </a:ln>
+        </p:spPr>
+        <p:style>
+          <a:lnRef idx="1">
+            <a:schemeClr val="accent1"/>
+          </a:lnRef>
+          <a:fillRef idx="0">
+            <a:schemeClr val="accent1"/>
+          </a:fillRef>
+          <a:effectRef idx="0">
+            <a:schemeClr val="accent1"/>
+          </a:effectRef>
+          <a:fontRef idx="minor">
+            <a:schemeClr val="tx1"/>
+          </a:fontRef>
+        </p:style>
+      </p:cxnSp>
+      <p:sp>
+        <p:nvSpPr>
+          <p:cNvPr id="2" name="文本框 1"/>
+          <p:cNvSpPr txBox="1"/>
+          <p:nvPr/>
+        </p:nvSpPr>
+        <p:spPr>
+          <a:xfrm>
+            <a:off x="817685" y="1229494"/>
+            <a:ext cx="5192496" cy="415498"/>
+          </a:xfrm>
+          <a:prstGeom prst="rect">
+            <a:avLst/>
+          </a:prstGeom>
+          <a:noFill/>
+        </p:spPr>
+        <p:txBody>
+          <a:bodyPr wrap="square" rtlCol="0">
+            <a:spAutoFit/>
+          </a:bodyPr>
+          <a:lstStyle/>
+          <a:p>
+            <a:r>
+              <a:rPr lang="zh-CN" altLang="en-US" sz="2100" dirty="0">
+                <a:latin typeface="微软雅黑" panose="020B0503020204020204" pitchFamily="34" charset="-122"/>
+                <a:ea typeface="微软雅黑" panose="020B0503020204020204" pitchFamily="34" charset="-122"/>
+              </a:rPr>
+              <a:t>重点功能 </a:t>
+            </a:r>
+            <a:r>
+              <a:rPr lang="en-US" altLang="zh-CN" sz="2100" dirty="0">
+                <a:latin typeface="微软雅黑" panose="020B0503020204020204" pitchFamily="34" charset="-122"/>
+                <a:ea typeface="微软雅黑" panose="020B0503020204020204" pitchFamily="34" charset="-122"/>
+              </a:rPr>
+              <a:t>·</a:t>
+            </a:r>
+            <a:r>
+              <a:rPr lang="zh-CN" altLang="en-US" sz="2100" dirty="0">
+                <a:latin typeface="微软雅黑" panose="020B0503020204020204" pitchFamily="34" charset="-122"/>
+                <a:ea typeface="微软雅黑" panose="020B0503020204020204" pitchFamily="34" charset="-122"/>
+              </a:rPr>
+              <a:t> 负载均衡</a:t>
+            </a:r>
+            <a:endParaRPr lang="zh-CN" altLang="en-US" sz="2100" dirty="0">
+              <a:latin typeface="微软雅黑" panose="020B0503020204020204" pitchFamily="34" charset="-122"/>
+              <a:ea typeface="微软雅黑" panose="020B0503020204020204" pitchFamily="34" charset="-122"/>
+            </a:endParaRPr>
+          </a:p>
+        </p:txBody>
+      </p:sp>
+      <p:sp>
+        <p:nvSpPr>
+          <p:cNvPr id="4" name="文本框 3"/>
+          <p:cNvSpPr txBox="1"/>
+          <p:nvPr/>
+        </p:nvSpPr>
+        <p:spPr>
+          <a:xfrm>
+            <a:off x="1878400" y="2205588"/>
+            <a:ext cx="4923846" cy="1615827"/>
+          </a:xfrm>
+          <a:prstGeom prst="rect">
+            <a:avLst/>
+          </a:prstGeom>
+          <a:noFill/>
+        </p:spPr>
+        <p:txBody>
+          <a:bodyPr wrap="square" rtlCol="0">
+            <a:spAutoFit/>
+          </a:bodyPr>
+          <a:lstStyle/>
+          <a:p>
+            <a:pPr lvl="0" algn="just">
+              <a:lnSpc>
+                <a:spcPct val="150000"/>
+              </a:lnSpc>
+            </a:pPr>
+            <a:r>
+              <a:rPr lang="en-US" altLang="zh-CN" kern="100" dirty="0">
+                <a:latin typeface="Times New Roman" panose="02020603050405020304" pitchFamily="18" charset="0"/>
+                <a:ea typeface="宋体" pitchFamily="2" charset="-122"/>
+              </a:rPr>
+              <a:t>Client</a:t>
+            </a:r>
+            <a:r>
+              <a:rPr lang="zh-CN" altLang="en-US" kern="100" dirty="0">
+                <a:latin typeface="Times New Roman" panose="02020603050405020304" pitchFamily="18" charset="0"/>
+                <a:ea typeface="宋体" pitchFamily="2" charset="-122"/>
+              </a:rPr>
+              <a:t>来实现负载均衡</a:t>
+            </a:r>
+            <a:endParaRPr lang="en-US" altLang="zh-CN" sz="1800" kern="100" dirty="0">
+              <a:effectLst/>
+              <a:latin typeface="Times New Roman" panose="02020603050405020304" pitchFamily="18" charset="0"/>
+              <a:ea typeface="宋体" pitchFamily="2" charset="-122"/>
+            </a:endParaRPr>
+          </a:p>
+          <a:p>
+            <a:pPr marL="342900" lvl="0" indent="-342900" algn="just">
+              <a:lnSpc>
+                <a:spcPct val="150000"/>
+              </a:lnSpc>
+              <a:buFont typeface="Wingdings" panose="05000000000000000000" pitchFamily="2" charset="2"/>
+              <a:buChar char=""/>
+            </a:pPr>
+            <a:r>
+              <a:rPr lang="zh-CN" altLang="en-US" kern="100" dirty="0">
+                <a:latin typeface="Times New Roman" panose="02020603050405020304" pitchFamily="18" charset="0"/>
+                <a:ea typeface="宋体" pitchFamily="2" charset="-122"/>
+              </a:rPr>
+              <a:t>客户端缓存提高访问速度</a:t>
+            </a:r>
+            <a:endParaRPr lang="en-US" altLang="zh-CN" sz="1800" kern="100" dirty="0">
+              <a:effectLst/>
+              <a:latin typeface="Times New Roman" panose="02020603050405020304" pitchFamily="18" charset="0"/>
+              <a:ea typeface="宋体" pitchFamily="2" charset="-122"/>
+            </a:endParaRPr>
+          </a:p>
+          <a:p>
+            <a:pPr marL="342900" lvl="0" indent="-342900" algn="just">
+              <a:lnSpc>
+                <a:spcPct val="150000"/>
+              </a:lnSpc>
+              <a:buFont typeface="Wingdings" panose="05000000000000000000" pitchFamily="2" charset="2"/>
+              <a:buChar char=""/>
+            </a:pPr>
+            <a:r>
+              <a:rPr lang="zh-CN" altLang="en-US" sz="1800" kern="100" dirty="0">
+                <a:effectLst/>
+                <a:latin typeface="Times New Roman" panose="02020603050405020304" pitchFamily="18" charset="0"/>
+                <a:ea typeface="宋体" pitchFamily="2" charset="-122"/>
+              </a:rPr>
+              <a:t>新建表时找到主表数目最少的节点创建主表</a:t>
+            </a:r>
+            <a:endParaRPr lang="zh-CN" altLang="zh-CN" sz="1800" kern="100" dirty="0">
+              <a:effectLst/>
+              <a:latin typeface="Times New Roman" panose="02020603050405020304" pitchFamily="18" charset="0"/>
+              <a:ea typeface="宋体" pitchFamily="2" charset="-122"/>
+            </a:endParaRPr>
+          </a:p>
+          <a:p>
+            <a:endParaRPr kumimoji="1" lang="zh-CN" altLang="en-US" dirty="0"/>
+          </a:p>
+        </p:txBody>
+      </p:sp>
+    </p:spTree>
+  </p:cSld>
+  <p:clrMapOvr>
+    <a:masterClrMapping/>
+  </p:clrMapOvr>
+  <mc:AlternateContent xmlns:mc="http://schemas.openxmlformats.org/markup-compatibility/2006">
+    <mc:Choice xmlns:p14="http://schemas.microsoft.com/office/powerpoint/2010/main" Requires="p14">
+      <p:transition p14:dur="10"/>
+    </mc:Choice>
+    <mc:Fallback>
+      <p:transition/>
+    </mc:Fallback>
+  </mc:AlternateContent>
+</p:sld>
+</file>
+
+<file path=ppt/slides/slide14.xml><?xml version="1.0" encoding="utf-8"?>
+<p:sld xmlns:a="http://schemas.openxmlformats.org/drawingml/2006/main" xmlns:r="http://schemas.openxmlformats.org/officeDocument/2006/relationships" xmlns:p="http://schemas.openxmlformats.org/presentationml/2006/main">
+  <p:cSld>
+    <p:spTree>
+      <p:nvGrpSpPr>
+        <p:cNvPr id="1" name=""/>
+        <p:cNvGrpSpPr/>
+        <p:nvPr/>
+      </p:nvGrpSpPr>
+      <p:grpSpPr>
+        <a:xfrm>
+          <a:off x="0" y="0"/>
+          <a:ext cx="0" cy="0"/>
+          <a:chOff x="0" y="0"/>
+          <a:chExt cx="0" cy="0"/>
+        </a:xfrm>
+      </p:grpSpPr>
+      <p:cxnSp>
+        <p:nvCxnSpPr>
+          <p:cNvPr id="6" name="直接连接符 5"/>
+          <p:cNvCxnSpPr/>
+          <p:nvPr/>
+        </p:nvCxnSpPr>
+        <p:spPr>
+          <a:xfrm>
+            <a:off x="535167" y="436672"/>
+            <a:ext cx="0" cy="474183"/>
+          </a:xfrm>
+          <a:prstGeom prst="line">
+            <a:avLst/>
+          </a:prstGeom>
+          <a:ln w="76200">
+            <a:solidFill>
+              <a:srgbClr val="1C4885"/>
+            </a:solidFill>
+          </a:ln>
+        </p:spPr>
+        <p:style>
+          <a:lnRef idx="1">
+            <a:schemeClr val="accent1"/>
+          </a:lnRef>
+          <a:fillRef idx="0">
+            <a:schemeClr val="accent1"/>
+          </a:fillRef>
+          <a:effectRef idx="0">
+            <a:schemeClr val="accent1"/>
+          </a:effectRef>
+          <a:fontRef idx="minor">
+            <a:schemeClr val="tx1"/>
+          </a:fontRef>
+        </p:style>
+      </p:cxnSp>
+      <p:sp>
+        <p:nvSpPr>
+          <p:cNvPr id="2" name="文本框 1"/>
+          <p:cNvSpPr txBox="1"/>
+          <p:nvPr/>
+        </p:nvSpPr>
+        <p:spPr>
+          <a:xfrm>
+            <a:off x="782174" y="495357"/>
+            <a:ext cx="2060084" cy="415498"/>
+          </a:xfrm>
+          <a:prstGeom prst="rect">
+            <a:avLst/>
+          </a:prstGeom>
+          <a:noFill/>
+        </p:spPr>
+        <p:txBody>
+          <a:bodyPr wrap="square" rtlCol="0">
+            <a:spAutoFit/>
+          </a:bodyPr>
+          <a:lstStyle/>
+          <a:p>
+            <a:r>
+              <a:rPr lang="en-US" altLang="zh-CN" sz="2100" dirty="0">
+                <a:latin typeface="微软雅黑" panose="020B0503020204020204" pitchFamily="34" charset="-122"/>
+                <a:ea typeface="微软雅黑" panose="020B0503020204020204" pitchFamily="34" charset="-122"/>
+              </a:rPr>
+              <a:t>CLIENT</a:t>
+            </a:r>
+            <a:r>
+              <a:rPr lang="zh-CN" altLang="en-US" sz="2100" dirty="0">
+                <a:latin typeface="微软雅黑" panose="020B0503020204020204" pitchFamily="34" charset="-122"/>
+                <a:ea typeface="微软雅黑" panose="020B0503020204020204" pitchFamily="34" charset="-122"/>
+              </a:rPr>
+              <a:t> </a:t>
+            </a:r>
+            <a:r>
+              <a:rPr lang="en-US" altLang="zh-CN" sz="2100" dirty="0">
+                <a:latin typeface="微软雅黑" panose="020B0503020204020204" pitchFamily="34" charset="-122"/>
+                <a:ea typeface="微软雅黑" panose="020B0503020204020204" pitchFamily="34" charset="-122"/>
+              </a:rPr>
+              <a:t>·</a:t>
+            </a:r>
+            <a:r>
+              <a:rPr lang="zh-CN" altLang="en-US" sz="2100" dirty="0">
+                <a:latin typeface="微软雅黑" panose="020B0503020204020204" pitchFamily="34" charset="-122"/>
+                <a:ea typeface="微软雅黑" panose="020B0503020204020204" pitchFamily="34" charset="-122"/>
+              </a:rPr>
+              <a:t> </a:t>
+            </a:r>
+            <a:r>
+              <a:rPr lang="en-US" altLang="zh-CN" sz="2100" dirty="0">
+                <a:latin typeface="微软雅黑" panose="020B0503020204020204" pitchFamily="34" charset="-122"/>
+                <a:ea typeface="微软雅黑" panose="020B0503020204020204" pitchFamily="34" charset="-122"/>
+              </a:rPr>
+              <a:t>WEB</a:t>
+            </a:r>
+            <a:endParaRPr lang="en-US" altLang="zh-CN" sz="2100" dirty="0">
+              <a:latin typeface="微软雅黑" panose="020B0503020204020204" pitchFamily="34" charset="-122"/>
+              <a:ea typeface="微软雅黑" panose="020B0503020204020204" pitchFamily="34" charset="-122"/>
+            </a:endParaRPr>
+          </a:p>
+        </p:txBody>
+      </p:sp>
+      <p:pic>
+        <p:nvPicPr>
+          <p:cNvPr id="4" name="图片 3"/>
+          <p:cNvPicPr>
+            <a:picLocks noChangeAspect="1"/>
+          </p:cNvPicPr>
+          <p:nvPr/>
+        </p:nvPicPr>
+        <p:blipFill>
+          <a:blip r:embed="rId1">
+            <a:extLst>
+              <a:ext uri="{28A0092B-C50C-407E-A947-70E740481C1C}">
+                <a14:useLocalDpi xmlns:a14="http://schemas.microsoft.com/office/drawing/2010/main" val="0"/>
+              </a:ext>
+            </a:extLst>
+          </a:blip>
+          <a:stretch>
+            <a:fillRect/>
+          </a:stretch>
+        </p:blipFill>
+        <p:spPr>
+          <a:xfrm>
+            <a:off x="2474920" y="1514962"/>
+            <a:ext cx="4194160" cy="4316567"/>
+          </a:xfrm>
+          <a:prstGeom prst="rect">
+            <a:avLst/>
+          </a:prstGeom>
+        </p:spPr>
+      </p:pic>
+    </p:spTree>
+  </p:cSld>
+  <p:clrMapOvr>
+    <a:masterClrMapping/>
+  </p:clrMapOvr>
+  <mc:AlternateContent xmlns:mc="http://schemas.openxmlformats.org/markup-compatibility/2006">
+    <mc:Choice xmlns:p14="http://schemas.microsoft.com/office/powerpoint/2010/main" Requires="p14">
+      <p:transition p14:dur="10"/>
+    </mc:Choice>
+    <mc:Fallback>
+      <p:transition/>
+    </mc:Fallback>
+  </mc:AlternateContent>
+</p:sld>
+</file>
+
+<file path=ppt/slides/slide15.xml><?xml version="1.0" encoding="utf-8"?>
+<p:sld xmlns:a="http://schemas.openxmlformats.org/drawingml/2006/main" xmlns:r="http://schemas.openxmlformats.org/officeDocument/2006/relationships" xmlns:p="http://schemas.openxmlformats.org/presentationml/2006/main">
+  <p:cSld>
+    <p:spTree>
+      <p:nvGrpSpPr>
+        <p:cNvPr id="1" name=""/>
+        <p:cNvGrpSpPr/>
+        <p:nvPr/>
+      </p:nvGrpSpPr>
+      <p:grpSpPr>
+        <a:xfrm>
+          <a:off x="0" y="0"/>
+          <a:ext cx="0" cy="0"/>
+          <a:chOff x="0" y="0"/>
+          <a:chExt cx="0" cy="0"/>
+        </a:xfrm>
+      </p:grpSpPr>
+      <p:cxnSp>
+        <p:nvCxnSpPr>
+          <p:cNvPr id="6" name="直接连接符 5"/>
+          <p:cNvCxnSpPr/>
+          <p:nvPr/>
+        </p:nvCxnSpPr>
+        <p:spPr>
+          <a:xfrm>
+            <a:off x="535167" y="436672"/>
+            <a:ext cx="0" cy="474183"/>
+          </a:xfrm>
+          <a:prstGeom prst="line">
+            <a:avLst/>
+          </a:prstGeom>
+          <a:ln w="76200">
+            <a:solidFill>
+              <a:srgbClr val="1C4885"/>
+            </a:solidFill>
+          </a:ln>
+        </p:spPr>
+        <p:style>
+          <a:lnRef idx="1">
+            <a:schemeClr val="accent1"/>
+          </a:lnRef>
+          <a:fillRef idx="0">
+            <a:schemeClr val="accent1"/>
+          </a:fillRef>
+          <a:effectRef idx="0">
+            <a:schemeClr val="accent1"/>
+          </a:effectRef>
+          <a:fontRef idx="minor">
+            <a:schemeClr val="tx1"/>
+          </a:fontRef>
+        </p:style>
+      </p:cxnSp>
+      <p:sp>
+        <p:nvSpPr>
+          <p:cNvPr id="2" name="文本框 1"/>
+          <p:cNvSpPr txBox="1"/>
+          <p:nvPr/>
+        </p:nvSpPr>
+        <p:spPr>
+          <a:xfrm>
+            <a:off x="782174" y="495357"/>
+            <a:ext cx="2060084" cy="415498"/>
+          </a:xfrm>
+          <a:prstGeom prst="rect">
+            <a:avLst/>
+          </a:prstGeom>
+          <a:noFill/>
+        </p:spPr>
+        <p:txBody>
+          <a:bodyPr wrap="square" rtlCol="0">
+            <a:spAutoFit/>
+          </a:bodyPr>
+          <a:lstStyle/>
+          <a:p>
+            <a:r>
+              <a:rPr lang="en-US" altLang="zh-CN" sz="2100" dirty="0">
+                <a:latin typeface="微软雅黑" panose="020B0503020204020204" pitchFamily="34" charset="-122"/>
+                <a:ea typeface="微软雅黑" panose="020B0503020204020204" pitchFamily="34" charset="-122"/>
+              </a:rPr>
+              <a:t>CLIENT</a:t>
+            </a:r>
+            <a:r>
+              <a:rPr lang="zh-CN" altLang="en-US" sz="2100" dirty="0">
+                <a:latin typeface="微软雅黑" panose="020B0503020204020204" pitchFamily="34" charset="-122"/>
+                <a:ea typeface="微软雅黑" panose="020B0503020204020204" pitchFamily="34" charset="-122"/>
+              </a:rPr>
+              <a:t> </a:t>
+            </a:r>
+            <a:r>
+              <a:rPr lang="en-US" altLang="zh-CN" sz="2100" dirty="0">
+                <a:latin typeface="微软雅黑" panose="020B0503020204020204" pitchFamily="34" charset="-122"/>
+                <a:ea typeface="微软雅黑" panose="020B0503020204020204" pitchFamily="34" charset="-122"/>
+              </a:rPr>
+              <a:t>·</a:t>
+            </a:r>
+            <a:r>
+              <a:rPr lang="zh-CN" altLang="en-US" sz="2100" dirty="0">
+                <a:latin typeface="微软雅黑" panose="020B0503020204020204" pitchFamily="34" charset="-122"/>
+                <a:ea typeface="微软雅黑" panose="020B0503020204020204" pitchFamily="34" charset="-122"/>
+              </a:rPr>
+              <a:t> </a:t>
+            </a:r>
+            <a:r>
+              <a:rPr lang="en-US" altLang="zh-CN" sz="2100" dirty="0">
+                <a:latin typeface="微软雅黑" panose="020B0503020204020204" pitchFamily="34" charset="-122"/>
+                <a:ea typeface="微软雅黑" panose="020B0503020204020204" pitchFamily="34" charset="-122"/>
+              </a:rPr>
+              <a:t>WEB</a:t>
+            </a:r>
+            <a:endParaRPr lang="en-US" altLang="zh-CN" sz="2100" dirty="0">
+              <a:latin typeface="微软雅黑" panose="020B0503020204020204" pitchFamily="34" charset="-122"/>
+              <a:ea typeface="微软雅黑" panose="020B0503020204020204" pitchFamily="34" charset="-122"/>
+            </a:endParaRPr>
+          </a:p>
+        </p:txBody>
+      </p:sp>
+      <p:pic>
+        <p:nvPicPr>
+          <p:cNvPr id="3" name="图片 2"/>
+          <p:cNvPicPr>
+            <a:picLocks noChangeAspect="1"/>
+          </p:cNvPicPr>
+          <p:nvPr/>
+        </p:nvPicPr>
+        <p:blipFill>
+          <a:blip r:embed="rId1" cstate="print">
+            <a:extLst>
+              <a:ext uri="{28A0092B-C50C-407E-A947-70E740481C1C}">
+                <a14:useLocalDpi xmlns:a14="http://schemas.microsoft.com/office/drawing/2010/main" val="0"/>
+              </a:ext>
+            </a:extLst>
+          </a:blip>
+          <a:stretch>
+            <a:fillRect/>
+          </a:stretch>
+        </p:blipFill>
+        <p:spPr>
+          <a:xfrm>
+            <a:off x="2045133" y="299712"/>
+            <a:ext cx="4734807" cy="6628182"/>
+          </a:xfrm>
+          <a:prstGeom prst="rect">
+            <a:avLst/>
+          </a:prstGeom>
+        </p:spPr>
+      </p:pic>
+    </p:spTree>
+  </p:cSld>
+  <p:clrMapOvr>
+    <a:masterClrMapping/>
+  </p:clrMapOvr>
+  <mc:AlternateContent xmlns:mc="http://schemas.openxmlformats.org/markup-compatibility/2006">
+    <mc:Choice xmlns:p14="http://schemas.microsoft.com/office/powerpoint/2010/main" Requires="p14">
+      <p:transition p14:dur="10"/>
+    </mc:Choice>
+    <mc:Fallback>
+      <p:transition/>
+    </mc:Fallback>
+  </mc:AlternateContent>
+</p:sld>
+</file>
+
+<file path=ppt/slides/slide16.xml><?xml version="1.0" encoding="utf-8"?>
+<p:sld xmlns:a="http://schemas.openxmlformats.org/drawingml/2006/main" xmlns:r="http://schemas.openxmlformats.org/officeDocument/2006/relationships" xmlns:p="http://schemas.openxmlformats.org/presentationml/2006/main">
+  <p:cSld>
+    <p:spTree>
+      <p:nvGrpSpPr>
+        <p:cNvPr id="1" name=""/>
+        <p:cNvGrpSpPr/>
+        <p:nvPr/>
+      </p:nvGrpSpPr>
+      <p:grpSpPr>
+        <a:xfrm>
+          <a:off x="0" y="0"/>
+          <a:ext cx="0" cy="0"/>
+          <a:chOff x="0" y="0"/>
+          <a:chExt cx="0" cy="0"/>
+        </a:xfrm>
+      </p:grpSpPr>
+      <p:cxnSp>
+        <p:nvCxnSpPr>
+          <p:cNvPr id="6" name="直接连接符 5"/>
+          <p:cNvCxnSpPr/>
+          <p:nvPr/>
+        </p:nvCxnSpPr>
+        <p:spPr>
+          <a:xfrm>
+            <a:off x="535167" y="436672"/>
+            <a:ext cx="0" cy="474183"/>
+          </a:xfrm>
+          <a:prstGeom prst="line">
+            <a:avLst/>
+          </a:prstGeom>
+          <a:ln w="76200">
+            <a:solidFill>
+              <a:srgbClr val="1C4885"/>
+            </a:solidFill>
+          </a:ln>
+        </p:spPr>
+        <p:style>
+          <a:lnRef idx="1">
+            <a:schemeClr val="accent1"/>
+          </a:lnRef>
+          <a:fillRef idx="0">
+            <a:schemeClr val="accent1"/>
+          </a:fillRef>
+          <a:effectRef idx="0">
+            <a:schemeClr val="accent1"/>
+          </a:effectRef>
+          <a:fontRef idx="minor">
+            <a:schemeClr val="tx1"/>
+          </a:fontRef>
+        </p:style>
+      </p:cxnSp>
+      <p:sp>
+        <p:nvSpPr>
+          <p:cNvPr id="2" name="文本框 1"/>
+          <p:cNvSpPr txBox="1"/>
+          <p:nvPr/>
+        </p:nvSpPr>
+        <p:spPr>
+          <a:xfrm>
+            <a:off x="782174" y="495357"/>
+            <a:ext cx="2060084" cy="415498"/>
+          </a:xfrm>
+          <a:prstGeom prst="rect">
+            <a:avLst/>
+          </a:prstGeom>
+          <a:noFill/>
+        </p:spPr>
+        <p:txBody>
+          <a:bodyPr wrap="square" rtlCol="0">
+            <a:spAutoFit/>
+          </a:bodyPr>
+          <a:lstStyle/>
+          <a:p>
+            <a:r>
+              <a:rPr lang="en-US" altLang="zh-CN" sz="2100" dirty="0">
+                <a:latin typeface="微软雅黑" panose="020B0503020204020204" pitchFamily="34" charset="-122"/>
+                <a:ea typeface="微软雅黑" panose="020B0503020204020204" pitchFamily="34" charset="-122"/>
+              </a:rPr>
+              <a:t>CLIENT</a:t>
+            </a:r>
+            <a:r>
+              <a:rPr lang="zh-CN" altLang="en-US" sz="2100" dirty="0">
+                <a:latin typeface="微软雅黑" panose="020B0503020204020204" pitchFamily="34" charset="-122"/>
+                <a:ea typeface="微软雅黑" panose="020B0503020204020204" pitchFamily="34" charset="-122"/>
+              </a:rPr>
+              <a:t> </a:t>
+            </a:r>
+            <a:r>
+              <a:rPr lang="en-US" altLang="zh-CN" sz="2100" dirty="0">
+                <a:latin typeface="微软雅黑" panose="020B0503020204020204" pitchFamily="34" charset="-122"/>
+                <a:ea typeface="微软雅黑" panose="020B0503020204020204" pitchFamily="34" charset="-122"/>
+              </a:rPr>
+              <a:t>·</a:t>
+            </a:r>
+            <a:r>
+              <a:rPr lang="zh-CN" altLang="en-US" sz="2100" dirty="0">
+                <a:latin typeface="微软雅黑" panose="020B0503020204020204" pitchFamily="34" charset="-122"/>
+                <a:ea typeface="微软雅黑" panose="020B0503020204020204" pitchFamily="34" charset="-122"/>
+              </a:rPr>
+              <a:t> </a:t>
+            </a:r>
+            <a:r>
+              <a:rPr lang="en-US" altLang="zh-CN" sz="2100" dirty="0">
+                <a:latin typeface="微软雅黑" panose="020B0503020204020204" pitchFamily="34" charset="-122"/>
+                <a:ea typeface="微软雅黑" panose="020B0503020204020204" pitchFamily="34" charset="-122"/>
+              </a:rPr>
+              <a:t>WEB</a:t>
+            </a:r>
+            <a:endParaRPr lang="en-US" altLang="zh-CN" sz="2100" dirty="0">
+              <a:latin typeface="微软雅黑" panose="020B0503020204020204" pitchFamily="34" charset="-122"/>
+              <a:ea typeface="微软雅黑" panose="020B0503020204020204" pitchFamily="34" charset="-122"/>
+            </a:endParaRPr>
+          </a:p>
+        </p:txBody>
+      </p:sp>
+      <p:pic>
+        <p:nvPicPr>
+          <p:cNvPr id="4" name="图片 3"/>
+          <p:cNvPicPr>
+            <a:picLocks noChangeAspect="1"/>
+          </p:cNvPicPr>
+          <p:nvPr/>
+        </p:nvPicPr>
+        <p:blipFill>
+          <a:blip r:embed="rId1" cstate="print">
+            <a:extLst>
+              <a:ext uri="{28A0092B-C50C-407E-A947-70E740481C1C}">
+                <a14:useLocalDpi xmlns:a14="http://schemas.microsoft.com/office/drawing/2010/main" val="0"/>
+              </a:ext>
+            </a:extLst>
+          </a:blip>
+          <a:stretch>
+            <a:fillRect/>
+          </a:stretch>
+        </p:blipFill>
+        <p:spPr>
+          <a:xfrm>
+            <a:off x="1205126" y="820420"/>
+            <a:ext cx="6733747" cy="6037580"/>
+          </a:xfrm>
+          <a:prstGeom prst="rect">
+            <a:avLst/>
+          </a:prstGeom>
+        </p:spPr>
+      </p:pic>
+    </p:spTree>
+  </p:cSld>
+  <p:clrMapOvr>
+    <a:masterClrMapping/>
+  </p:clrMapOvr>
+  <mc:AlternateContent xmlns:mc="http://schemas.openxmlformats.org/markup-compatibility/2006">
+    <mc:Choice xmlns:p14="http://schemas.microsoft.com/office/powerpoint/2010/main" Requires="p14">
+      <p:transition p14:dur="10"/>
+    </mc:Choice>
+    <mc:Fallback>
+      <p:transition/>
+    </mc:Fallback>
+  </mc:AlternateContent>
+</p:sld>
+</file>
+
+<file path=ppt/slides/slide17.xml><?xml version="1.0" encoding="utf-8"?>
+<p:sld xmlns:a="http://schemas.openxmlformats.org/drawingml/2006/main" xmlns:r="http://schemas.openxmlformats.org/officeDocument/2006/relationships" xmlns:p="http://schemas.openxmlformats.org/presentationml/2006/main">
+  <p:cSld>
+    <p:spTree>
+      <p:nvGrpSpPr>
+        <p:cNvPr id="1" name=""/>
+        <p:cNvGrpSpPr/>
+        <p:nvPr/>
+      </p:nvGrpSpPr>
+      <p:grpSpPr>
+        <a:xfrm>
+          <a:off x="0" y="0"/>
+          <a:ext cx="0" cy="0"/>
+          <a:chOff x="0" y="0"/>
+          <a:chExt cx="0" cy="0"/>
+        </a:xfrm>
+      </p:grpSpPr>
+      <p:cxnSp>
+        <p:nvCxnSpPr>
+          <p:cNvPr id="6" name="直接连接符 5"/>
+          <p:cNvCxnSpPr/>
+          <p:nvPr/>
+        </p:nvCxnSpPr>
+        <p:spPr>
+          <a:xfrm>
+            <a:off x="597310" y="1200152"/>
+            <a:ext cx="0" cy="474183"/>
+          </a:xfrm>
+          <a:prstGeom prst="line">
+            <a:avLst/>
+          </a:prstGeom>
+          <a:ln w="76200">
+            <a:solidFill>
+              <a:srgbClr val="1C4885"/>
+            </a:solidFill>
+          </a:ln>
+        </p:spPr>
+        <p:style>
+          <a:lnRef idx="1">
+            <a:schemeClr val="accent1"/>
+          </a:lnRef>
+          <a:fillRef idx="0">
+            <a:schemeClr val="accent1"/>
+          </a:fillRef>
+          <a:effectRef idx="0">
+            <a:schemeClr val="accent1"/>
+          </a:effectRef>
+          <a:fontRef idx="minor">
+            <a:schemeClr val="tx1"/>
+          </a:fontRef>
+        </p:style>
+      </p:cxnSp>
+      <p:sp>
+        <p:nvSpPr>
+          <p:cNvPr id="2" name="文本框 1"/>
+          <p:cNvSpPr txBox="1"/>
+          <p:nvPr/>
+        </p:nvSpPr>
+        <p:spPr>
+          <a:xfrm>
+            <a:off x="817685" y="1229494"/>
+            <a:ext cx="5192496" cy="415498"/>
+          </a:xfrm>
+          <a:prstGeom prst="rect">
+            <a:avLst/>
+          </a:prstGeom>
+          <a:noFill/>
+        </p:spPr>
+        <p:txBody>
+          <a:bodyPr wrap="square" rtlCol="0">
+            <a:spAutoFit/>
+          </a:bodyPr>
+          <a:lstStyle/>
+          <a:p>
+            <a:r>
+              <a:rPr lang="zh-CN" altLang="en-US" sz="2100" dirty="0">
+                <a:latin typeface="微软雅黑" panose="020B0503020204020204" pitchFamily="34" charset="-122"/>
+                <a:ea typeface="微软雅黑" panose="020B0503020204020204" pitchFamily="34" charset="-122"/>
+              </a:rPr>
+              <a:t>其他重点难点 </a:t>
+            </a:r>
+            <a:r>
+              <a:rPr lang="en-US" altLang="zh-CN" sz="2100" dirty="0">
+                <a:latin typeface="微软雅黑" panose="020B0503020204020204" pitchFamily="34" charset="-122"/>
+                <a:ea typeface="微软雅黑" panose="020B0503020204020204" pitchFamily="34" charset="-122"/>
+              </a:rPr>
+              <a:t>·</a:t>
+            </a:r>
+            <a:r>
+              <a:rPr lang="zh-CN" altLang="en-US" sz="2100" dirty="0">
+                <a:latin typeface="微软雅黑" panose="020B0503020204020204" pitchFamily="34" charset="-122"/>
+                <a:ea typeface="微软雅黑" panose="020B0503020204020204" pitchFamily="34" charset="-122"/>
+              </a:rPr>
+              <a:t> 多平台部署</a:t>
+            </a:r>
+            <a:endParaRPr lang="zh-CN" altLang="en-US" sz="2100" dirty="0">
+              <a:latin typeface="微软雅黑" panose="020B0503020204020204" pitchFamily="34" charset="-122"/>
+              <a:ea typeface="微软雅黑" panose="020B0503020204020204" pitchFamily="34" charset="-122"/>
+            </a:endParaRPr>
+          </a:p>
+        </p:txBody>
+      </p:sp>
+      <p:sp>
+        <p:nvSpPr>
+          <p:cNvPr id="3" name="文本框 2"/>
+          <p:cNvSpPr txBox="1"/>
+          <p:nvPr/>
+        </p:nvSpPr>
+        <p:spPr>
+          <a:xfrm>
+            <a:off x="1582310" y="2000742"/>
+            <a:ext cx="5509866" cy="646331"/>
+          </a:xfrm>
+          <a:prstGeom prst="rect">
+            <a:avLst/>
+          </a:prstGeom>
+          <a:noFill/>
+        </p:spPr>
+        <p:txBody>
+          <a:bodyPr wrap="square" rtlCol="0">
+            <a:spAutoFit/>
+          </a:bodyPr>
+          <a:lstStyle/>
+          <a:p>
+            <a:r>
+              <a:rPr kumimoji="1" lang="zh-CN" altLang="en-US" dirty="0"/>
+              <a:t>考虑到</a:t>
+            </a:r>
+            <a:r>
+              <a:rPr kumimoji="1" lang="en-US" altLang="zh-CN" dirty="0"/>
+              <a:t>Region</a:t>
+            </a:r>
+            <a:r>
+              <a:rPr kumimoji="1" lang="zh-CN" altLang="en-US" dirty="0"/>
+              <a:t>可能会同时被部署在</a:t>
+            </a:r>
+            <a:r>
+              <a:rPr kumimoji="1" lang="en-US" altLang="zh-CN" dirty="0"/>
+              <a:t>Linux</a:t>
+            </a:r>
+            <a:r>
+              <a:rPr kumimoji="1" lang="zh-CN" altLang="en-US" dirty="0"/>
+              <a:t>和</a:t>
+            </a:r>
+            <a:r>
+              <a:rPr kumimoji="1" lang="en-US" altLang="zh-CN" dirty="0"/>
+              <a:t>Windows</a:t>
+            </a:r>
+            <a:r>
+              <a:rPr kumimoji="1" lang="zh-CN" altLang="en-US" dirty="0"/>
+              <a:t>服务器上，我们同时对两个平台进行了环境适配</a:t>
+            </a:r>
+            <a:endParaRPr kumimoji="1" lang="en-US" altLang="zh-CN" dirty="0"/>
+          </a:p>
+        </p:txBody>
+      </p:sp>
+      <p:pic>
+        <p:nvPicPr>
+          <p:cNvPr id="4" name="图片 3"/>
+          <p:cNvPicPr>
+            <a:picLocks noChangeAspect="1"/>
+          </p:cNvPicPr>
+          <p:nvPr/>
+        </p:nvPicPr>
+        <p:blipFill>
+          <a:blip r:embed="rId1"/>
+          <a:stretch>
+            <a:fillRect/>
+          </a:stretch>
+        </p:blipFill>
+        <p:spPr>
+          <a:xfrm>
+            <a:off x="1301750" y="3139648"/>
+            <a:ext cx="6540500" cy="1409700"/>
+          </a:xfrm>
+          <a:prstGeom prst="rect">
+            <a:avLst/>
+          </a:prstGeom>
+        </p:spPr>
+      </p:pic>
+    </p:spTree>
+  </p:cSld>
+  <p:clrMapOvr>
+    <a:masterClrMapping/>
+  </p:clrMapOvr>
+  <mc:AlternateContent xmlns:mc="http://schemas.openxmlformats.org/markup-compatibility/2006">
+    <mc:Choice xmlns:p14="http://schemas.microsoft.com/office/powerpoint/2010/main" Requires="p14">
+      <p:transition p14:dur="10"/>
+    </mc:Choice>
+    <mc:Fallback>
+      <p:transition/>
+    </mc:Fallback>
+  </mc:AlternateContent>
+</p:sld>
+</file>
+
+<file path=ppt/slides/slide18.xml><?xml version="1.0" encoding="utf-8"?>
+<p:sld xmlns:a="http://schemas.openxmlformats.org/drawingml/2006/main" xmlns:r="http://schemas.openxmlformats.org/officeDocument/2006/relationships" xmlns:p="http://schemas.openxmlformats.org/presentationml/2006/main">
+  <p:cSld>
+    <p:spTree>
+      <p:nvGrpSpPr>
+        <p:cNvPr id="1" name=""/>
+        <p:cNvGrpSpPr/>
+        <p:nvPr/>
+      </p:nvGrpSpPr>
+      <p:grpSpPr>
+        <a:xfrm>
+          <a:off x="0" y="0"/>
+          <a:ext cx="0" cy="0"/>
+          <a:chOff x="0" y="0"/>
+          <a:chExt cx="0" cy="0"/>
+        </a:xfrm>
+      </p:grpSpPr>
+      <p:cxnSp>
+        <p:nvCxnSpPr>
+          <p:cNvPr id="6" name="直接连接符 5"/>
+          <p:cNvCxnSpPr/>
+          <p:nvPr/>
+        </p:nvCxnSpPr>
+        <p:spPr>
+          <a:xfrm>
+            <a:off x="597310" y="1200152"/>
+            <a:ext cx="0" cy="474183"/>
+          </a:xfrm>
+          <a:prstGeom prst="line">
+            <a:avLst/>
+          </a:prstGeom>
+          <a:ln w="76200">
+            <a:solidFill>
+              <a:srgbClr val="1C4885"/>
+            </a:solidFill>
+          </a:ln>
+        </p:spPr>
+        <p:style>
+          <a:lnRef idx="1">
+            <a:schemeClr val="accent1"/>
+          </a:lnRef>
+          <a:fillRef idx="0">
+            <a:schemeClr val="accent1"/>
+          </a:fillRef>
+          <a:effectRef idx="0">
+            <a:schemeClr val="accent1"/>
+          </a:effectRef>
+          <a:fontRef idx="minor">
+            <a:schemeClr val="tx1"/>
+          </a:fontRef>
+        </p:style>
+      </p:cxnSp>
+      <p:sp>
+        <p:nvSpPr>
+          <p:cNvPr id="2" name="文本框 1"/>
+          <p:cNvSpPr txBox="1"/>
+          <p:nvPr/>
+        </p:nvSpPr>
+        <p:spPr>
+          <a:xfrm>
+            <a:off x="817685" y="1229494"/>
+            <a:ext cx="5192496" cy="415498"/>
+          </a:xfrm>
+          <a:prstGeom prst="rect">
+            <a:avLst/>
+          </a:prstGeom>
+          <a:noFill/>
+        </p:spPr>
+        <p:txBody>
+          <a:bodyPr wrap="square" rtlCol="0">
+            <a:spAutoFit/>
+          </a:bodyPr>
+          <a:lstStyle/>
+          <a:p>
+            <a:r>
+              <a:rPr lang="zh-CN" altLang="en-US" sz="2100" dirty="0">
+                <a:latin typeface="微软雅黑" panose="020B0503020204020204" pitchFamily="34" charset="-122"/>
+                <a:ea typeface="微软雅黑" panose="020B0503020204020204" pitchFamily="34" charset="-122"/>
+              </a:rPr>
+              <a:t>其他重点难点 </a:t>
+            </a:r>
+            <a:r>
+              <a:rPr lang="en-US" altLang="zh-CN" sz="2100" dirty="0">
+                <a:latin typeface="微软雅黑" panose="020B0503020204020204" pitchFamily="34" charset="-122"/>
+                <a:ea typeface="微软雅黑" panose="020B0503020204020204" pitchFamily="34" charset="-122"/>
+              </a:rPr>
+              <a:t>·</a:t>
+            </a:r>
+            <a:r>
+              <a:rPr lang="zh-CN" altLang="en-US" sz="2100" dirty="0">
+                <a:latin typeface="微软雅黑" panose="020B0503020204020204" pitchFamily="34" charset="-122"/>
+                <a:ea typeface="微软雅黑" panose="020B0503020204020204" pitchFamily="34" charset="-122"/>
+              </a:rPr>
+              <a:t> 项目整体部署</a:t>
+            </a:r>
+            <a:endParaRPr lang="zh-CN" altLang="en-US" sz="2100" dirty="0">
+              <a:latin typeface="微软雅黑" panose="020B0503020204020204" pitchFamily="34" charset="-122"/>
+              <a:ea typeface="微软雅黑" panose="020B0503020204020204" pitchFamily="34" charset="-122"/>
+            </a:endParaRPr>
+          </a:p>
+        </p:txBody>
+      </p:sp>
+      <p:sp>
+        <p:nvSpPr>
+          <p:cNvPr id="3" name="文本框 2"/>
+          <p:cNvSpPr txBox="1"/>
+          <p:nvPr/>
+        </p:nvSpPr>
+        <p:spPr>
+          <a:xfrm>
+            <a:off x="1582309" y="2000742"/>
+            <a:ext cx="6000519" cy="923330"/>
+          </a:xfrm>
+          <a:prstGeom prst="rect">
+            <a:avLst/>
+          </a:prstGeom>
+          <a:noFill/>
+        </p:spPr>
+        <p:txBody>
+          <a:bodyPr wrap="square" rtlCol="0">
+            <a:spAutoFit/>
+          </a:bodyPr>
+          <a:lstStyle/>
+          <a:p>
+            <a:r>
+              <a:rPr kumimoji="1" lang="zh-CN" altLang="en-US" dirty="0"/>
+              <a:t>我们的整个项目都部署在了公网服务器上，在连通互联网的情况下，可以随时随地通过浏览器访问客户端，或是运行命令行客户端查看和操作我们的分布式数据库</a:t>
+            </a:r>
+            <a:endParaRPr kumimoji="1" lang="en-US" altLang="zh-CN" dirty="0"/>
+          </a:p>
+        </p:txBody>
+      </p:sp>
+      <p:pic>
+        <p:nvPicPr>
+          <p:cNvPr id="7" name="图片 6"/>
+          <p:cNvPicPr>
+            <a:picLocks noChangeAspect="1"/>
+          </p:cNvPicPr>
+          <p:nvPr/>
+        </p:nvPicPr>
+        <p:blipFill>
+          <a:blip r:embed="rId1">
+            <a:extLst>
+              <a:ext uri="{28A0092B-C50C-407E-A947-70E740481C1C}">
+                <a14:useLocalDpi xmlns:a14="http://schemas.microsoft.com/office/drawing/2010/main" val="0"/>
+              </a:ext>
+            </a:extLst>
+          </a:blip>
+          <a:stretch>
+            <a:fillRect/>
+          </a:stretch>
+        </p:blipFill>
+        <p:spPr>
+          <a:xfrm>
+            <a:off x="1278982" y="3279822"/>
+            <a:ext cx="3136900" cy="2584450"/>
+          </a:xfrm>
+          <a:prstGeom prst="rect">
+            <a:avLst/>
+          </a:prstGeom>
+        </p:spPr>
+      </p:pic>
+      <p:pic>
+        <p:nvPicPr>
+          <p:cNvPr id="8" name="图片 7"/>
+          <p:cNvPicPr>
+            <a:picLocks noChangeAspect="1"/>
+          </p:cNvPicPr>
+          <p:nvPr/>
+        </p:nvPicPr>
+        <p:blipFill>
+          <a:blip r:embed="rId2"/>
+          <a:stretch>
+            <a:fillRect/>
+          </a:stretch>
+        </p:blipFill>
+        <p:spPr>
+          <a:xfrm>
+            <a:off x="4334601" y="2924072"/>
+            <a:ext cx="3248227" cy="3419578"/>
+          </a:xfrm>
+          <a:prstGeom prst="rect">
+            <a:avLst/>
+          </a:prstGeom>
+        </p:spPr>
+      </p:pic>
+    </p:spTree>
+  </p:cSld>
+  <p:clrMapOvr>
+    <a:masterClrMapping/>
+  </p:clrMapOvr>
+  <mc:AlternateContent xmlns:mc="http://schemas.openxmlformats.org/markup-compatibility/2006">
+    <mc:Choice xmlns:p14="http://schemas.microsoft.com/office/powerpoint/2010/main" Requires="p14">
+      <p:transition p14:dur="10"/>
+    </mc:Choice>
+    <mc:Fallback>
+      <p:transition/>
+    </mc:Fallback>
+  </mc:AlternateContent>
+</p:sld>
+</file>
+
+<file path=ppt/slides/slide2.xml><?xml version="1.0" encoding="utf-8"?>
+<p:sld xmlns:a="http://schemas.openxmlformats.org/drawingml/2006/main" xmlns:r="http://schemas.openxmlformats.org/officeDocument/2006/relationships" xmlns:p="http://schemas.openxmlformats.org/presentationml/2006/main">
+  <p:cSld>
+    <p:spTree>
+      <p:nvGrpSpPr>
+        <p:cNvPr id="1" name=""/>
+        <p:cNvGrpSpPr/>
+        <p:nvPr/>
+      </p:nvGrpSpPr>
+      <p:grpSpPr>
+        <a:xfrm>
+          <a:off x="0" y="0"/>
+          <a:ext cx="0" cy="0"/>
+          <a:chOff x="0" y="0"/>
+          <a:chExt cx="0" cy="0"/>
+        </a:xfrm>
+      </p:grpSpPr>
+      <p:sp>
+        <p:nvSpPr>
+          <p:cNvPr id="4" name="文本框 3"/>
+          <p:cNvSpPr txBox="1"/>
+          <p:nvPr/>
+        </p:nvSpPr>
+        <p:spPr>
+          <a:xfrm>
+            <a:off x="452739" y="1164695"/>
+            <a:ext cx="2129588" cy="415498"/>
+          </a:xfrm>
+          <a:prstGeom prst="rect">
+            <a:avLst/>
+          </a:prstGeom>
+          <a:noFill/>
+        </p:spPr>
+        <p:txBody>
+          <a:bodyPr wrap="square" rtlCol="0">
+            <a:spAutoFit/>
+          </a:bodyPr>
+          <a:lstStyle/>
+          <a:p>
+            <a:pPr algn="ctr"/>
+            <a:r>
+              <a:rPr lang="zh-CN" altLang="en-US" sz="2100" dirty="0">
+                <a:solidFill>
+                  <a:schemeClr val="tx1">
+                    <a:lumMod val="85000"/>
+                    <a:lumOff val="15000"/>
+                  </a:schemeClr>
+                </a:solidFill>
+                <a:latin typeface="微软雅黑" panose="020B0503020204020204" pitchFamily="34" charset="-122"/>
+                <a:ea typeface="微软雅黑" panose="020B0503020204020204" pitchFamily="34" charset="-122"/>
+              </a:rPr>
+              <a:t>项目背景</a:t>
+            </a:r>
+            <a:endParaRPr lang="zh-CN" altLang="en-US" sz="2100" dirty="0">
+              <a:solidFill>
+                <a:schemeClr val="tx1">
+                  <a:lumMod val="85000"/>
+                  <a:lumOff val="15000"/>
+                </a:schemeClr>
+              </a:solidFill>
+              <a:latin typeface="微软雅黑" panose="020B0503020204020204" pitchFamily="34" charset="-122"/>
+              <a:ea typeface="微软雅黑" panose="020B0503020204020204" pitchFamily="34" charset="-122"/>
+            </a:endParaRPr>
           </a:p>
         </p:txBody>
       </p:sp>
@@ -7709,13 +10071,7 @@
       </p:sp>
       <p:graphicFrame>
         <p:nvGraphicFramePr>
-          <p:cNvPr id="11" name="图表 10">
-            <a:extLst>
-              <a:ext uri="{FF2B5EF4-FFF2-40B4-BE49-F238E27FC236}">
-                <a16:creationId xmlns:a16="http://schemas.microsoft.com/office/drawing/2014/main" id="{01F45C78-E94B-4B80-AEEB-8344B5EBDED9}"/>
-              </a:ext>
-            </a:extLst>
-          </p:cNvPr>
+          <p:cNvPr id="11" name="图表 10"/>
           <p:cNvGraphicFramePr/>
           <p:nvPr/>
         </p:nvGraphicFramePr>
@@ -7725,7 +10081,7 @@
         </p:xfrm>
         <a:graphic>
           <a:graphicData uri="http://schemas.openxmlformats.org/drawingml/2006/chart">
-            <c:chart xmlns:c="http://schemas.openxmlformats.org/drawingml/2006/chart" xmlns:r="http://schemas.openxmlformats.org/officeDocument/2006/relationships" r:id="rId3"/>
+            <c:chart xmlns:c="http://schemas.openxmlformats.org/drawingml/2006/chart" xmlns:r="http://schemas.openxmlformats.org/officeDocument/2006/relationships" r:id="rId1"/>
           </a:graphicData>
         </a:graphic>
       </p:graphicFrame>
@@ -7771,13 +10127,7 @@
       </p:sp>
       <p:sp>
         <p:nvSpPr>
-          <p:cNvPr id="3" name="矩形 2">
-            <a:extLst>
-              <a:ext uri="{FF2B5EF4-FFF2-40B4-BE49-F238E27FC236}">
-                <a16:creationId xmlns:a16="http://schemas.microsoft.com/office/drawing/2014/main" id="{46FA9758-9D5F-F48E-5121-6F37142697B0}"/>
-              </a:ext>
-            </a:extLst>
-          </p:cNvPr>
+          <p:cNvPr id="3" name="矩形 2"/>
           <p:cNvSpPr/>
           <p:nvPr/>
         </p:nvSpPr>
@@ -7825,13 +10175,7 @@
       </p:sp>
       <p:grpSp>
         <p:nvGrpSpPr>
-          <p:cNvPr id="7" name="组合 6">
-            <a:extLst>
-              <a:ext uri="{FF2B5EF4-FFF2-40B4-BE49-F238E27FC236}">
-                <a16:creationId xmlns:a16="http://schemas.microsoft.com/office/drawing/2014/main" id="{10480ABC-48AC-CEE1-A3F0-3AC439696E7C}"/>
-              </a:ext>
-            </a:extLst>
-          </p:cNvPr>
+          <p:cNvPr id="7" name="组合 6"/>
           <p:cNvGrpSpPr/>
           <p:nvPr/>
         </p:nvGrpSpPr>
@@ -7848,13 +10192,7 @@
         </p:grpSpPr>
         <p:sp>
           <p:nvSpPr>
-            <p:cNvPr id="8" name="矩形 7">
-              <a:extLst>
-                <a:ext uri="{FF2B5EF4-FFF2-40B4-BE49-F238E27FC236}">
-                  <a16:creationId xmlns:a16="http://schemas.microsoft.com/office/drawing/2014/main" id="{46E19888-7E21-8A33-9745-9B03A38B27DA}"/>
-                </a:ext>
-              </a:extLst>
-            </p:cNvPr>
+            <p:cNvPr id="8" name="矩形 7"/>
             <p:cNvSpPr/>
             <p:nvPr/>
           </p:nvSpPr>
@@ -7898,13 +10236,7 @@
         </p:sp>
         <p:sp>
           <p:nvSpPr>
-            <p:cNvPr id="9" name="矩形 8">
-              <a:extLst>
-                <a:ext uri="{FF2B5EF4-FFF2-40B4-BE49-F238E27FC236}">
-                  <a16:creationId xmlns:a16="http://schemas.microsoft.com/office/drawing/2014/main" id="{19CB3DA8-7A0E-9BB7-5AB1-BF5461648CB6}"/>
-                </a:ext>
-              </a:extLst>
-            </p:cNvPr>
+            <p:cNvPr id="9" name="矩形 8"/>
             <p:cNvSpPr/>
             <p:nvPr/>
           </p:nvSpPr>
@@ -7949,13 +10281,7 @@
       </p:grpSp>
       <p:sp>
         <p:nvSpPr>
-          <p:cNvPr id="10" name="文本框 9">
-            <a:extLst>
-              <a:ext uri="{FF2B5EF4-FFF2-40B4-BE49-F238E27FC236}">
-                <a16:creationId xmlns:a16="http://schemas.microsoft.com/office/drawing/2014/main" id="{B8D41E69-D5BB-BBEE-8C90-550FE077328F}"/>
-              </a:ext>
-            </a:extLst>
-          </p:cNvPr>
+          <p:cNvPr id="10" name="文本框 9"/>
           <p:cNvSpPr txBox="1"/>
           <p:nvPr/>
         </p:nvSpPr>
@@ -8002,13 +10328,7 @@
       </p:sp>
       <p:sp>
         <p:nvSpPr>
-          <p:cNvPr id="12" name="文本框 11">
-            <a:extLst>
-              <a:ext uri="{FF2B5EF4-FFF2-40B4-BE49-F238E27FC236}">
-                <a16:creationId xmlns:a16="http://schemas.microsoft.com/office/drawing/2014/main" id="{A0DAB1D4-994F-5693-991B-6FF1280624D7}"/>
-              </a:ext>
-            </a:extLst>
-          </p:cNvPr>
+          <p:cNvPr id="12" name="文本框 11"/>
           <p:cNvSpPr txBox="1"/>
           <p:nvPr/>
         </p:nvSpPr>
@@ -8056,1778 +10376,15 @@
         </p:txBody>
       </p:sp>
     </p:spTree>
-    <p:extLst>
-      <p:ext uri="{BB962C8B-B14F-4D97-AF65-F5344CB8AC3E}">
-        <p14:creationId xmlns:p14="http://schemas.microsoft.com/office/powerpoint/2010/main" val="444398760"/>
-      </p:ext>
-    </p:extLst>
   </p:cSld>
   <p:clrMapOvr>
     <a:masterClrMapping/>
   </p:clrMapOvr>
-  <mc:AlternateContent xmlns:mc="http://schemas.openxmlformats.org/markup-compatibility/2006" xmlns:p14="http://schemas.microsoft.com/office/powerpoint/2010/main">
-    <mc:Choice Requires="p14">
+  <mc:AlternateContent xmlns:mc="http://schemas.openxmlformats.org/markup-compatibility/2006">
+    <mc:Choice xmlns:p14="http://schemas.microsoft.com/office/powerpoint/2010/main" Requires="p14">
       <p:transition p14:dur="10"/>
     </mc:Choice>
-    <mc:Fallback xmlns="">
-      <p:transition/>
-    </mc:Fallback>
-  </mc:AlternateContent>
-</p:sld>
-</file>
-
-<file path=ppt/slides/slide10.xml><?xml version="1.0" encoding="utf-8"?>
-<p:sld xmlns:a="http://schemas.openxmlformats.org/drawingml/2006/main" xmlns:r="http://schemas.openxmlformats.org/officeDocument/2006/relationships" xmlns:p="http://schemas.openxmlformats.org/presentationml/2006/main">
-  <p:cSld>
-    <p:spTree>
-      <p:nvGrpSpPr>
-        <p:cNvPr id="1" name=""/>
-        <p:cNvGrpSpPr/>
-        <p:nvPr/>
-      </p:nvGrpSpPr>
-      <p:grpSpPr>
-        <a:xfrm>
-          <a:off x="0" y="0"/>
-          <a:ext cx="0" cy="0"/>
-          <a:chOff x="0" y="0"/>
-          <a:chExt cx="0" cy="0"/>
-        </a:xfrm>
-      </p:grpSpPr>
-      <p:cxnSp>
-        <p:nvCxnSpPr>
-          <p:cNvPr id="6" name="直接连接符 5"/>
-          <p:cNvCxnSpPr/>
-          <p:nvPr/>
-        </p:nvCxnSpPr>
-        <p:spPr>
-          <a:xfrm>
-            <a:off x="535167" y="436672"/>
-            <a:ext cx="0" cy="474183"/>
-          </a:xfrm>
-          <a:prstGeom prst="line">
-            <a:avLst/>
-          </a:prstGeom>
-          <a:ln w="76200">
-            <a:solidFill>
-              <a:srgbClr val="1C4885"/>
-            </a:solidFill>
-          </a:ln>
-        </p:spPr>
-        <p:style>
-          <a:lnRef idx="1">
-            <a:schemeClr val="accent1"/>
-          </a:lnRef>
-          <a:fillRef idx="0">
-            <a:schemeClr val="accent1"/>
-          </a:fillRef>
-          <a:effectRef idx="0">
-            <a:schemeClr val="accent1"/>
-          </a:effectRef>
-          <a:fontRef idx="minor">
-            <a:schemeClr val="tx1"/>
-          </a:fontRef>
-        </p:style>
-      </p:cxnSp>
-      <p:sp>
-        <p:nvSpPr>
-          <p:cNvPr id="2" name="文本框 1"/>
-          <p:cNvSpPr txBox="1"/>
-          <p:nvPr/>
-        </p:nvSpPr>
-        <p:spPr>
-          <a:xfrm>
-            <a:off x="782174" y="495357"/>
-            <a:ext cx="1758461" cy="415498"/>
-          </a:xfrm>
-          <a:prstGeom prst="rect">
-            <a:avLst/>
-          </a:prstGeom>
-          <a:noFill/>
-        </p:spPr>
-        <p:txBody>
-          <a:bodyPr wrap="square" rtlCol="0">
-            <a:spAutoFit/>
-          </a:bodyPr>
-          <a:lstStyle/>
-          <a:p>
-            <a:r>
-              <a:rPr lang="en-US" altLang="zh-CN" sz="2100" dirty="0">
-                <a:latin typeface="微软雅黑" panose="020B0503020204020204" pitchFamily="34" charset="-122"/>
-                <a:ea typeface="微软雅黑" panose="020B0503020204020204" pitchFamily="34" charset="-122"/>
-              </a:rPr>
-              <a:t>CLIENT</a:t>
-            </a:r>
-          </a:p>
-        </p:txBody>
-      </p:sp>
-      <p:pic>
-        <p:nvPicPr>
-          <p:cNvPr id="3" name="图片 2">
-            <a:extLst>
-              <a:ext uri="{FF2B5EF4-FFF2-40B4-BE49-F238E27FC236}">
-                <a16:creationId xmlns:a16="http://schemas.microsoft.com/office/drawing/2014/main" id="{69C6A092-7290-3AB2-0DBA-21EBABCE26C0}"/>
-              </a:ext>
-            </a:extLst>
-          </p:cNvPr>
-          <p:cNvPicPr>
-            <a:picLocks noChangeAspect="1"/>
-          </p:cNvPicPr>
-          <p:nvPr/>
-        </p:nvPicPr>
-        <p:blipFill>
-          <a:blip r:embed="rId3">
-            <a:extLst>
-              <a:ext uri="{28A0092B-C50C-407E-A947-70E740481C1C}">
-                <a14:useLocalDpi xmlns:a14="http://schemas.microsoft.com/office/drawing/2010/main" val="0"/>
-              </a:ext>
-            </a:extLst>
-          </a:blip>
-          <a:srcRect/>
-          <a:stretch>
-            <a:fillRect/>
-          </a:stretch>
-        </p:blipFill>
-        <p:spPr bwMode="auto">
-          <a:xfrm>
-            <a:off x="1689364" y="167268"/>
-            <a:ext cx="5536624" cy="6523463"/>
-          </a:xfrm>
-          <a:prstGeom prst="rect">
-            <a:avLst/>
-          </a:prstGeom>
-          <a:noFill/>
-          <a:ln>
-            <a:noFill/>
-          </a:ln>
-        </p:spPr>
-      </p:pic>
-    </p:spTree>
-    <p:extLst>
-      <p:ext uri="{BB962C8B-B14F-4D97-AF65-F5344CB8AC3E}">
-        <p14:creationId xmlns:p14="http://schemas.microsoft.com/office/powerpoint/2010/main" val="3514224927"/>
-      </p:ext>
-    </p:extLst>
-  </p:cSld>
-  <p:clrMapOvr>
-    <a:masterClrMapping/>
-  </p:clrMapOvr>
-  <mc:AlternateContent xmlns:mc="http://schemas.openxmlformats.org/markup-compatibility/2006" xmlns:p14="http://schemas.microsoft.com/office/powerpoint/2010/main">
-    <mc:Choice Requires="p14">
-      <p:transition p14:dur="10"/>
-    </mc:Choice>
-    <mc:Fallback xmlns="">
-      <p:transition/>
-    </mc:Fallback>
-  </mc:AlternateContent>
-</p:sld>
-</file>
-
-<file path=ppt/slides/slide11.xml><?xml version="1.0" encoding="utf-8"?>
-<p:sld xmlns:a="http://schemas.openxmlformats.org/drawingml/2006/main" xmlns:r="http://schemas.openxmlformats.org/officeDocument/2006/relationships" xmlns:p="http://schemas.openxmlformats.org/presentationml/2006/main">
-  <p:cSld>
-    <p:spTree>
-      <p:nvGrpSpPr>
-        <p:cNvPr id="1" name=""/>
-        <p:cNvGrpSpPr/>
-        <p:nvPr/>
-      </p:nvGrpSpPr>
-      <p:grpSpPr>
-        <a:xfrm>
-          <a:off x="0" y="0"/>
-          <a:ext cx="0" cy="0"/>
-          <a:chOff x="0" y="0"/>
-          <a:chExt cx="0" cy="0"/>
-        </a:xfrm>
-      </p:grpSpPr>
-      <p:cxnSp>
-        <p:nvCxnSpPr>
-          <p:cNvPr id="6" name="直接连接符 5"/>
-          <p:cNvCxnSpPr/>
-          <p:nvPr/>
-        </p:nvCxnSpPr>
-        <p:spPr>
-          <a:xfrm>
-            <a:off x="535167" y="436672"/>
-            <a:ext cx="0" cy="474183"/>
-          </a:xfrm>
-          <a:prstGeom prst="line">
-            <a:avLst/>
-          </a:prstGeom>
-          <a:ln w="76200">
-            <a:solidFill>
-              <a:srgbClr val="1C4885"/>
-            </a:solidFill>
-          </a:ln>
-        </p:spPr>
-        <p:style>
-          <a:lnRef idx="1">
-            <a:schemeClr val="accent1"/>
-          </a:lnRef>
-          <a:fillRef idx="0">
-            <a:schemeClr val="accent1"/>
-          </a:fillRef>
-          <a:effectRef idx="0">
-            <a:schemeClr val="accent1"/>
-          </a:effectRef>
-          <a:fontRef idx="minor">
-            <a:schemeClr val="tx1"/>
-          </a:fontRef>
-        </p:style>
-      </p:cxnSp>
-      <p:sp>
-        <p:nvSpPr>
-          <p:cNvPr id="2" name="文本框 1"/>
-          <p:cNvSpPr txBox="1"/>
-          <p:nvPr/>
-        </p:nvSpPr>
-        <p:spPr>
-          <a:xfrm>
-            <a:off x="771023" y="495357"/>
-            <a:ext cx="3533344" cy="415498"/>
-          </a:xfrm>
-          <a:prstGeom prst="rect">
-            <a:avLst/>
-          </a:prstGeom>
-          <a:noFill/>
-        </p:spPr>
-        <p:txBody>
-          <a:bodyPr wrap="square" rtlCol="0">
-            <a:spAutoFit/>
-          </a:bodyPr>
-          <a:lstStyle/>
-          <a:p>
-            <a:r>
-              <a:rPr lang="en-US" altLang="zh-CN" sz="2100" dirty="0">
-                <a:latin typeface="微软雅黑" panose="020B0503020204020204" pitchFamily="34" charset="-122"/>
-                <a:ea typeface="微软雅黑" panose="020B0503020204020204" pitchFamily="34" charset="-122"/>
-              </a:rPr>
-              <a:t>CLIENT</a:t>
-            </a:r>
-            <a:r>
-              <a:rPr lang="zh-CN" altLang="en-US" sz="2100" dirty="0">
-                <a:latin typeface="微软雅黑" panose="020B0503020204020204" pitchFamily="34" charset="-122"/>
-                <a:ea typeface="微软雅黑" panose="020B0503020204020204" pitchFamily="34" charset="-122"/>
-              </a:rPr>
-              <a:t> </a:t>
-            </a:r>
-            <a:r>
-              <a:rPr lang="en-US" altLang="zh-CN" sz="2100" dirty="0">
-                <a:latin typeface="微软雅黑" panose="020B0503020204020204" pitchFamily="34" charset="-122"/>
-                <a:ea typeface="微软雅黑" panose="020B0503020204020204" pitchFamily="34" charset="-122"/>
-              </a:rPr>
-              <a:t>·</a:t>
-            </a:r>
-            <a:r>
-              <a:rPr lang="zh-CN" altLang="en-US" sz="2100" dirty="0">
-                <a:latin typeface="微软雅黑" panose="020B0503020204020204" pitchFamily="34" charset="-122"/>
-                <a:ea typeface="微软雅黑" panose="020B0503020204020204" pitchFamily="34" charset="-122"/>
-              </a:rPr>
-              <a:t> 缓存刷新</a:t>
-            </a:r>
-            <a:endParaRPr lang="en-US" altLang="zh-CN" sz="2100" dirty="0">
-              <a:latin typeface="微软雅黑" panose="020B0503020204020204" pitchFamily="34" charset="-122"/>
-              <a:ea typeface="微软雅黑" panose="020B0503020204020204" pitchFamily="34" charset="-122"/>
-            </a:endParaRPr>
-          </a:p>
-        </p:txBody>
-      </p:sp>
-      <p:pic>
-        <p:nvPicPr>
-          <p:cNvPr id="4" name="图片 3">
-            <a:extLst>
-              <a:ext uri="{FF2B5EF4-FFF2-40B4-BE49-F238E27FC236}">
-                <a16:creationId xmlns:a16="http://schemas.microsoft.com/office/drawing/2014/main" id="{0B9E4BCF-90AE-3D4E-C33F-D42FBBE9A2AF}"/>
-              </a:ext>
-            </a:extLst>
-          </p:cNvPr>
-          <p:cNvPicPr>
-            <a:picLocks noChangeAspect="1"/>
-          </p:cNvPicPr>
-          <p:nvPr/>
-        </p:nvPicPr>
-        <p:blipFill>
-          <a:blip r:embed="rId3">
-            <a:extLst>
-              <a:ext uri="{28A0092B-C50C-407E-A947-70E740481C1C}">
-                <a14:useLocalDpi xmlns:a14="http://schemas.microsoft.com/office/drawing/2010/main" val="0"/>
-              </a:ext>
-            </a:extLst>
-          </a:blip>
-          <a:srcRect/>
-          <a:stretch>
-            <a:fillRect/>
-          </a:stretch>
-        </p:blipFill>
-        <p:spPr bwMode="auto">
-          <a:xfrm>
-            <a:off x="535167" y="1031564"/>
-            <a:ext cx="7589696" cy="5331076"/>
-          </a:xfrm>
-          <a:prstGeom prst="rect">
-            <a:avLst/>
-          </a:prstGeom>
-          <a:noFill/>
-          <a:ln>
-            <a:noFill/>
-          </a:ln>
-        </p:spPr>
-      </p:pic>
-    </p:spTree>
-    <p:extLst>
-      <p:ext uri="{BB962C8B-B14F-4D97-AF65-F5344CB8AC3E}">
-        <p14:creationId xmlns:p14="http://schemas.microsoft.com/office/powerpoint/2010/main" val="4089073900"/>
-      </p:ext>
-    </p:extLst>
-  </p:cSld>
-  <p:clrMapOvr>
-    <a:masterClrMapping/>
-  </p:clrMapOvr>
-  <mc:AlternateContent xmlns:mc="http://schemas.openxmlformats.org/markup-compatibility/2006" xmlns:p14="http://schemas.microsoft.com/office/powerpoint/2010/main">
-    <mc:Choice Requires="p14">
-      <p:transition p14:dur="10"/>
-    </mc:Choice>
-    <mc:Fallback xmlns="">
-      <p:transition/>
-    </mc:Fallback>
-  </mc:AlternateContent>
-</p:sld>
-</file>
-
-<file path=ppt/slides/slide12.xml><?xml version="1.0" encoding="utf-8"?>
-<p:sld xmlns:a="http://schemas.openxmlformats.org/drawingml/2006/main" xmlns:r="http://schemas.openxmlformats.org/officeDocument/2006/relationships" xmlns:p="http://schemas.openxmlformats.org/presentationml/2006/main">
-  <p:cSld>
-    <p:spTree>
-      <p:nvGrpSpPr>
-        <p:cNvPr id="1" name=""/>
-        <p:cNvGrpSpPr/>
-        <p:nvPr/>
-      </p:nvGrpSpPr>
-      <p:grpSpPr>
-        <a:xfrm>
-          <a:off x="0" y="0"/>
-          <a:ext cx="0" cy="0"/>
-          <a:chOff x="0" y="0"/>
-          <a:chExt cx="0" cy="0"/>
-        </a:xfrm>
-      </p:grpSpPr>
-      <p:cxnSp>
-        <p:nvCxnSpPr>
-          <p:cNvPr id="6" name="直接连接符 5"/>
-          <p:cNvCxnSpPr/>
-          <p:nvPr/>
-        </p:nvCxnSpPr>
-        <p:spPr>
-          <a:xfrm>
-            <a:off x="597310" y="1200152"/>
-            <a:ext cx="0" cy="474183"/>
-          </a:xfrm>
-          <a:prstGeom prst="line">
-            <a:avLst/>
-          </a:prstGeom>
-          <a:ln w="76200">
-            <a:solidFill>
-              <a:srgbClr val="1C4885"/>
-            </a:solidFill>
-          </a:ln>
-        </p:spPr>
-        <p:style>
-          <a:lnRef idx="1">
-            <a:schemeClr val="accent1"/>
-          </a:lnRef>
-          <a:fillRef idx="0">
-            <a:schemeClr val="accent1"/>
-          </a:fillRef>
-          <a:effectRef idx="0">
-            <a:schemeClr val="accent1"/>
-          </a:effectRef>
-          <a:fontRef idx="minor">
-            <a:schemeClr val="tx1"/>
-          </a:fontRef>
-        </p:style>
-      </p:cxnSp>
-      <p:sp>
-        <p:nvSpPr>
-          <p:cNvPr id="2" name="文本框 1"/>
-          <p:cNvSpPr txBox="1"/>
-          <p:nvPr/>
-        </p:nvSpPr>
-        <p:spPr>
-          <a:xfrm>
-            <a:off x="817685" y="1229494"/>
-            <a:ext cx="5192496" cy="415498"/>
-          </a:xfrm>
-          <a:prstGeom prst="rect">
-            <a:avLst/>
-          </a:prstGeom>
-          <a:noFill/>
-        </p:spPr>
-        <p:txBody>
-          <a:bodyPr wrap="square" rtlCol="0">
-            <a:spAutoFit/>
-          </a:bodyPr>
-          <a:lstStyle/>
-          <a:p>
-            <a:r>
-              <a:rPr lang="zh-CN" altLang="en-US" sz="2100" dirty="0">
-                <a:latin typeface="微软雅黑" panose="020B0503020204020204" pitchFamily="34" charset="-122"/>
-                <a:ea typeface="微软雅黑" panose="020B0503020204020204" pitchFamily="34" charset="-122"/>
-              </a:rPr>
-              <a:t>重点功能 </a:t>
-            </a:r>
-            <a:r>
-              <a:rPr lang="en-US" altLang="zh-CN" sz="2100" dirty="0">
-                <a:latin typeface="微软雅黑" panose="020B0503020204020204" pitchFamily="34" charset="-122"/>
-                <a:ea typeface="微软雅黑" panose="020B0503020204020204" pitchFamily="34" charset="-122"/>
-              </a:rPr>
-              <a:t>·</a:t>
-            </a:r>
-            <a:r>
-              <a:rPr lang="zh-CN" altLang="en-US" sz="2100" dirty="0">
-                <a:latin typeface="微软雅黑" panose="020B0503020204020204" pitchFamily="34" charset="-122"/>
-                <a:ea typeface="微软雅黑" panose="020B0503020204020204" pitchFamily="34" charset="-122"/>
-              </a:rPr>
-              <a:t> 负载均衡</a:t>
-            </a:r>
-          </a:p>
-        </p:txBody>
-      </p:sp>
-      <p:sp>
-        <p:nvSpPr>
-          <p:cNvPr id="4" name="文本框 3">
-            <a:extLst>
-              <a:ext uri="{FF2B5EF4-FFF2-40B4-BE49-F238E27FC236}">
-                <a16:creationId xmlns:a16="http://schemas.microsoft.com/office/drawing/2014/main" id="{2AE984E3-3E6B-C8B3-CFD7-8BD71DB0BD3A}"/>
-              </a:ext>
-            </a:extLst>
-          </p:cNvPr>
-          <p:cNvSpPr txBox="1"/>
-          <p:nvPr/>
-        </p:nvSpPr>
-        <p:spPr>
-          <a:xfrm>
-            <a:off x="1878400" y="2205588"/>
-            <a:ext cx="4923846" cy="1615827"/>
-          </a:xfrm>
-          <a:prstGeom prst="rect">
-            <a:avLst/>
-          </a:prstGeom>
-          <a:noFill/>
-        </p:spPr>
-        <p:txBody>
-          <a:bodyPr wrap="square" rtlCol="0">
-            <a:spAutoFit/>
-          </a:bodyPr>
-          <a:lstStyle/>
-          <a:p>
-            <a:pPr lvl="0" algn="just">
-              <a:lnSpc>
-                <a:spcPct val="150000"/>
-              </a:lnSpc>
-            </a:pPr>
-            <a:r>
-              <a:rPr lang="en-US" altLang="zh-CN" kern="100" dirty="0">
-                <a:latin typeface="Times New Roman" panose="02020603050405020304" pitchFamily="18" charset="0"/>
-                <a:ea typeface="宋体" panose="02010600030101010101" pitchFamily="2" charset="-122"/>
-              </a:rPr>
-              <a:t>Client</a:t>
-            </a:r>
-            <a:r>
-              <a:rPr lang="zh-CN" altLang="en-US" kern="100" dirty="0">
-                <a:latin typeface="Times New Roman" panose="02020603050405020304" pitchFamily="18" charset="0"/>
-                <a:ea typeface="宋体" panose="02010600030101010101" pitchFamily="2" charset="-122"/>
-              </a:rPr>
-              <a:t>来实现负载均衡</a:t>
-            </a:r>
-            <a:endParaRPr lang="en-US" altLang="zh-CN" sz="1800" kern="100" dirty="0">
-              <a:effectLst/>
-              <a:latin typeface="Times New Roman" panose="02020603050405020304" pitchFamily="18" charset="0"/>
-              <a:ea typeface="宋体" panose="02010600030101010101" pitchFamily="2" charset="-122"/>
-            </a:endParaRPr>
-          </a:p>
-          <a:p>
-            <a:pPr marL="342900" lvl="0" indent="-342900" algn="just">
-              <a:lnSpc>
-                <a:spcPct val="150000"/>
-              </a:lnSpc>
-              <a:buFont typeface="Wingdings" pitchFamily="2" charset="2"/>
-              <a:buChar char=""/>
-            </a:pPr>
-            <a:r>
-              <a:rPr lang="zh-CN" altLang="en-US" kern="100" dirty="0">
-                <a:latin typeface="Times New Roman" panose="02020603050405020304" pitchFamily="18" charset="0"/>
-                <a:ea typeface="宋体" panose="02010600030101010101" pitchFamily="2" charset="-122"/>
-              </a:rPr>
-              <a:t>客户端缓存提高访问速度</a:t>
-            </a:r>
-            <a:endParaRPr lang="en-US" altLang="zh-CN" sz="1800" kern="100" dirty="0">
-              <a:effectLst/>
-              <a:latin typeface="Times New Roman" panose="02020603050405020304" pitchFamily="18" charset="0"/>
-              <a:ea typeface="宋体" panose="02010600030101010101" pitchFamily="2" charset="-122"/>
-            </a:endParaRPr>
-          </a:p>
-          <a:p>
-            <a:pPr marL="342900" lvl="0" indent="-342900" algn="just">
-              <a:lnSpc>
-                <a:spcPct val="150000"/>
-              </a:lnSpc>
-              <a:buFont typeface="Wingdings" pitchFamily="2" charset="2"/>
-              <a:buChar char=""/>
-            </a:pPr>
-            <a:r>
-              <a:rPr lang="zh-CN" altLang="en-US" sz="1800" kern="100" dirty="0">
-                <a:effectLst/>
-                <a:latin typeface="Times New Roman" panose="02020603050405020304" pitchFamily="18" charset="0"/>
-                <a:ea typeface="宋体" panose="02010600030101010101" pitchFamily="2" charset="-122"/>
-              </a:rPr>
-              <a:t>新建表时找到主表数目最少的节点创建主表</a:t>
-            </a:r>
-            <a:endParaRPr lang="zh-CN" altLang="zh-CN" sz="1800" kern="100" dirty="0">
-              <a:effectLst/>
-              <a:latin typeface="Times New Roman" panose="02020603050405020304" pitchFamily="18" charset="0"/>
-              <a:ea typeface="宋体" panose="02010600030101010101" pitchFamily="2" charset="-122"/>
-            </a:endParaRPr>
-          </a:p>
-          <a:p>
-            <a:endParaRPr kumimoji="1" lang="zh-CN" altLang="en-US" dirty="0"/>
-          </a:p>
-        </p:txBody>
-      </p:sp>
-    </p:spTree>
-    <p:extLst>
-      <p:ext uri="{BB962C8B-B14F-4D97-AF65-F5344CB8AC3E}">
-        <p14:creationId xmlns:p14="http://schemas.microsoft.com/office/powerpoint/2010/main" val="2535012418"/>
-      </p:ext>
-    </p:extLst>
-  </p:cSld>
-  <p:clrMapOvr>
-    <a:masterClrMapping/>
-  </p:clrMapOvr>
-  <mc:AlternateContent xmlns:mc="http://schemas.openxmlformats.org/markup-compatibility/2006" xmlns:p14="http://schemas.microsoft.com/office/powerpoint/2010/main">
-    <mc:Choice Requires="p14">
-      <p:transition p14:dur="10"/>
-    </mc:Choice>
-    <mc:Fallback xmlns="">
-      <p:transition/>
-    </mc:Fallback>
-  </mc:AlternateContent>
-</p:sld>
-</file>
-
-<file path=ppt/slides/slide13.xml><?xml version="1.0" encoding="utf-8"?>
-<p:sld xmlns:a="http://schemas.openxmlformats.org/drawingml/2006/main" xmlns:r="http://schemas.openxmlformats.org/officeDocument/2006/relationships" xmlns:p="http://schemas.openxmlformats.org/presentationml/2006/main">
-  <p:cSld>
-    <p:spTree>
-      <p:nvGrpSpPr>
-        <p:cNvPr id="1" name=""/>
-        <p:cNvGrpSpPr/>
-        <p:nvPr/>
-      </p:nvGrpSpPr>
-      <p:grpSpPr>
-        <a:xfrm>
-          <a:off x="0" y="0"/>
-          <a:ext cx="0" cy="0"/>
-          <a:chOff x="0" y="0"/>
-          <a:chExt cx="0" cy="0"/>
-        </a:xfrm>
-      </p:grpSpPr>
-      <p:cxnSp>
-        <p:nvCxnSpPr>
-          <p:cNvPr id="6" name="直接连接符 5"/>
-          <p:cNvCxnSpPr/>
-          <p:nvPr/>
-        </p:nvCxnSpPr>
-        <p:spPr>
-          <a:xfrm>
-            <a:off x="535167" y="436672"/>
-            <a:ext cx="0" cy="474183"/>
-          </a:xfrm>
-          <a:prstGeom prst="line">
-            <a:avLst/>
-          </a:prstGeom>
-          <a:ln w="76200">
-            <a:solidFill>
-              <a:srgbClr val="1C4885"/>
-            </a:solidFill>
-          </a:ln>
-        </p:spPr>
-        <p:style>
-          <a:lnRef idx="1">
-            <a:schemeClr val="accent1"/>
-          </a:lnRef>
-          <a:fillRef idx="0">
-            <a:schemeClr val="accent1"/>
-          </a:fillRef>
-          <a:effectRef idx="0">
-            <a:schemeClr val="accent1"/>
-          </a:effectRef>
-          <a:fontRef idx="minor">
-            <a:schemeClr val="tx1"/>
-          </a:fontRef>
-        </p:style>
-      </p:cxnSp>
-      <p:sp>
-        <p:nvSpPr>
-          <p:cNvPr id="2" name="文本框 1"/>
-          <p:cNvSpPr txBox="1"/>
-          <p:nvPr/>
-        </p:nvSpPr>
-        <p:spPr>
-          <a:xfrm>
-            <a:off x="782174" y="495357"/>
-            <a:ext cx="2060084" cy="415498"/>
-          </a:xfrm>
-          <a:prstGeom prst="rect">
-            <a:avLst/>
-          </a:prstGeom>
-          <a:noFill/>
-        </p:spPr>
-        <p:txBody>
-          <a:bodyPr wrap="square" rtlCol="0">
-            <a:spAutoFit/>
-          </a:bodyPr>
-          <a:lstStyle/>
-          <a:p>
-            <a:r>
-              <a:rPr lang="en-US" altLang="zh-CN" sz="2100" dirty="0">
-                <a:latin typeface="微软雅黑" panose="020B0503020204020204" pitchFamily="34" charset="-122"/>
-                <a:ea typeface="微软雅黑" panose="020B0503020204020204" pitchFamily="34" charset="-122"/>
-              </a:rPr>
-              <a:t>CLIENT</a:t>
-            </a:r>
-            <a:r>
-              <a:rPr lang="zh-CN" altLang="en-US" sz="2100" dirty="0">
-                <a:latin typeface="微软雅黑" panose="020B0503020204020204" pitchFamily="34" charset="-122"/>
-                <a:ea typeface="微软雅黑" panose="020B0503020204020204" pitchFamily="34" charset="-122"/>
-              </a:rPr>
-              <a:t> </a:t>
-            </a:r>
-            <a:r>
-              <a:rPr lang="en-US" altLang="zh-CN" sz="2100" dirty="0">
-                <a:latin typeface="微软雅黑" panose="020B0503020204020204" pitchFamily="34" charset="-122"/>
-                <a:ea typeface="微软雅黑" panose="020B0503020204020204" pitchFamily="34" charset="-122"/>
-              </a:rPr>
-              <a:t>·</a:t>
-            </a:r>
-            <a:r>
-              <a:rPr lang="zh-CN" altLang="en-US" sz="2100" dirty="0">
-                <a:latin typeface="微软雅黑" panose="020B0503020204020204" pitchFamily="34" charset="-122"/>
-                <a:ea typeface="微软雅黑" panose="020B0503020204020204" pitchFamily="34" charset="-122"/>
-              </a:rPr>
-              <a:t> </a:t>
-            </a:r>
-            <a:r>
-              <a:rPr lang="en-US" altLang="zh-CN" sz="2100" dirty="0">
-                <a:latin typeface="微软雅黑" panose="020B0503020204020204" pitchFamily="34" charset="-122"/>
-                <a:ea typeface="微软雅黑" panose="020B0503020204020204" pitchFamily="34" charset="-122"/>
-              </a:rPr>
-              <a:t>WEB</a:t>
-            </a:r>
-          </a:p>
-        </p:txBody>
-      </p:sp>
-      <p:pic>
-        <p:nvPicPr>
-          <p:cNvPr id="4" name="图片 3">
-            <a:extLst>
-              <a:ext uri="{FF2B5EF4-FFF2-40B4-BE49-F238E27FC236}">
-                <a16:creationId xmlns:a16="http://schemas.microsoft.com/office/drawing/2014/main" id="{968F2F76-D918-702F-E8F4-5EF166023188}"/>
-              </a:ext>
-            </a:extLst>
-          </p:cNvPr>
-          <p:cNvPicPr>
-            <a:picLocks noChangeAspect="1"/>
-          </p:cNvPicPr>
-          <p:nvPr/>
-        </p:nvPicPr>
-        <p:blipFill>
-          <a:blip r:embed="rId3">
-            <a:extLst>
-              <a:ext uri="{28A0092B-C50C-407E-A947-70E740481C1C}">
-                <a14:useLocalDpi xmlns:a14="http://schemas.microsoft.com/office/drawing/2010/main" val="0"/>
-              </a:ext>
-            </a:extLst>
-          </a:blip>
-          <a:stretch>
-            <a:fillRect/>
-          </a:stretch>
-        </p:blipFill>
-        <p:spPr>
-          <a:xfrm>
-            <a:off x="2474920" y="1514962"/>
-            <a:ext cx="4194160" cy="4316567"/>
-          </a:xfrm>
-          <a:prstGeom prst="rect">
-            <a:avLst/>
-          </a:prstGeom>
-        </p:spPr>
-      </p:pic>
-    </p:spTree>
-    <p:extLst>
-      <p:ext uri="{BB962C8B-B14F-4D97-AF65-F5344CB8AC3E}">
-        <p14:creationId xmlns:p14="http://schemas.microsoft.com/office/powerpoint/2010/main" val="908485324"/>
-      </p:ext>
-    </p:extLst>
-  </p:cSld>
-  <p:clrMapOvr>
-    <a:masterClrMapping/>
-  </p:clrMapOvr>
-  <mc:AlternateContent xmlns:mc="http://schemas.openxmlformats.org/markup-compatibility/2006" xmlns:p14="http://schemas.microsoft.com/office/powerpoint/2010/main">
-    <mc:Choice Requires="p14">
-      <p:transition p14:dur="10"/>
-    </mc:Choice>
-    <mc:Fallback xmlns="">
-      <p:transition/>
-    </mc:Fallback>
-  </mc:AlternateContent>
-</p:sld>
-</file>
-
-<file path=ppt/slides/slide14.xml><?xml version="1.0" encoding="utf-8"?>
-<p:sld xmlns:a="http://schemas.openxmlformats.org/drawingml/2006/main" xmlns:r="http://schemas.openxmlformats.org/officeDocument/2006/relationships" xmlns:p="http://schemas.openxmlformats.org/presentationml/2006/main">
-  <p:cSld>
-    <p:spTree>
-      <p:nvGrpSpPr>
-        <p:cNvPr id="1" name=""/>
-        <p:cNvGrpSpPr/>
-        <p:nvPr/>
-      </p:nvGrpSpPr>
-      <p:grpSpPr>
-        <a:xfrm>
-          <a:off x="0" y="0"/>
-          <a:ext cx="0" cy="0"/>
-          <a:chOff x="0" y="0"/>
-          <a:chExt cx="0" cy="0"/>
-        </a:xfrm>
-      </p:grpSpPr>
-      <p:cxnSp>
-        <p:nvCxnSpPr>
-          <p:cNvPr id="6" name="直接连接符 5"/>
-          <p:cNvCxnSpPr/>
-          <p:nvPr/>
-        </p:nvCxnSpPr>
-        <p:spPr>
-          <a:xfrm>
-            <a:off x="535167" y="436672"/>
-            <a:ext cx="0" cy="474183"/>
-          </a:xfrm>
-          <a:prstGeom prst="line">
-            <a:avLst/>
-          </a:prstGeom>
-          <a:ln w="76200">
-            <a:solidFill>
-              <a:srgbClr val="1C4885"/>
-            </a:solidFill>
-          </a:ln>
-        </p:spPr>
-        <p:style>
-          <a:lnRef idx="1">
-            <a:schemeClr val="accent1"/>
-          </a:lnRef>
-          <a:fillRef idx="0">
-            <a:schemeClr val="accent1"/>
-          </a:fillRef>
-          <a:effectRef idx="0">
-            <a:schemeClr val="accent1"/>
-          </a:effectRef>
-          <a:fontRef idx="minor">
-            <a:schemeClr val="tx1"/>
-          </a:fontRef>
-        </p:style>
-      </p:cxnSp>
-      <p:sp>
-        <p:nvSpPr>
-          <p:cNvPr id="2" name="文本框 1"/>
-          <p:cNvSpPr txBox="1"/>
-          <p:nvPr/>
-        </p:nvSpPr>
-        <p:spPr>
-          <a:xfrm>
-            <a:off x="782174" y="495357"/>
-            <a:ext cx="2060084" cy="415498"/>
-          </a:xfrm>
-          <a:prstGeom prst="rect">
-            <a:avLst/>
-          </a:prstGeom>
-          <a:noFill/>
-        </p:spPr>
-        <p:txBody>
-          <a:bodyPr wrap="square" rtlCol="0">
-            <a:spAutoFit/>
-          </a:bodyPr>
-          <a:lstStyle/>
-          <a:p>
-            <a:r>
-              <a:rPr lang="en-US" altLang="zh-CN" sz="2100" dirty="0">
-                <a:latin typeface="微软雅黑" panose="020B0503020204020204" pitchFamily="34" charset="-122"/>
-                <a:ea typeface="微软雅黑" panose="020B0503020204020204" pitchFamily="34" charset="-122"/>
-              </a:rPr>
-              <a:t>CLIENT</a:t>
-            </a:r>
-            <a:r>
-              <a:rPr lang="zh-CN" altLang="en-US" sz="2100" dirty="0">
-                <a:latin typeface="微软雅黑" panose="020B0503020204020204" pitchFamily="34" charset="-122"/>
-                <a:ea typeface="微软雅黑" panose="020B0503020204020204" pitchFamily="34" charset="-122"/>
-              </a:rPr>
-              <a:t> </a:t>
-            </a:r>
-            <a:r>
-              <a:rPr lang="en-US" altLang="zh-CN" sz="2100" dirty="0">
-                <a:latin typeface="微软雅黑" panose="020B0503020204020204" pitchFamily="34" charset="-122"/>
-                <a:ea typeface="微软雅黑" panose="020B0503020204020204" pitchFamily="34" charset="-122"/>
-              </a:rPr>
-              <a:t>·</a:t>
-            </a:r>
-            <a:r>
-              <a:rPr lang="zh-CN" altLang="en-US" sz="2100" dirty="0">
-                <a:latin typeface="微软雅黑" panose="020B0503020204020204" pitchFamily="34" charset="-122"/>
-                <a:ea typeface="微软雅黑" panose="020B0503020204020204" pitchFamily="34" charset="-122"/>
-              </a:rPr>
-              <a:t> </a:t>
-            </a:r>
-            <a:r>
-              <a:rPr lang="en-US" altLang="zh-CN" sz="2100" dirty="0">
-                <a:latin typeface="微软雅黑" panose="020B0503020204020204" pitchFamily="34" charset="-122"/>
-                <a:ea typeface="微软雅黑" panose="020B0503020204020204" pitchFamily="34" charset="-122"/>
-              </a:rPr>
-              <a:t>WEB</a:t>
-            </a:r>
-          </a:p>
-        </p:txBody>
-      </p:sp>
-      <p:pic>
-        <p:nvPicPr>
-          <p:cNvPr id="3" name="图片 2">
-            <a:extLst>
-              <a:ext uri="{FF2B5EF4-FFF2-40B4-BE49-F238E27FC236}">
-                <a16:creationId xmlns:a16="http://schemas.microsoft.com/office/drawing/2014/main" id="{E91371FB-2788-0B5F-9C70-9C6F64026CFC}"/>
-              </a:ext>
-            </a:extLst>
-          </p:cNvPr>
-          <p:cNvPicPr>
-            <a:picLocks noChangeAspect="1"/>
-          </p:cNvPicPr>
-          <p:nvPr/>
-        </p:nvPicPr>
-        <p:blipFill>
-          <a:blip r:embed="rId3" cstate="print">
-            <a:extLst>
-              <a:ext uri="{28A0092B-C50C-407E-A947-70E740481C1C}">
-                <a14:useLocalDpi xmlns:a14="http://schemas.microsoft.com/office/drawing/2010/main" val="0"/>
-              </a:ext>
-            </a:extLst>
-          </a:blip>
-          <a:stretch>
-            <a:fillRect/>
-          </a:stretch>
-        </p:blipFill>
-        <p:spPr>
-          <a:xfrm>
-            <a:off x="2045133" y="299712"/>
-            <a:ext cx="4734807" cy="6628182"/>
-          </a:xfrm>
-          <a:prstGeom prst="rect">
-            <a:avLst/>
-          </a:prstGeom>
-        </p:spPr>
-      </p:pic>
-    </p:spTree>
-    <p:extLst>
-      <p:ext uri="{BB962C8B-B14F-4D97-AF65-F5344CB8AC3E}">
-        <p14:creationId xmlns:p14="http://schemas.microsoft.com/office/powerpoint/2010/main" val="3995474133"/>
-      </p:ext>
-    </p:extLst>
-  </p:cSld>
-  <p:clrMapOvr>
-    <a:masterClrMapping/>
-  </p:clrMapOvr>
-  <mc:AlternateContent xmlns:mc="http://schemas.openxmlformats.org/markup-compatibility/2006" xmlns:p14="http://schemas.microsoft.com/office/powerpoint/2010/main">
-    <mc:Choice Requires="p14">
-      <p:transition p14:dur="10"/>
-    </mc:Choice>
-    <mc:Fallback xmlns="">
-      <p:transition/>
-    </mc:Fallback>
-  </mc:AlternateContent>
-</p:sld>
-</file>
-
-<file path=ppt/slides/slide15.xml><?xml version="1.0" encoding="utf-8"?>
-<p:sld xmlns:a="http://schemas.openxmlformats.org/drawingml/2006/main" xmlns:r="http://schemas.openxmlformats.org/officeDocument/2006/relationships" xmlns:p="http://schemas.openxmlformats.org/presentationml/2006/main">
-  <p:cSld>
-    <p:spTree>
-      <p:nvGrpSpPr>
-        <p:cNvPr id="1" name=""/>
-        <p:cNvGrpSpPr/>
-        <p:nvPr/>
-      </p:nvGrpSpPr>
-      <p:grpSpPr>
-        <a:xfrm>
-          <a:off x="0" y="0"/>
-          <a:ext cx="0" cy="0"/>
-          <a:chOff x="0" y="0"/>
-          <a:chExt cx="0" cy="0"/>
-        </a:xfrm>
-      </p:grpSpPr>
-      <p:cxnSp>
-        <p:nvCxnSpPr>
-          <p:cNvPr id="6" name="直接连接符 5"/>
-          <p:cNvCxnSpPr/>
-          <p:nvPr/>
-        </p:nvCxnSpPr>
-        <p:spPr>
-          <a:xfrm>
-            <a:off x="535167" y="436672"/>
-            <a:ext cx="0" cy="474183"/>
-          </a:xfrm>
-          <a:prstGeom prst="line">
-            <a:avLst/>
-          </a:prstGeom>
-          <a:ln w="76200">
-            <a:solidFill>
-              <a:srgbClr val="1C4885"/>
-            </a:solidFill>
-          </a:ln>
-        </p:spPr>
-        <p:style>
-          <a:lnRef idx="1">
-            <a:schemeClr val="accent1"/>
-          </a:lnRef>
-          <a:fillRef idx="0">
-            <a:schemeClr val="accent1"/>
-          </a:fillRef>
-          <a:effectRef idx="0">
-            <a:schemeClr val="accent1"/>
-          </a:effectRef>
-          <a:fontRef idx="minor">
-            <a:schemeClr val="tx1"/>
-          </a:fontRef>
-        </p:style>
-      </p:cxnSp>
-      <p:sp>
-        <p:nvSpPr>
-          <p:cNvPr id="2" name="文本框 1"/>
-          <p:cNvSpPr txBox="1"/>
-          <p:nvPr/>
-        </p:nvSpPr>
-        <p:spPr>
-          <a:xfrm>
-            <a:off x="782174" y="495357"/>
-            <a:ext cx="2060084" cy="415498"/>
-          </a:xfrm>
-          <a:prstGeom prst="rect">
-            <a:avLst/>
-          </a:prstGeom>
-          <a:noFill/>
-        </p:spPr>
-        <p:txBody>
-          <a:bodyPr wrap="square" rtlCol="0">
-            <a:spAutoFit/>
-          </a:bodyPr>
-          <a:lstStyle/>
-          <a:p>
-            <a:r>
-              <a:rPr lang="en-US" altLang="zh-CN" sz="2100" dirty="0">
-                <a:latin typeface="微软雅黑" panose="020B0503020204020204" pitchFamily="34" charset="-122"/>
-                <a:ea typeface="微软雅黑" panose="020B0503020204020204" pitchFamily="34" charset="-122"/>
-              </a:rPr>
-              <a:t>CLIENT</a:t>
-            </a:r>
-            <a:r>
-              <a:rPr lang="zh-CN" altLang="en-US" sz="2100" dirty="0">
-                <a:latin typeface="微软雅黑" panose="020B0503020204020204" pitchFamily="34" charset="-122"/>
-                <a:ea typeface="微软雅黑" panose="020B0503020204020204" pitchFamily="34" charset="-122"/>
-              </a:rPr>
-              <a:t> </a:t>
-            </a:r>
-            <a:r>
-              <a:rPr lang="en-US" altLang="zh-CN" sz="2100" dirty="0">
-                <a:latin typeface="微软雅黑" panose="020B0503020204020204" pitchFamily="34" charset="-122"/>
-                <a:ea typeface="微软雅黑" panose="020B0503020204020204" pitchFamily="34" charset="-122"/>
-              </a:rPr>
-              <a:t>·</a:t>
-            </a:r>
-            <a:r>
-              <a:rPr lang="zh-CN" altLang="en-US" sz="2100" dirty="0">
-                <a:latin typeface="微软雅黑" panose="020B0503020204020204" pitchFamily="34" charset="-122"/>
-                <a:ea typeface="微软雅黑" panose="020B0503020204020204" pitchFamily="34" charset="-122"/>
-              </a:rPr>
-              <a:t> </a:t>
-            </a:r>
-            <a:r>
-              <a:rPr lang="en-US" altLang="zh-CN" sz="2100" dirty="0">
-                <a:latin typeface="微软雅黑" panose="020B0503020204020204" pitchFamily="34" charset="-122"/>
-                <a:ea typeface="微软雅黑" panose="020B0503020204020204" pitchFamily="34" charset="-122"/>
-              </a:rPr>
-              <a:t>WEB</a:t>
-            </a:r>
-          </a:p>
-        </p:txBody>
-      </p:sp>
-      <p:pic>
-        <p:nvPicPr>
-          <p:cNvPr id="4" name="图片 3">
-            <a:extLst>
-              <a:ext uri="{FF2B5EF4-FFF2-40B4-BE49-F238E27FC236}">
-                <a16:creationId xmlns:a16="http://schemas.microsoft.com/office/drawing/2014/main" id="{CB3C97B2-4D8B-7ACD-26EA-FE4E819E7ACC}"/>
-              </a:ext>
-            </a:extLst>
-          </p:cNvPr>
-          <p:cNvPicPr>
-            <a:picLocks noChangeAspect="1"/>
-          </p:cNvPicPr>
-          <p:nvPr/>
-        </p:nvPicPr>
-        <p:blipFill>
-          <a:blip r:embed="rId3" cstate="print">
-            <a:extLst>
-              <a:ext uri="{28A0092B-C50C-407E-A947-70E740481C1C}">
-                <a14:useLocalDpi xmlns:a14="http://schemas.microsoft.com/office/drawing/2010/main" val="0"/>
-              </a:ext>
-            </a:extLst>
-          </a:blip>
-          <a:stretch>
-            <a:fillRect/>
-          </a:stretch>
-        </p:blipFill>
-        <p:spPr>
-          <a:xfrm>
-            <a:off x="1205126" y="820420"/>
-            <a:ext cx="6733747" cy="6037580"/>
-          </a:xfrm>
-          <a:prstGeom prst="rect">
-            <a:avLst/>
-          </a:prstGeom>
-        </p:spPr>
-      </p:pic>
-    </p:spTree>
-    <p:extLst>
-      <p:ext uri="{BB962C8B-B14F-4D97-AF65-F5344CB8AC3E}">
-        <p14:creationId xmlns:p14="http://schemas.microsoft.com/office/powerpoint/2010/main" val="3050405065"/>
-      </p:ext>
-    </p:extLst>
-  </p:cSld>
-  <p:clrMapOvr>
-    <a:masterClrMapping/>
-  </p:clrMapOvr>
-  <mc:AlternateContent xmlns:mc="http://schemas.openxmlformats.org/markup-compatibility/2006" xmlns:p14="http://schemas.microsoft.com/office/powerpoint/2010/main">
-    <mc:Choice Requires="p14">
-      <p:transition p14:dur="10"/>
-    </mc:Choice>
-    <mc:Fallback xmlns="">
-      <p:transition/>
-    </mc:Fallback>
-  </mc:AlternateContent>
-</p:sld>
-</file>
-
-<file path=ppt/slides/slide16.xml><?xml version="1.0" encoding="utf-8"?>
-<p:sld xmlns:a="http://schemas.openxmlformats.org/drawingml/2006/main" xmlns:r="http://schemas.openxmlformats.org/officeDocument/2006/relationships" xmlns:p="http://schemas.openxmlformats.org/presentationml/2006/main">
-  <p:cSld>
-    <p:spTree>
-      <p:nvGrpSpPr>
-        <p:cNvPr id="1" name=""/>
-        <p:cNvGrpSpPr/>
-        <p:nvPr/>
-      </p:nvGrpSpPr>
-      <p:grpSpPr>
-        <a:xfrm>
-          <a:off x="0" y="0"/>
-          <a:ext cx="0" cy="0"/>
-          <a:chOff x="0" y="0"/>
-          <a:chExt cx="0" cy="0"/>
-        </a:xfrm>
-      </p:grpSpPr>
-      <p:cxnSp>
-        <p:nvCxnSpPr>
-          <p:cNvPr id="6" name="直接连接符 5"/>
-          <p:cNvCxnSpPr/>
-          <p:nvPr/>
-        </p:nvCxnSpPr>
-        <p:spPr>
-          <a:xfrm>
-            <a:off x="597310" y="1200152"/>
-            <a:ext cx="0" cy="474183"/>
-          </a:xfrm>
-          <a:prstGeom prst="line">
-            <a:avLst/>
-          </a:prstGeom>
-          <a:ln w="76200">
-            <a:solidFill>
-              <a:srgbClr val="1C4885"/>
-            </a:solidFill>
-          </a:ln>
-        </p:spPr>
-        <p:style>
-          <a:lnRef idx="1">
-            <a:schemeClr val="accent1"/>
-          </a:lnRef>
-          <a:fillRef idx="0">
-            <a:schemeClr val="accent1"/>
-          </a:fillRef>
-          <a:effectRef idx="0">
-            <a:schemeClr val="accent1"/>
-          </a:effectRef>
-          <a:fontRef idx="minor">
-            <a:schemeClr val="tx1"/>
-          </a:fontRef>
-        </p:style>
-      </p:cxnSp>
-      <p:sp>
-        <p:nvSpPr>
-          <p:cNvPr id="2" name="文本框 1"/>
-          <p:cNvSpPr txBox="1"/>
-          <p:nvPr/>
-        </p:nvSpPr>
-        <p:spPr>
-          <a:xfrm>
-            <a:off x="817685" y="1229494"/>
-            <a:ext cx="5192496" cy="415498"/>
-          </a:xfrm>
-          <a:prstGeom prst="rect">
-            <a:avLst/>
-          </a:prstGeom>
-          <a:noFill/>
-        </p:spPr>
-        <p:txBody>
-          <a:bodyPr wrap="square" rtlCol="0">
-            <a:spAutoFit/>
-          </a:bodyPr>
-          <a:lstStyle/>
-          <a:p>
-            <a:r>
-              <a:rPr lang="zh-CN" altLang="en-US" sz="2100" dirty="0">
-                <a:latin typeface="微软雅黑" panose="020B0503020204020204" pitchFamily="34" charset="-122"/>
-                <a:ea typeface="微软雅黑" panose="020B0503020204020204" pitchFamily="34" charset="-122"/>
-              </a:rPr>
-              <a:t>其他重点难点 </a:t>
-            </a:r>
-            <a:r>
-              <a:rPr lang="en-US" altLang="zh-CN" sz="2100" dirty="0">
-                <a:latin typeface="微软雅黑" panose="020B0503020204020204" pitchFamily="34" charset="-122"/>
-                <a:ea typeface="微软雅黑" panose="020B0503020204020204" pitchFamily="34" charset="-122"/>
-              </a:rPr>
-              <a:t>·</a:t>
-            </a:r>
-            <a:r>
-              <a:rPr lang="zh-CN" altLang="en-US" sz="2100" dirty="0">
-                <a:latin typeface="微软雅黑" panose="020B0503020204020204" pitchFamily="34" charset="-122"/>
-                <a:ea typeface="微软雅黑" panose="020B0503020204020204" pitchFamily="34" charset="-122"/>
-              </a:rPr>
-              <a:t> 多平台部署</a:t>
-            </a:r>
-          </a:p>
-        </p:txBody>
-      </p:sp>
-      <p:sp>
-        <p:nvSpPr>
-          <p:cNvPr id="3" name="文本框 2">
-            <a:extLst>
-              <a:ext uri="{FF2B5EF4-FFF2-40B4-BE49-F238E27FC236}">
-                <a16:creationId xmlns:a16="http://schemas.microsoft.com/office/drawing/2014/main" id="{EE34D3E1-4136-78A4-0216-7072809CAE78}"/>
-              </a:ext>
-            </a:extLst>
-          </p:cNvPr>
-          <p:cNvSpPr txBox="1"/>
-          <p:nvPr/>
-        </p:nvSpPr>
-        <p:spPr>
-          <a:xfrm>
-            <a:off x="1582310" y="2000742"/>
-            <a:ext cx="5509866" cy="646331"/>
-          </a:xfrm>
-          <a:prstGeom prst="rect">
-            <a:avLst/>
-          </a:prstGeom>
-          <a:noFill/>
-        </p:spPr>
-        <p:txBody>
-          <a:bodyPr wrap="square" rtlCol="0">
-            <a:spAutoFit/>
-          </a:bodyPr>
-          <a:lstStyle/>
-          <a:p>
-            <a:r>
-              <a:rPr kumimoji="1" lang="zh-CN" altLang="en-US" dirty="0"/>
-              <a:t>考虑到</a:t>
-            </a:r>
-            <a:r>
-              <a:rPr kumimoji="1" lang="en-US" altLang="zh-CN" dirty="0"/>
-              <a:t>Region</a:t>
-            </a:r>
-            <a:r>
-              <a:rPr kumimoji="1" lang="zh-CN" altLang="en-US" dirty="0"/>
-              <a:t>可能会同时被部署在</a:t>
-            </a:r>
-            <a:r>
-              <a:rPr kumimoji="1" lang="en-US" altLang="zh-CN" dirty="0"/>
-              <a:t>Linux</a:t>
-            </a:r>
-            <a:r>
-              <a:rPr kumimoji="1" lang="zh-CN" altLang="en-US" dirty="0"/>
-              <a:t>和</a:t>
-            </a:r>
-            <a:r>
-              <a:rPr kumimoji="1" lang="en-US" altLang="zh-CN" dirty="0"/>
-              <a:t>Windows</a:t>
-            </a:r>
-            <a:r>
-              <a:rPr kumimoji="1" lang="zh-CN" altLang="en-US" dirty="0"/>
-              <a:t>服务器上，我们同时对两个平台进行了环境适配</a:t>
-            </a:r>
-            <a:endParaRPr kumimoji="1" lang="en-US" altLang="zh-CN" dirty="0"/>
-          </a:p>
-        </p:txBody>
-      </p:sp>
-      <p:pic>
-        <p:nvPicPr>
-          <p:cNvPr id="4" name="图片 3">
-            <a:extLst>
-              <a:ext uri="{FF2B5EF4-FFF2-40B4-BE49-F238E27FC236}">
-                <a16:creationId xmlns:a16="http://schemas.microsoft.com/office/drawing/2014/main" id="{8F05264A-2097-F1B1-5AB2-258A411F0669}"/>
-              </a:ext>
-            </a:extLst>
-          </p:cNvPr>
-          <p:cNvPicPr>
-            <a:picLocks noChangeAspect="1"/>
-          </p:cNvPicPr>
-          <p:nvPr/>
-        </p:nvPicPr>
-        <p:blipFill>
-          <a:blip r:embed="rId3"/>
-          <a:stretch>
-            <a:fillRect/>
-          </a:stretch>
-        </p:blipFill>
-        <p:spPr>
-          <a:xfrm>
-            <a:off x="1301750" y="3139648"/>
-            <a:ext cx="6540500" cy="1409700"/>
-          </a:xfrm>
-          <a:prstGeom prst="rect">
-            <a:avLst/>
-          </a:prstGeom>
-        </p:spPr>
-      </p:pic>
-    </p:spTree>
-    <p:extLst>
-      <p:ext uri="{BB962C8B-B14F-4D97-AF65-F5344CB8AC3E}">
-        <p14:creationId xmlns:p14="http://schemas.microsoft.com/office/powerpoint/2010/main" val="3647869213"/>
-      </p:ext>
-    </p:extLst>
-  </p:cSld>
-  <p:clrMapOvr>
-    <a:masterClrMapping/>
-  </p:clrMapOvr>
-  <mc:AlternateContent xmlns:mc="http://schemas.openxmlformats.org/markup-compatibility/2006" xmlns:p14="http://schemas.microsoft.com/office/powerpoint/2010/main">
-    <mc:Choice Requires="p14">
-      <p:transition p14:dur="10"/>
-    </mc:Choice>
-    <mc:Fallback xmlns="">
-      <p:transition/>
-    </mc:Fallback>
-  </mc:AlternateContent>
-</p:sld>
-</file>
-
-<file path=ppt/slides/slide17.xml><?xml version="1.0" encoding="utf-8"?>
-<p:sld xmlns:a="http://schemas.openxmlformats.org/drawingml/2006/main" xmlns:r="http://schemas.openxmlformats.org/officeDocument/2006/relationships" xmlns:p="http://schemas.openxmlformats.org/presentationml/2006/main">
-  <p:cSld>
-    <p:spTree>
-      <p:nvGrpSpPr>
-        <p:cNvPr id="1" name=""/>
-        <p:cNvGrpSpPr/>
-        <p:nvPr/>
-      </p:nvGrpSpPr>
-      <p:grpSpPr>
-        <a:xfrm>
-          <a:off x="0" y="0"/>
-          <a:ext cx="0" cy="0"/>
-          <a:chOff x="0" y="0"/>
-          <a:chExt cx="0" cy="0"/>
-        </a:xfrm>
-      </p:grpSpPr>
-      <p:cxnSp>
-        <p:nvCxnSpPr>
-          <p:cNvPr id="6" name="直接连接符 5"/>
-          <p:cNvCxnSpPr/>
-          <p:nvPr/>
-        </p:nvCxnSpPr>
-        <p:spPr>
-          <a:xfrm>
-            <a:off x="597310" y="1200152"/>
-            <a:ext cx="0" cy="474183"/>
-          </a:xfrm>
-          <a:prstGeom prst="line">
-            <a:avLst/>
-          </a:prstGeom>
-          <a:ln w="76200">
-            <a:solidFill>
-              <a:srgbClr val="1C4885"/>
-            </a:solidFill>
-          </a:ln>
-        </p:spPr>
-        <p:style>
-          <a:lnRef idx="1">
-            <a:schemeClr val="accent1"/>
-          </a:lnRef>
-          <a:fillRef idx="0">
-            <a:schemeClr val="accent1"/>
-          </a:fillRef>
-          <a:effectRef idx="0">
-            <a:schemeClr val="accent1"/>
-          </a:effectRef>
-          <a:fontRef idx="minor">
-            <a:schemeClr val="tx1"/>
-          </a:fontRef>
-        </p:style>
-      </p:cxnSp>
-      <p:sp>
-        <p:nvSpPr>
-          <p:cNvPr id="2" name="文本框 1"/>
-          <p:cNvSpPr txBox="1"/>
-          <p:nvPr/>
-        </p:nvSpPr>
-        <p:spPr>
-          <a:xfrm>
-            <a:off x="817685" y="1229494"/>
-            <a:ext cx="5192496" cy="415498"/>
-          </a:xfrm>
-          <a:prstGeom prst="rect">
-            <a:avLst/>
-          </a:prstGeom>
-          <a:noFill/>
-        </p:spPr>
-        <p:txBody>
-          <a:bodyPr wrap="square" rtlCol="0">
-            <a:spAutoFit/>
-          </a:bodyPr>
-          <a:lstStyle/>
-          <a:p>
-            <a:r>
-              <a:rPr lang="zh-CN" altLang="en-US" sz="2100" dirty="0">
-                <a:latin typeface="微软雅黑" panose="020B0503020204020204" pitchFamily="34" charset="-122"/>
-                <a:ea typeface="微软雅黑" panose="020B0503020204020204" pitchFamily="34" charset="-122"/>
-              </a:rPr>
-              <a:t>其他重点难点 </a:t>
-            </a:r>
-            <a:r>
-              <a:rPr lang="en-US" altLang="zh-CN" sz="2100" dirty="0">
-                <a:latin typeface="微软雅黑" panose="020B0503020204020204" pitchFamily="34" charset="-122"/>
-                <a:ea typeface="微软雅黑" panose="020B0503020204020204" pitchFamily="34" charset="-122"/>
-              </a:rPr>
-              <a:t>·</a:t>
-            </a:r>
-            <a:r>
-              <a:rPr lang="zh-CN" altLang="en-US" sz="2100" dirty="0">
-                <a:latin typeface="微软雅黑" panose="020B0503020204020204" pitchFamily="34" charset="-122"/>
-                <a:ea typeface="微软雅黑" panose="020B0503020204020204" pitchFamily="34" charset="-122"/>
-              </a:rPr>
-              <a:t> 项目整体部署</a:t>
-            </a:r>
-          </a:p>
-        </p:txBody>
-      </p:sp>
-      <p:sp>
-        <p:nvSpPr>
-          <p:cNvPr id="3" name="文本框 2">
-            <a:extLst>
-              <a:ext uri="{FF2B5EF4-FFF2-40B4-BE49-F238E27FC236}">
-                <a16:creationId xmlns:a16="http://schemas.microsoft.com/office/drawing/2014/main" id="{EE34D3E1-4136-78A4-0216-7072809CAE78}"/>
-              </a:ext>
-            </a:extLst>
-          </p:cNvPr>
-          <p:cNvSpPr txBox="1"/>
-          <p:nvPr/>
-        </p:nvSpPr>
-        <p:spPr>
-          <a:xfrm>
-            <a:off x="1582309" y="2000742"/>
-            <a:ext cx="6000519" cy="923330"/>
-          </a:xfrm>
-          <a:prstGeom prst="rect">
-            <a:avLst/>
-          </a:prstGeom>
-          <a:noFill/>
-        </p:spPr>
-        <p:txBody>
-          <a:bodyPr wrap="square" rtlCol="0">
-            <a:spAutoFit/>
-          </a:bodyPr>
-          <a:lstStyle/>
-          <a:p>
-            <a:r>
-              <a:rPr kumimoji="1" lang="zh-CN" altLang="en-US" dirty="0"/>
-              <a:t>我们的整个项目都部署在了公网服务器上，在连通互联网的情况下，可以随时随地通过浏览器访问客户端，或是运行命令行客户端查看和操作我们的分布式数据库</a:t>
-            </a:r>
-            <a:endParaRPr kumimoji="1" lang="en-US" altLang="zh-CN" dirty="0"/>
-          </a:p>
-        </p:txBody>
-      </p:sp>
-      <p:pic>
-        <p:nvPicPr>
-          <p:cNvPr id="7" name="图片 6">
-            <a:extLst>
-              <a:ext uri="{FF2B5EF4-FFF2-40B4-BE49-F238E27FC236}">
-                <a16:creationId xmlns:a16="http://schemas.microsoft.com/office/drawing/2014/main" id="{BA818D20-B27A-3F41-C756-5E6E6ED3A90A}"/>
-              </a:ext>
-            </a:extLst>
-          </p:cNvPr>
-          <p:cNvPicPr>
-            <a:picLocks noChangeAspect="1"/>
-          </p:cNvPicPr>
-          <p:nvPr/>
-        </p:nvPicPr>
-        <p:blipFill>
-          <a:blip r:embed="rId3">
-            <a:extLst>
-              <a:ext uri="{28A0092B-C50C-407E-A947-70E740481C1C}">
-                <a14:useLocalDpi xmlns:a14="http://schemas.microsoft.com/office/drawing/2010/main" val="0"/>
-              </a:ext>
-            </a:extLst>
-          </a:blip>
-          <a:stretch>
-            <a:fillRect/>
-          </a:stretch>
-        </p:blipFill>
-        <p:spPr>
-          <a:xfrm>
-            <a:off x="1278982" y="3279822"/>
-            <a:ext cx="3136900" cy="2584450"/>
-          </a:xfrm>
-          <a:prstGeom prst="rect">
-            <a:avLst/>
-          </a:prstGeom>
-        </p:spPr>
-      </p:pic>
-      <p:pic>
-        <p:nvPicPr>
-          <p:cNvPr id="8" name="图片 7">
-            <a:extLst>
-              <a:ext uri="{FF2B5EF4-FFF2-40B4-BE49-F238E27FC236}">
-                <a16:creationId xmlns:a16="http://schemas.microsoft.com/office/drawing/2014/main" id="{F1E107B8-9DF6-8D68-C591-EA8F7AA35DD3}"/>
-              </a:ext>
-            </a:extLst>
-          </p:cNvPr>
-          <p:cNvPicPr>
-            <a:picLocks noChangeAspect="1"/>
-          </p:cNvPicPr>
-          <p:nvPr/>
-        </p:nvPicPr>
-        <p:blipFill>
-          <a:blip r:embed="rId4"/>
-          <a:stretch>
-            <a:fillRect/>
-          </a:stretch>
-        </p:blipFill>
-        <p:spPr>
-          <a:xfrm>
-            <a:off x="4334601" y="2924072"/>
-            <a:ext cx="3248227" cy="3419578"/>
-          </a:xfrm>
-          <a:prstGeom prst="rect">
-            <a:avLst/>
-          </a:prstGeom>
-        </p:spPr>
-      </p:pic>
-    </p:spTree>
-    <p:extLst>
-      <p:ext uri="{BB962C8B-B14F-4D97-AF65-F5344CB8AC3E}">
-        <p14:creationId xmlns:p14="http://schemas.microsoft.com/office/powerpoint/2010/main" val="1072929197"/>
-      </p:ext>
-    </p:extLst>
-  </p:cSld>
-  <p:clrMapOvr>
-    <a:masterClrMapping/>
-  </p:clrMapOvr>
-  <mc:AlternateContent xmlns:mc="http://schemas.openxmlformats.org/markup-compatibility/2006" xmlns:p14="http://schemas.microsoft.com/office/powerpoint/2010/main">
-    <mc:Choice Requires="p14">
-      <p:transition p14:dur="10"/>
-    </mc:Choice>
-    <mc:Fallback xmlns="">
-      <p:transition/>
-    </mc:Fallback>
-  </mc:AlternateContent>
-</p:sld>
-</file>
-
-<file path=ppt/slides/slide2.xml><?xml version="1.0" encoding="utf-8"?>
-<p:sld xmlns:a="http://schemas.openxmlformats.org/drawingml/2006/main" xmlns:r="http://schemas.openxmlformats.org/officeDocument/2006/relationships" xmlns:p="http://schemas.openxmlformats.org/presentationml/2006/main">
-  <p:cSld>
-    <p:spTree>
-      <p:nvGrpSpPr>
-        <p:cNvPr id="1" name=""/>
-        <p:cNvGrpSpPr/>
-        <p:nvPr/>
-      </p:nvGrpSpPr>
-      <p:grpSpPr>
-        <a:xfrm>
-          <a:off x="0" y="0"/>
-          <a:ext cx="0" cy="0"/>
-          <a:chOff x="0" y="0"/>
-          <a:chExt cx="0" cy="0"/>
-        </a:xfrm>
-      </p:grpSpPr>
-      <p:sp>
-        <p:nvSpPr>
-          <p:cNvPr id="5" name="文本框 4"/>
-          <p:cNvSpPr txBox="1"/>
-          <p:nvPr/>
-        </p:nvSpPr>
-        <p:spPr>
-          <a:xfrm>
-            <a:off x="328557" y="1549706"/>
-            <a:ext cx="2247589" cy="276999"/>
-          </a:xfrm>
-          <a:prstGeom prst="rect">
-            <a:avLst/>
-          </a:prstGeom>
-          <a:noFill/>
-        </p:spPr>
-        <p:txBody>
-          <a:bodyPr wrap="square" rtlCol="0">
-            <a:spAutoFit/>
-          </a:bodyPr>
-          <a:lstStyle/>
-          <a:p>
-            <a:pPr algn="ctr"/>
-            <a:r>
-              <a:rPr lang="en-US" altLang="zh-CN" sz="1200" dirty="0">
-                <a:solidFill>
-                  <a:schemeClr val="tx1">
-                    <a:lumMod val="85000"/>
-                    <a:lumOff val="15000"/>
-                  </a:schemeClr>
-                </a:solidFill>
-                <a:latin typeface="Times New Roman" panose="02020603050405020304" pitchFamily="18" charset="0"/>
-                <a:ea typeface="微软雅黑" panose="020B0503020204020204" pitchFamily="34" charset="-122"/>
-                <a:cs typeface="Times New Roman" panose="02020603050405020304" pitchFamily="18" charset="0"/>
-              </a:rPr>
-              <a:t>cooperation</a:t>
-            </a:r>
-          </a:p>
-        </p:txBody>
-      </p:sp>
-      <p:cxnSp>
-        <p:nvCxnSpPr>
-          <p:cNvPr id="6" name="直接连接符 5"/>
-          <p:cNvCxnSpPr/>
-          <p:nvPr/>
-        </p:nvCxnSpPr>
-        <p:spPr>
-          <a:xfrm>
-            <a:off x="597310" y="1200152"/>
-            <a:ext cx="0" cy="474183"/>
-          </a:xfrm>
-          <a:prstGeom prst="line">
-            <a:avLst/>
-          </a:prstGeom>
-          <a:ln w="76200">
-            <a:solidFill>
-              <a:srgbClr val="1C4885"/>
-            </a:solidFill>
-          </a:ln>
-        </p:spPr>
-        <p:style>
-          <a:lnRef idx="1">
-            <a:schemeClr val="accent1"/>
-          </a:lnRef>
-          <a:fillRef idx="0">
-            <a:schemeClr val="accent1"/>
-          </a:fillRef>
-          <a:effectRef idx="0">
-            <a:schemeClr val="accent1"/>
-          </a:effectRef>
-          <a:fontRef idx="minor">
-            <a:schemeClr val="tx1"/>
-          </a:fontRef>
-        </p:style>
-      </p:cxnSp>
-      <p:sp>
-        <p:nvSpPr>
-          <p:cNvPr id="2" name="文本框 1"/>
-          <p:cNvSpPr txBox="1"/>
-          <p:nvPr/>
-        </p:nvSpPr>
-        <p:spPr>
-          <a:xfrm>
-            <a:off x="817685" y="1134208"/>
-            <a:ext cx="4970554" cy="415498"/>
-          </a:xfrm>
-          <a:prstGeom prst="rect">
-            <a:avLst/>
-          </a:prstGeom>
-          <a:noFill/>
-        </p:spPr>
-        <p:txBody>
-          <a:bodyPr wrap="square" rtlCol="0">
-            <a:spAutoFit/>
-          </a:bodyPr>
-          <a:lstStyle/>
-          <a:p>
-            <a:r>
-              <a:rPr lang="zh-CN" altLang="en-US" sz="2100" dirty="0">
-                <a:latin typeface="微软雅黑" panose="020B0503020204020204" pitchFamily="34" charset="-122"/>
-                <a:ea typeface="微软雅黑" panose="020B0503020204020204" pitchFamily="34" charset="-122"/>
-              </a:rPr>
-              <a:t>项目背景</a:t>
-            </a:r>
-          </a:p>
-        </p:txBody>
-      </p:sp>
-      <p:sp>
-        <p:nvSpPr>
-          <p:cNvPr id="7" name="文本框 6">
-            <a:extLst>
-              <a:ext uri="{FF2B5EF4-FFF2-40B4-BE49-F238E27FC236}">
-                <a16:creationId xmlns:a16="http://schemas.microsoft.com/office/drawing/2014/main" id="{22BD6D3B-9FAD-4179-902A-0BEACD2ED41D}"/>
-              </a:ext>
-            </a:extLst>
-          </p:cNvPr>
-          <p:cNvSpPr txBox="1"/>
-          <p:nvPr/>
-        </p:nvSpPr>
-        <p:spPr>
-          <a:xfrm>
-            <a:off x="877646" y="2168974"/>
-            <a:ext cx="6963508" cy="2862322"/>
-          </a:xfrm>
-          <a:prstGeom prst="rect">
-            <a:avLst/>
-          </a:prstGeom>
-          <a:noFill/>
-        </p:spPr>
-        <p:txBody>
-          <a:bodyPr wrap="square" rtlCol="0">
-            <a:spAutoFit/>
-          </a:bodyPr>
-          <a:lstStyle/>
-          <a:p>
-            <a:endParaRPr lang="en-US" altLang="zh-CN" dirty="0"/>
-          </a:p>
-          <a:p>
-            <a:pPr marL="285750" indent="-285750">
-              <a:buFont typeface="Arial" panose="020B0604020202020204" pitchFamily="34" charset="0"/>
-              <a:buChar char="•"/>
-            </a:pPr>
-            <a:r>
-              <a:rPr lang="zh-CN" altLang="en-US" dirty="0"/>
-              <a:t>基于</a:t>
-            </a:r>
-            <a:r>
-              <a:rPr lang="en-US" altLang="zh-CN" dirty="0"/>
-              <a:t>MySQL</a:t>
-            </a:r>
-            <a:r>
-              <a:rPr lang="zh-CN" altLang="en-US" dirty="0"/>
-              <a:t>实现分布式数据库的若干功能：</a:t>
-            </a:r>
-            <a:endParaRPr lang="en-US" altLang="zh-CN" dirty="0"/>
-          </a:p>
-          <a:p>
-            <a:pPr marL="742950" lvl="1" indent="-285750">
-              <a:buFont typeface="Wingdings" panose="05000000000000000000" pitchFamily="2" charset="2"/>
-              <a:buChar char="ü"/>
-            </a:pPr>
-            <a:r>
-              <a:rPr lang="en-US" altLang="zh-CN" dirty="0"/>
-              <a:t>Socket</a:t>
-            </a:r>
-            <a:r>
-              <a:rPr lang="zh-CN" altLang="en-US" dirty="0"/>
-              <a:t>通信框架与协议</a:t>
-            </a:r>
-            <a:endParaRPr lang="en-US" altLang="zh-CN" dirty="0"/>
-          </a:p>
-          <a:p>
-            <a:pPr marL="742950" lvl="1" indent="-285750">
-              <a:buFont typeface="Wingdings" panose="05000000000000000000" pitchFamily="2" charset="2"/>
-              <a:buChar char="ü"/>
-            </a:pPr>
-            <a:r>
-              <a:rPr lang="zh-CN" altLang="en-US" dirty="0"/>
-              <a:t>分布式存储</a:t>
-            </a:r>
-            <a:endParaRPr lang="en-US" altLang="zh-CN" dirty="0"/>
-          </a:p>
-          <a:p>
-            <a:pPr marL="742950" lvl="1" indent="-285750">
-              <a:buFont typeface="Wingdings" panose="05000000000000000000" pitchFamily="2" charset="2"/>
-              <a:buChar char="ü"/>
-            </a:pPr>
-            <a:r>
-              <a:rPr lang="zh-CN" altLang="en-US" dirty="0"/>
-              <a:t>集群管理调度</a:t>
-            </a:r>
-            <a:endParaRPr lang="en-US" altLang="zh-CN" dirty="0"/>
-          </a:p>
-          <a:p>
-            <a:pPr marL="742950" lvl="1" indent="-285750">
-              <a:buFont typeface="Wingdings" panose="05000000000000000000" pitchFamily="2" charset="2"/>
-              <a:buChar char="ü"/>
-            </a:pPr>
-            <a:r>
-              <a:rPr lang="zh-CN" altLang="en-US" dirty="0"/>
-              <a:t>客户端缓存</a:t>
-            </a:r>
-            <a:endParaRPr lang="en-US" altLang="zh-CN" dirty="0"/>
-          </a:p>
-          <a:p>
-            <a:pPr marL="742950" lvl="1" indent="-285750">
-              <a:buFont typeface="Wingdings" panose="05000000000000000000" pitchFamily="2" charset="2"/>
-              <a:buChar char="ü"/>
-            </a:pPr>
-            <a:r>
-              <a:rPr lang="zh-CN" altLang="en-US" dirty="0"/>
-              <a:t>均衡负载</a:t>
-            </a:r>
-            <a:endParaRPr lang="en-US" altLang="zh-CN" dirty="0"/>
-          </a:p>
-          <a:p>
-            <a:pPr marL="742950" lvl="1" indent="-285750">
-              <a:buFont typeface="Wingdings" panose="05000000000000000000" pitchFamily="2" charset="2"/>
-              <a:buChar char="ü"/>
-            </a:pPr>
-            <a:r>
-              <a:rPr lang="zh-CN" altLang="en-US" dirty="0"/>
-              <a:t>副本管理</a:t>
-            </a:r>
-            <a:endParaRPr lang="en-US" altLang="zh-CN" dirty="0"/>
-          </a:p>
-          <a:p>
-            <a:pPr marL="742950" lvl="1" indent="-285750">
-              <a:buFont typeface="Wingdings" panose="05000000000000000000" pitchFamily="2" charset="2"/>
-              <a:buChar char="ü"/>
-            </a:pPr>
-            <a:r>
-              <a:rPr lang="zh-CN" altLang="en-US" dirty="0"/>
-              <a:t>容错容灾</a:t>
-            </a:r>
-            <a:endParaRPr lang="en-US" altLang="zh-CN" dirty="0"/>
-          </a:p>
-          <a:p>
-            <a:pPr marL="742950" lvl="1" indent="-285750">
-              <a:buFont typeface="Arial" panose="020B0604020202020204" pitchFamily="34" charset="0"/>
-              <a:buChar char="•"/>
-            </a:pPr>
-            <a:endParaRPr lang="en-US" altLang="zh-CN" b="1" dirty="0"/>
-          </a:p>
-        </p:txBody>
-      </p:sp>
-    </p:spTree>
-    <p:extLst>
-      <p:ext uri="{BB962C8B-B14F-4D97-AF65-F5344CB8AC3E}">
-        <p14:creationId xmlns:p14="http://schemas.microsoft.com/office/powerpoint/2010/main" val="2805361489"/>
-      </p:ext>
-    </p:extLst>
-  </p:cSld>
-  <p:clrMapOvr>
-    <a:masterClrMapping/>
-  </p:clrMapOvr>
-  <mc:AlternateContent xmlns:mc="http://schemas.openxmlformats.org/markup-compatibility/2006" xmlns:p14="http://schemas.microsoft.com/office/powerpoint/2010/main">
-    <mc:Choice Requires="p14">
-      <p:transition p14:dur="10"/>
-    </mc:Choice>
-    <mc:Fallback xmlns="">
+    <mc:Fallback>
       <p:transition/>
     </mc:Fallback>
   </mc:AlternateContent>
@@ -9886,8 +10443,19 @@
                 <a:ea typeface="微软雅黑" panose="020B0503020204020204" pitchFamily="34" charset="-122"/>
                 <a:cs typeface="Times New Roman" panose="02020603050405020304" pitchFamily="18" charset="0"/>
               </a:rPr>
-              <a:t>Architecture</a:t>
-            </a:r>
+              <a:t>cooperation</a:t>
+            </a:r>
+            <a:endParaRPr lang="en-US" altLang="zh-CN" sz="1200" dirty="0">
+              <a:solidFill>
+                <a:schemeClr val="tx1">
+                  <a:lumMod val="85000"/>
+                  <a:lumOff val="15000"/>
+                </a:schemeClr>
+              </a:solidFill>
+              <a:latin typeface="Times New Roman" panose="02020603050405020304" pitchFamily="18" charset="0"/>
+              <a:ea typeface="微软雅黑" panose="020B0503020204020204" pitchFamily="34" charset="-122"/>
+              <a:cs typeface="Times New Roman" panose="02020603050405020304" pitchFamily="18" charset="0"/>
+            </a:endParaRPr>
           </a:p>
         </p:txBody>
       </p:sp>
@@ -9935,7 +10503,7 @@
         <p:spPr>
           <a:xfrm>
             <a:off x="817685" y="1134208"/>
-            <a:ext cx="1758461" cy="415498"/>
+            <a:ext cx="4970554" cy="415498"/>
           </a:xfrm>
           <a:prstGeom prst="rect">
             <a:avLst/>
@@ -9953,62 +10521,158 @@
                 <a:latin typeface="微软雅黑" panose="020B0503020204020204" pitchFamily="34" charset="-122"/>
                 <a:ea typeface="微软雅黑" panose="020B0503020204020204" pitchFamily="34" charset="-122"/>
               </a:rPr>
-              <a:t>项目架构</a:t>
-            </a:r>
-          </a:p>
-        </p:txBody>
-      </p:sp>
-      <p:pic>
-        <p:nvPicPr>
-          <p:cNvPr id="16" name="图片 15">
-            <a:extLst>
-              <a:ext uri="{FF2B5EF4-FFF2-40B4-BE49-F238E27FC236}">
-                <a16:creationId xmlns:a16="http://schemas.microsoft.com/office/drawing/2014/main" id="{9F72912A-DC8F-6EFA-0C73-46BD6A916568}"/>
-              </a:ext>
-            </a:extLst>
-          </p:cNvPr>
-          <p:cNvPicPr>
-            <a:picLocks noChangeAspect="1"/>
-          </p:cNvPicPr>
+              <a:t>项目背景</a:t>
+            </a:r>
+            <a:endParaRPr lang="zh-CN" altLang="en-US" sz="2100" dirty="0">
+              <a:latin typeface="微软雅黑" panose="020B0503020204020204" pitchFamily="34" charset="-122"/>
+              <a:ea typeface="微软雅黑" panose="020B0503020204020204" pitchFamily="34" charset="-122"/>
+            </a:endParaRPr>
+          </a:p>
+        </p:txBody>
+      </p:sp>
+      <p:sp>
+        <p:nvSpPr>
+          <p:cNvPr id="7" name="文本框 6"/>
+          <p:cNvSpPr txBox="1"/>
           <p:nvPr/>
-        </p:nvPicPr>
-        <p:blipFill>
-          <a:blip r:embed="rId3">
-            <a:extLst>
-              <a:ext uri="{28A0092B-C50C-407E-A947-70E740481C1C}">
-                <a14:useLocalDpi xmlns:a14="http://schemas.microsoft.com/office/drawing/2010/main" val="0"/>
-              </a:ext>
-            </a:extLst>
-          </a:blip>
-          <a:stretch>
-            <a:fillRect/>
-          </a:stretch>
-        </p:blipFill>
-        <p:spPr>
-          <a:xfrm>
-            <a:off x="1869533" y="1965204"/>
-            <a:ext cx="5601784" cy="3967502"/>
+        </p:nvSpPr>
+        <p:spPr>
+          <a:xfrm>
+            <a:off x="877646" y="2168974"/>
+            <a:ext cx="6963508" cy="2862322"/>
           </a:xfrm>
           <a:prstGeom prst="rect">
             <a:avLst/>
           </a:prstGeom>
-        </p:spPr>
-      </p:pic>
+          <a:noFill/>
+        </p:spPr>
+        <p:txBody>
+          <a:bodyPr wrap="square" rtlCol="0">
+            <a:spAutoFit/>
+          </a:bodyPr>
+          <a:lstStyle/>
+          <a:p>
+            <a:endParaRPr lang="en-US" altLang="zh-CN" dirty="0"/>
+          </a:p>
+          <a:p>
+            <a:pPr marL="285750" indent="-285750">
+              <a:buFont typeface="Arial" panose="020B0604020202020204" pitchFamily="34" charset="0"/>
+              <a:buChar char="•"/>
+            </a:pPr>
+            <a:r>
+              <a:rPr lang="zh-CN" altLang="en-US" dirty="0"/>
+              <a:t>基于</a:t>
+            </a:r>
+            <a:r>
+              <a:rPr lang="en-US" altLang="zh-CN" dirty="0"/>
+              <a:t>MySQL</a:t>
+            </a:r>
+            <a:r>
+              <a:rPr lang="zh-CN" altLang="en-US" dirty="0"/>
+              <a:t>实现分布式数据库的若干功能：</a:t>
+            </a:r>
+            <a:endParaRPr lang="en-US" altLang="zh-CN" dirty="0"/>
+          </a:p>
+          <a:p>
+            <a:pPr marL="742950" lvl="1" indent="-285750">
+              <a:buFont typeface="Wingdings" panose="05000000000000000000" pitchFamily="2" charset="2"/>
+              <a:buChar char="ü"/>
+            </a:pPr>
+            <a:r>
+              <a:rPr lang="en-US" altLang="zh-CN" dirty="0"/>
+              <a:t>Socket</a:t>
+            </a:r>
+            <a:r>
+              <a:rPr lang="zh-CN" altLang="en-US" dirty="0"/>
+              <a:t>通信框架与协议</a:t>
+            </a:r>
+            <a:endParaRPr lang="en-US" altLang="zh-CN" dirty="0"/>
+          </a:p>
+          <a:p>
+            <a:pPr marL="742950" lvl="1" indent="-285750">
+              <a:buFont typeface="Wingdings" panose="05000000000000000000" pitchFamily="2" charset="2"/>
+              <a:buChar char="ü"/>
+            </a:pPr>
+            <a:r>
+              <a:rPr lang="zh-CN" altLang="en-US" dirty="0"/>
+              <a:t>分布式存储</a:t>
+            </a:r>
+            <a:endParaRPr lang="en-US" altLang="zh-CN" dirty="0"/>
+          </a:p>
+          <a:p>
+            <a:pPr marL="742950" lvl="1" indent="-285750">
+              <a:buFont typeface="Wingdings" panose="05000000000000000000" pitchFamily="2" charset="2"/>
+              <a:buChar char="ü"/>
+            </a:pPr>
+            <a:r>
+              <a:rPr lang="zh-CN" altLang="en-US" dirty="0"/>
+              <a:t>集群管理调度</a:t>
+            </a:r>
+            <a:endParaRPr lang="en-US" altLang="zh-CN" dirty="0"/>
+          </a:p>
+          <a:p>
+            <a:pPr marL="742950" lvl="1" indent="-285750">
+              <a:buFont typeface="Wingdings" panose="05000000000000000000" pitchFamily="2" charset="2"/>
+              <a:buChar char="ü"/>
+            </a:pPr>
+            <a:r>
+              <a:rPr lang="zh-CN" altLang="en-US" dirty="0"/>
+              <a:t>客户端缓存</a:t>
+            </a:r>
+            <a:endParaRPr lang="en-US" altLang="zh-CN" dirty="0"/>
+          </a:p>
+          <a:p>
+            <a:pPr marL="742950" lvl="1" indent="-285750">
+              <a:buFont typeface="Wingdings" panose="05000000000000000000" pitchFamily="2" charset="2"/>
+              <a:buChar char="ü"/>
+            </a:pPr>
+            <a:r>
+              <a:rPr lang="zh-CN" altLang="en-US" dirty="0"/>
+              <a:t>均衡负载</a:t>
+            </a:r>
+            <a:endParaRPr lang="en-US" altLang="zh-CN" dirty="0"/>
+          </a:p>
+          <a:p>
+            <a:pPr marL="742950" lvl="1" indent="-285750">
+              <a:buFont typeface="Wingdings" panose="05000000000000000000" pitchFamily="2" charset="2"/>
+              <a:buChar char="ü"/>
+            </a:pPr>
+            <a:r>
+              <a:rPr lang="zh-CN" altLang="en-US" dirty="0"/>
+              <a:t>副本管理</a:t>
+            </a:r>
+            <a:endParaRPr lang="en-US" altLang="zh-CN" dirty="0"/>
+          </a:p>
+          <a:p>
+            <a:pPr marL="742950" lvl="1" indent="-285750">
+              <a:buFont typeface="Wingdings" panose="05000000000000000000" pitchFamily="2" charset="2"/>
+              <a:buChar char="ü"/>
+            </a:pPr>
+            <a:r>
+              <a:rPr lang="zh-CN" altLang="en-US" dirty="0"/>
+              <a:t>容错容灾</a:t>
+            </a:r>
+            <a:endParaRPr lang="en-US" altLang="zh-CN" dirty="0"/>
+          </a:p>
+          <a:p>
+            <a:pPr marL="742950" lvl="1" indent="-285750">
+              <a:buFont typeface="Arial" panose="020B0604020202020204" pitchFamily="34" charset="0"/>
+              <a:buChar char="•"/>
+            </a:pPr>
+            <a:endParaRPr lang="en-US" altLang="zh-CN" b="1" dirty="0"/>
+          </a:p>
+        </p:txBody>
+      </p:sp>
     </p:spTree>
-    <p:extLst>
-      <p:ext uri="{BB962C8B-B14F-4D97-AF65-F5344CB8AC3E}">
-        <p14:creationId xmlns:p14="http://schemas.microsoft.com/office/powerpoint/2010/main" val="1013434763"/>
-      </p:ext>
-    </p:extLst>
   </p:cSld>
   <p:clrMapOvr>
     <a:masterClrMapping/>
   </p:clrMapOvr>
-  <mc:AlternateContent xmlns:mc="http://schemas.openxmlformats.org/markup-compatibility/2006" xmlns:p14="http://schemas.microsoft.com/office/powerpoint/2010/main">
-    <mc:Choice Requires="p14">
+  <mc:AlternateContent xmlns:mc="http://schemas.openxmlformats.org/markup-compatibility/2006">
+    <mc:Choice xmlns:p14="http://schemas.microsoft.com/office/powerpoint/2010/main" Requires="p14">
       <p:transition p14:dur="10"/>
     </mc:Choice>
-    <mc:Fallback xmlns="">
+    <mc:Fallback>
       <p:transition/>
     </mc:Fallback>
   </mc:AlternateContent>
@@ -10032,6 +10696,57 @@
           <a:chExt cx="0" cy="0"/>
         </a:xfrm>
       </p:grpSpPr>
+      <p:sp>
+        <p:nvSpPr>
+          <p:cNvPr id="5" name="文本框 4"/>
+          <p:cNvSpPr txBox="1"/>
+          <p:nvPr/>
+        </p:nvSpPr>
+        <p:spPr>
+          <a:xfrm>
+            <a:off x="328557" y="1549706"/>
+            <a:ext cx="2247589" cy="276999"/>
+          </a:xfrm>
+          <a:prstGeom prst="rect">
+            <a:avLst/>
+          </a:prstGeom>
+          <a:noFill/>
+        </p:spPr>
+        <p:txBody>
+          <a:bodyPr wrap="square" rtlCol="0">
+            <a:spAutoFit/>
+          </a:bodyPr>
+          <a:lstStyle/>
+          <a:p>
+            <a:pPr algn="ctr"/>
+            <a:r>
+              <a:rPr lang="en-US" altLang="zh-CN" sz="1200" dirty="0">
+                <a:solidFill>
+                  <a:schemeClr val="tx1">
+                    <a:lumMod val="85000"/>
+                    <a:lumOff val="15000"/>
+                  </a:schemeClr>
+                </a:solidFill>
+                <a:latin typeface="Times New Roman" panose="02020603050405020304" pitchFamily="18" charset="0"/>
+                <a:ea typeface="微软雅黑" panose="020B0503020204020204" pitchFamily="34" charset="-122"/>
+                <a:cs typeface="Times New Roman" panose="02020603050405020304" pitchFamily="18" charset="0"/>
+              </a:rPr>
+              <a:t>Architecture</a:t>
+            </a:r>
+            <a:endParaRPr lang="en-US" altLang="zh-CN" sz="1200" dirty="0">
+              <a:solidFill>
+                <a:schemeClr val="tx1">
+                  <a:lumMod val="85000"/>
+                  <a:lumOff val="15000"/>
+                </a:schemeClr>
+              </a:solidFill>
+              <a:latin typeface="Times New Roman" panose="02020603050405020304" pitchFamily="18" charset="0"/>
+              <a:ea typeface="微软雅黑" panose="020B0503020204020204" pitchFamily="34" charset="-122"/>
+              <a:cs typeface="Times New Roman" panose="02020603050405020304" pitchFamily="18" charset="0"/>
+            </a:endParaRPr>
+          </a:p>
+        </p:txBody>
+      </p:sp>
       <p:cxnSp>
         <p:nvCxnSpPr>
           <p:cNvPr id="6" name="直接连接符 5"/>
@@ -10040,7 +10755,7 @@
         </p:nvCxnSpPr>
         <p:spPr>
           <a:xfrm>
-            <a:off x="606188" y="569837"/>
+            <a:off x="597310" y="1200152"/>
             <a:ext cx="0" cy="474183"/>
           </a:xfrm>
           <a:prstGeom prst="line">
@@ -10067,89 +10782,82 @@
           </a:fontRef>
         </p:style>
       </p:cxnSp>
+      <p:sp>
+        <p:nvSpPr>
+          <p:cNvPr id="2" name="文本框 1"/>
+          <p:cNvSpPr txBox="1"/>
+          <p:nvPr/>
+        </p:nvSpPr>
+        <p:spPr>
+          <a:xfrm>
+            <a:off x="817685" y="1134208"/>
+            <a:ext cx="1758461" cy="415498"/>
+          </a:xfrm>
+          <a:prstGeom prst="rect">
+            <a:avLst/>
+          </a:prstGeom>
+          <a:noFill/>
+        </p:spPr>
+        <p:txBody>
+          <a:bodyPr wrap="square" rtlCol="0">
+            <a:spAutoFit/>
+          </a:bodyPr>
+          <a:lstStyle/>
+          <a:p>
+            <a:r>
+              <a:rPr lang="zh-CN" altLang="en-US" sz="2100" dirty="0">
+                <a:latin typeface="微软雅黑" panose="020B0503020204020204" pitchFamily="34" charset="-122"/>
+                <a:ea typeface="微软雅黑" panose="020B0503020204020204" pitchFamily="34" charset="-122"/>
+              </a:rPr>
+              <a:t>项目架构</a:t>
+            </a:r>
+            <a:endParaRPr lang="zh-CN" altLang="en-US" sz="2100" dirty="0">
+              <a:latin typeface="微软雅黑" panose="020B0503020204020204" pitchFamily="34" charset="-122"/>
+              <a:ea typeface="微软雅黑" panose="020B0503020204020204" pitchFamily="34" charset="-122"/>
+            </a:endParaRPr>
+          </a:p>
+        </p:txBody>
+      </p:sp>
       <p:pic>
         <p:nvPicPr>
-          <p:cNvPr id="3" name="图片 2" descr="yuque_diagram">
-            <a:extLst>
-              <a:ext uri="{FF2B5EF4-FFF2-40B4-BE49-F238E27FC236}">
-                <a16:creationId xmlns:a16="http://schemas.microsoft.com/office/drawing/2014/main" id="{366302D0-A5B1-0211-FBD1-B7A3004AFFED}"/>
-              </a:ext>
-            </a:extLst>
-          </p:cNvPr>
+          <p:cNvPr id="16" name="图片 15"/>
           <p:cNvPicPr>
             <a:picLocks noChangeAspect="1"/>
           </p:cNvPicPr>
           <p:nvPr/>
         </p:nvPicPr>
         <p:blipFill>
-          <a:blip r:embed="rId3"/>
+          <a:blip r:embed="rId1">
+            <a:extLst>
+              <a:ext uri="{28A0092B-C50C-407E-A947-70E740481C1C}">
+                <a14:useLocalDpi xmlns:a14="http://schemas.microsoft.com/office/drawing/2010/main" val="0"/>
+              </a:ext>
+            </a:extLst>
+          </a:blip>
           <a:stretch>
             <a:fillRect/>
           </a:stretch>
         </p:blipFill>
         <p:spPr>
           <a:xfrm>
-            <a:off x="1141710" y="345689"/>
-            <a:ext cx="6863359" cy="6222380"/>
+            <a:off x="1869533" y="1965204"/>
+            <a:ext cx="5601784" cy="3967502"/>
           </a:xfrm>
           <a:prstGeom prst="rect">
             <a:avLst/>
           </a:prstGeom>
         </p:spPr>
       </p:pic>
-      <p:sp>
-        <p:nvSpPr>
-          <p:cNvPr id="5" name="文本框 4">
-            <a:extLst>
-              <a:ext uri="{FF2B5EF4-FFF2-40B4-BE49-F238E27FC236}">
-                <a16:creationId xmlns:a16="http://schemas.microsoft.com/office/drawing/2014/main" id="{A389122D-9793-048B-1A85-3896A6B3DA98}"/>
-              </a:ext>
-            </a:extLst>
-          </p:cNvPr>
-          <p:cNvSpPr txBox="1"/>
-          <p:nvPr/>
-        </p:nvSpPr>
-        <p:spPr>
-          <a:xfrm>
-            <a:off x="784607" y="599179"/>
-            <a:ext cx="2870135" cy="415498"/>
-          </a:xfrm>
-          <a:prstGeom prst="rect">
-            <a:avLst/>
-          </a:prstGeom>
-          <a:noFill/>
-        </p:spPr>
-        <p:txBody>
-          <a:bodyPr wrap="square" rtlCol="0">
-            <a:spAutoFit/>
-          </a:bodyPr>
-          <a:lstStyle/>
-          <a:p>
-            <a:r>
-              <a:rPr lang="en-US" altLang="zh-CN" sz="2100" dirty="0">
-                <a:latin typeface="微软雅黑" panose="020B0503020204020204" pitchFamily="34" charset="-122"/>
-                <a:ea typeface="微软雅黑" panose="020B0503020204020204" pitchFamily="34" charset="-122"/>
-              </a:rPr>
-              <a:t>MASTER</a:t>
-            </a:r>
-          </a:p>
-        </p:txBody>
-      </p:sp>
     </p:spTree>
-    <p:extLst>
-      <p:ext uri="{BB962C8B-B14F-4D97-AF65-F5344CB8AC3E}">
-        <p14:creationId xmlns:p14="http://schemas.microsoft.com/office/powerpoint/2010/main" val="944476787"/>
-      </p:ext>
-    </p:extLst>
   </p:cSld>
   <p:clrMapOvr>
     <a:masterClrMapping/>
   </p:clrMapOvr>
-  <mc:AlternateContent xmlns:mc="http://schemas.openxmlformats.org/markup-compatibility/2006" xmlns:p14="http://schemas.microsoft.com/office/powerpoint/2010/main">
-    <mc:Choice Requires="p14">
+  <mc:AlternateContent xmlns:mc="http://schemas.openxmlformats.org/markup-compatibility/2006">
+    <mc:Choice xmlns:p14="http://schemas.microsoft.com/office/powerpoint/2010/main" Requires="p14">
       <p:transition p14:dur="10"/>
     </mc:Choice>
-    <mc:Fallback xmlns="">
+    <mc:Fallback>
       <p:transition/>
     </mc:Fallback>
   </mc:AlternateContent>
@@ -10208,15 +10916,39 @@
           </a:fontRef>
         </p:style>
       </p:cxnSp>
-      <p:sp>
-        <p:nvSpPr>
-          <p:cNvPr id="2" name="文本框 1"/>
+      <p:pic>
+        <p:nvPicPr>
+          <p:cNvPr id="3" name="图片 2" descr="yuque_diagram"/>
+          <p:cNvPicPr>
+            <a:picLocks noChangeAspect="1"/>
+          </p:cNvPicPr>
+          <p:nvPr/>
+        </p:nvPicPr>
+        <p:blipFill>
+          <a:blip r:embed="rId1"/>
+          <a:stretch>
+            <a:fillRect/>
+          </a:stretch>
+        </p:blipFill>
+        <p:spPr>
+          <a:xfrm>
+            <a:off x="1141710" y="345689"/>
+            <a:ext cx="6863359" cy="6222380"/>
+          </a:xfrm>
+          <a:prstGeom prst="rect">
+            <a:avLst/>
+          </a:prstGeom>
+        </p:spPr>
+      </p:pic>
+      <p:sp>
+        <p:nvSpPr>
+          <p:cNvPr id="5" name="文本框 4"/>
           <p:cNvSpPr txBox="1"/>
           <p:nvPr/>
         </p:nvSpPr>
         <p:spPr>
           <a:xfrm>
-            <a:off x="778587" y="599179"/>
+            <a:off x="784607" y="599179"/>
             <a:ext cx="2870135" cy="415498"/>
           </a:xfrm>
           <a:prstGeom prst="rect">
@@ -10237,382 +10969,23 @@
               </a:rPr>
               <a:t>MASTER</a:t>
             </a:r>
-          </a:p>
-        </p:txBody>
-      </p:sp>
-      <p:sp>
-        <p:nvSpPr>
-          <p:cNvPr id="4" name="文本框 3">
-            <a:extLst>
-              <a:ext uri="{FF2B5EF4-FFF2-40B4-BE49-F238E27FC236}">
-                <a16:creationId xmlns:a16="http://schemas.microsoft.com/office/drawing/2014/main" id="{3DBC92F7-8A90-D954-A4D3-2AF69FF37F05}"/>
-              </a:ext>
-            </a:extLst>
-          </p:cNvPr>
-          <p:cNvSpPr txBox="1"/>
-          <p:nvPr/>
-        </p:nvSpPr>
-        <p:spPr>
-          <a:xfrm>
-            <a:off x="778587" y="1572322"/>
-            <a:ext cx="7239140" cy="3277820"/>
-          </a:xfrm>
-          <a:prstGeom prst="rect">
-            <a:avLst/>
-          </a:prstGeom>
-          <a:noFill/>
-        </p:spPr>
-        <p:txBody>
-          <a:bodyPr wrap="square" rtlCol="0">
-            <a:spAutoFit/>
-          </a:bodyPr>
-          <a:lstStyle/>
-          <a:p>
-            <a:pPr marL="342900" lvl="0" indent="-342900" algn="just">
-              <a:lnSpc>
-                <a:spcPct val="150000"/>
-              </a:lnSpc>
-              <a:buFont typeface="Wingdings" pitchFamily="2" charset="2"/>
-              <a:buChar char=""/>
-            </a:pPr>
-            <a:r>
-              <a:rPr lang="en-US" altLang="zh-CN" sz="1800" kern="100" dirty="0" err="1">
-                <a:effectLst/>
-                <a:latin typeface="宋体" panose="02010600030101010101" pitchFamily="2" charset="-122"/>
-                <a:ea typeface="宋体" panose="02010600030101010101" pitchFamily="2" charset="-122"/>
-                <a:cs typeface="宋体" panose="02010600030101010101" pitchFamily="2" charset="-122"/>
-              </a:rPr>
-              <a:t>ZKService</a:t>
-            </a:r>
-            <a:r>
-              <a:rPr lang="en-US" altLang="zh-CN" sz="1800" kern="100" dirty="0">
-                <a:effectLst/>
-                <a:latin typeface="宋体" panose="02010600030101010101" pitchFamily="2" charset="-122"/>
-                <a:ea typeface="宋体" panose="02010600030101010101" pitchFamily="2" charset="-122"/>
-                <a:cs typeface="宋体" panose="02010600030101010101" pitchFamily="2" charset="-122"/>
-              </a:rPr>
-              <a:t> </a:t>
-            </a:r>
-            <a:r>
-              <a:rPr lang="zh-CN" altLang="zh-CN" sz="1800" kern="100" dirty="0">
-                <a:effectLst/>
-                <a:latin typeface="Times New Roman" panose="02020603050405020304" pitchFamily="18" charset="0"/>
-                <a:ea typeface="宋体" panose="02010600030101010101" pitchFamily="2" charset="-122"/>
-                <a:cs typeface="宋体" panose="02010600030101010101" pitchFamily="2" charset="-122"/>
-              </a:rPr>
-              <a:t>获取</a:t>
-            </a:r>
-            <a:r>
-              <a:rPr lang="en-US" altLang="zh-CN" sz="1800" kern="100" dirty="0">
-                <a:effectLst/>
-                <a:latin typeface="宋体" panose="02010600030101010101" pitchFamily="2" charset="-122"/>
-                <a:ea typeface="宋体" panose="02010600030101010101" pitchFamily="2" charset="-122"/>
-                <a:cs typeface="宋体" panose="02010600030101010101" pitchFamily="2" charset="-122"/>
-              </a:rPr>
-              <a:t> </a:t>
-            </a:r>
-            <a:r>
-              <a:rPr lang="en-US" altLang="zh-CN" sz="1800" kern="100" dirty="0" err="1">
-                <a:effectLst/>
-                <a:latin typeface="宋体" panose="02010600030101010101" pitchFamily="2" charset="-122"/>
-                <a:ea typeface="宋体" panose="02010600030101010101" pitchFamily="2" charset="-122"/>
-                <a:cs typeface="宋体" panose="02010600030101010101" pitchFamily="2" charset="-122"/>
-              </a:rPr>
-              <a:t>zk</a:t>
-            </a:r>
-            <a:r>
-              <a:rPr lang="en-US" altLang="zh-CN" sz="1800" kern="100" dirty="0">
-                <a:effectLst/>
-                <a:latin typeface="宋体" panose="02010600030101010101" pitchFamily="2" charset="-122"/>
-                <a:ea typeface="宋体" panose="02010600030101010101" pitchFamily="2" charset="-122"/>
-                <a:cs typeface="宋体" panose="02010600030101010101" pitchFamily="2" charset="-122"/>
-              </a:rPr>
-              <a:t> </a:t>
-            </a:r>
-            <a:r>
-              <a:rPr lang="zh-CN" altLang="zh-CN" sz="1800" kern="100" dirty="0">
-                <a:effectLst/>
-                <a:latin typeface="Times New Roman" panose="02020603050405020304" pitchFamily="18" charset="0"/>
-                <a:ea typeface="宋体" panose="02010600030101010101" pitchFamily="2" charset="-122"/>
-                <a:cs typeface="宋体" panose="02010600030101010101" pitchFamily="2" charset="-122"/>
-              </a:rPr>
-              <a:t>节点状态的接口，执行表间同步逻辑以及节点切换逻辑。</a:t>
-            </a:r>
-            <a:endParaRPr lang="zh-CN" altLang="zh-CN" sz="1800" kern="100" dirty="0">
-              <a:effectLst/>
-              <a:latin typeface="Times New Roman" panose="02020603050405020304" pitchFamily="18" charset="0"/>
-              <a:ea typeface="宋体" panose="02010600030101010101" pitchFamily="2" charset="-122"/>
+            <a:endParaRPr lang="en-US" altLang="zh-CN" sz="2100" dirty="0">
+              <a:latin typeface="微软雅黑" panose="020B0503020204020204" pitchFamily="34" charset="-122"/>
+              <a:ea typeface="微软雅黑" panose="020B0503020204020204" pitchFamily="34" charset="-122"/>
             </a:endParaRPr>
           </a:p>
-          <a:p>
-            <a:pPr marL="342900" lvl="0" indent="-342900" algn="just">
-              <a:lnSpc>
-                <a:spcPct val="150000"/>
-              </a:lnSpc>
-              <a:buFont typeface="Wingdings" pitchFamily="2" charset="2"/>
-              <a:buChar char=""/>
-            </a:pPr>
-            <a:r>
-              <a:rPr lang="en-US" altLang="zh-CN" sz="1800" kern="100" dirty="0" err="1">
-                <a:effectLst/>
-                <a:latin typeface="宋体" panose="02010600030101010101" pitchFamily="2" charset="-122"/>
-                <a:ea typeface="宋体" panose="02010600030101010101" pitchFamily="2" charset="-122"/>
-                <a:cs typeface="宋体" panose="02010600030101010101" pitchFamily="2" charset="-122"/>
-              </a:rPr>
-              <a:t>CheckRegionThread</a:t>
-            </a:r>
-            <a:r>
-              <a:rPr lang="en-US" altLang="zh-CN" sz="1800" kern="100" dirty="0">
-                <a:effectLst/>
-                <a:latin typeface="宋体" panose="02010600030101010101" pitchFamily="2" charset="-122"/>
-                <a:ea typeface="宋体" panose="02010600030101010101" pitchFamily="2" charset="-122"/>
-                <a:cs typeface="宋体" panose="02010600030101010101" pitchFamily="2" charset="-122"/>
-              </a:rPr>
-              <a:t> </a:t>
-            </a:r>
-            <a:r>
-              <a:rPr lang="zh-CN" altLang="zh-CN" sz="1800" kern="100" dirty="0">
-                <a:effectLst/>
-                <a:latin typeface="Times New Roman" panose="02020603050405020304" pitchFamily="18" charset="0"/>
-                <a:ea typeface="宋体" panose="02010600030101010101" pitchFamily="2" charset="-122"/>
-                <a:cs typeface="宋体" panose="02010600030101010101" pitchFamily="2" charset="-122"/>
-              </a:rPr>
-              <a:t>定时和</a:t>
-            </a:r>
-            <a:r>
-              <a:rPr lang="en-US" altLang="zh-CN" sz="1800" kern="100" dirty="0">
-                <a:effectLst/>
-                <a:latin typeface="宋体" panose="02010600030101010101" pitchFamily="2" charset="-122"/>
-                <a:ea typeface="宋体" panose="02010600030101010101" pitchFamily="2" charset="-122"/>
-                <a:cs typeface="宋体" panose="02010600030101010101" pitchFamily="2" charset="-122"/>
-              </a:rPr>
-              <a:t> Zookeeper </a:t>
-            </a:r>
-            <a:r>
-              <a:rPr lang="zh-CN" altLang="zh-CN" sz="1800" kern="100" dirty="0">
-                <a:effectLst/>
-                <a:latin typeface="Times New Roman" panose="02020603050405020304" pitchFamily="18" charset="0"/>
-                <a:ea typeface="宋体" panose="02010600030101010101" pitchFamily="2" charset="-122"/>
-                <a:cs typeface="宋体" panose="02010600030101010101" pitchFamily="2" charset="-122"/>
-              </a:rPr>
-              <a:t>集群通信，保障本地缓存的一致性。</a:t>
-            </a:r>
-            <a:endParaRPr lang="zh-CN" altLang="zh-CN" sz="1800" kern="100" dirty="0">
-              <a:effectLst/>
-              <a:latin typeface="Times New Roman" panose="02020603050405020304" pitchFamily="18" charset="0"/>
-              <a:ea typeface="宋体" panose="02010600030101010101" pitchFamily="2" charset="-122"/>
-            </a:endParaRPr>
-          </a:p>
-          <a:p>
-            <a:pPr marL="342900" lvl="0" indent="-342900" algn="just">
-              <a:lnSpc>
-                <a:spcPct val="150000"/>
-              </a:lnSpc>
-              <a:buFont typeface="Wingdings" pitchFamily="2" charset="2"/>
-              <a:buChar char=""/>
-            </a:pPr>
-            <a:r>
-              <a:rPr lang="en-US" altLang="zh-CN" sz="1800" kern="100" dirty="0" err="1">
-                <a:effectLst/>
-                <a:latin typeface="宋体" panose="02010600030101010101" pitchFamily="2" charset="-122"/>
-                <a:ea typeface="宋体" panose="02010600030101010101" pitchFamily="2" charset="-122"/>
-                <a:cs typeface="宋体" panose="02010600030101010101" pitchFamily="2" charset="-122"/>
-              </a:rPr>
-              <a:t>ZKConfig</a:t>
-            </a:r>
-            <a:r>
-              <a:rPr lang="en-US" altLang="zh-CN" sz="1800" kern="100" dirty="0">
-                <a:effectLst/>
-                <a:latin typeface="宋体" panose="02010600030101010101" pitchFamily="2" charset="-122"/>
-                <a:ea typeface="宋体" panose="02010600030101010101" pitchFamily="2" charset="-122"/>
-                <a:cs typeface="宋体" panose="02010600030101010101" pitchFamily="2" charset="-122"/>
-              </a:rPr>
-              <a:t> </a:t>
-            </a:r>
-            <a:r>
-              <a:rPr lang="zh-CN" altLang="en-US" sz="1800" kern="100" dirty="0">
-                <a:effectLst/>
-                <a:latin typeface="宋体" panose="02010600030101010101" pitchFamily="2" charset="-122"/>
-                <a:ea typeface="宋体" panose="02010600030101010101" pitchFamily="2" charset="-122"/>
-                <a:cs typeface="宋体" panose="02010600030101010101" pitchFamily="2" charset="-122"/>
-              </a:rPr>
-              <a:t> </a:t>
-            </a:r>
-            <a:r>
-              <a:rPr lang="en-US" altLang="zh-CN" sz="1800" kern="100" dirty="0">
-                <a:effectLst/>
-                <a:latin typeface="宋体" panose="02010600030101010101" pitchFamily="2" charset="-122"/>
-                <a:ea typeface="宋体" panose="02010600030101010101" pitchFamily="2" charset="-122"/>
-                <a:cs typeface="宋体" panose="02010600030101010101" pitchFamily="2" charset="-122"/>
-              </a:rPr>
-              <a:t>Master </a:t>
-            </a:r>
-            <a:r>
-              <a:rPr lang="zh-CN" altLang="zh-CN" sz="1800" kern="100" dirty="0">
-                <a:effectLst/>
-                <a:latin typeface="Times New Roman" panose="02020603050405020304" pitchFamily="18" charset="0"/>
-                <a:ea typeface="宋体" panose="02010600030101010101" pitchFamily="2" charset="-122"/>
-                <a:cs typeface="宋体" panose="02010600030101010101" pitchFamily="2" charset="-122"/>
-              </a:rPr>
-              <a:t>启动的时候对</a:t>
-            </a:r>
-            <a:r>
-              <a:rPr lang="en-US" altLang="zh-CN" sz="1800" kern="100" dirty="0">
-                <a:effectLst/>
-                <a:latin typeface="宋体" panose="02010600030101010101" pitchFamily="2" charset="-122"/>
-                <a:ea typeface="宋体" panose="02010600030101010101" pitchFamily="2" charset="-122"/>
-                <a:cs typeface="宋体" panose="02010600030101010101" pitchFamily="2" charset="-122"/>
-              </a:rPr>
-              <a:t> Zookeeper </a:t>
-            </a:r>
-            <a:r>
-              <a:rPr lang="zh-CN" altLang="zh-CN" sz="1800" kern="100" dirty="0">
-                <a:effectLst/>
-                <a:latin typeface="Times New Roman" panose="02020603050405020304" pitchFamily="18" charset="0"/>
-                <a:ea typeface="宋体" panose="02010600030101010101" pitchFamily="2" charset="-122"/>
-                <a:cs typeface="宋体" panose="02010600030101010101" pitchFamily="2" charset="-122"/>
-              </a:rPr>
-              <a:t>集群注册</a:t>
-            </a:r>
-            <a:r>
-              <a:rPr lang="en-US" altLang="zh-CN" sz="1800" kern="100" dirty="0">
-                <a:effectLst/>
-                <a:latin typeface="宋体" panose="02010600030101010101" pitchFamily="2" charset="-122"/>
-                <a:ea typeface="宋体" panose="02010600030101010101" pitchFamily="2" charset="-122"/>
-                <a:cs typeface="宋体" panose="02010600030101010101" pitchFamily="2" charset="-122"/>
-              </a:rPr>
-              <a:t>Master</a:t>
-            </a:r>
-            <a:r>
-              <a:rPr lang="zh-CN" altLang="zh-CN" sz="1800" kern="100" dirty="0">
-                <a:effectLst/>
-                <a:latin typeface="Times New Roman" panose="02020603050405020304" pitchFamily="18" charset="0"/>
-                <a:ea typeface="宋体" panose="02010600030101010101" pitchFamily="2" charset="-122"/>
-                <a:cs typeface="宋体" panose="02010600030101010101" pitchFamily="2" charset="-122"/>
-              </a:rPr>
-              <a:t>的信息，方便</a:t>
-            </a:r>
-            <a:r>
-              <a:rPr lang="en-US" altLang="zh-CN" sz="1800" kern="100" dirty="0">
-                <a:effectLst/>
-                <a:latin typeface="宋体" panose="02010600030101010101" pitchFamily="2" charset="-122"/>
-                <a:ea typeface="宋体" panose="02010600030101010101" pitchFamily="2" charset="-122"/>
-                <a:cs typeface="宋体" panose="02010600030101010101" pitchFamily="2" charset="-122"/>
-              </a:rPr>
-              <a:t>Client</a:t>
-            </a:r>
-            <a:r>
-              <a:rPr lang="zh-CN" altLang="zh-CN" sz="1800" kern="100" dirty="0">
-                <a:effectLst/>
-                <a:latin typeface="Times New Roman" panose="02020603050405020304" pitchFamily="18" charset="0"/>
-                <a:ea typeface="宋体" panose="02010600030101010101" pitchFamily="2" charset="-122"/>
-                <a:cs typeface="宋体" panose="02010600030101010101" pitchFamily="2" charset="-122"/>
-              </a:rPr>
-              <a:t>使用。</a:t>
-            </a:r>
-            <a:endParaRPr lang="zh-CN" altLang="zh-CN" sz="1800" kern="100" dirty="0">
-              <a:effectLst/>
-              <a:latin typeface="Times New Roman" panose="02020603050405020304" pitchFamily="18" charset="0"/>
-              <a:ea typeface="宋体" panose="02010600030101010101" pitchFamily="2" charset="-122"/>
-            </a:endParaRPr>
-          </a:p>
-          <a:p>
-            <a:pPr marL="342900" lvl="0" indent="-342900" algn="just">
-              <a:lnSpc>
-                <a:spcPct val="150000"/>
-              </a:lnSpc>
-              <a:buFont typeface="Wingdings" pitchFamily="2" charset="2"/>
-              <a:buChar char=""/>
-            </a:pPr>
-            <a:r>
-              <a:rPr lang="en-US" altLang="zh-CN" sz="1800" kern="100" dirty="0">
-                <a:effectLst/>
-                <a:latin typeface="宋体" panose="02010600030101010101" pitchFamily="2" charset="-122"/>
-                <a:ea typeface="宋体" panose="02010600030101010101" pitchFamily="2" charset="-122"/>
-                <a:cs typeface="宋体" panose="02010600030101010101" pitchFamily="2" charset="-122"/>
-              </a:rPr>
-              <a:t> </a:t>
-            </a:r>
-            <a:r>
-              <a:rPr lang="en-US" altLang="zh-CN" sz="1800" kern="100" dirty="0" err="1">
-                <a:effectLst/>
-                <a:latin typeface="宋体" panose="02010600030101010101" pitchFamily="2" charset="-122"/>
-                <a:ea typeface="宋体" panose="02010600030101010101" pitchFamily="2" charset="-122"/>
-                <a:cs typeface="宋体" panose="02010600030101010101" pitchFamily="2" charset="-122"/>
-              </a:rPr>
-              <a:t>MasterController</a:t>
-            </a:r>
-            <a:r>
-              <a:rPr lang="en-US" altLang="zh-CN" sz="1800" kern="100" dirty="0">
-                <a:effectLst/>
-                <a:latin typeface="宋体" panose="02010600030101010101" pitchFamily="2" charset="-122"/>
-                <a:ea typeface="宋体" panose="02010600030101010101" pitchFamily="2" charset="-122"/>
-                <a:cs typeface="宋体" panose="02010600030101010101" pitchFamily="2" charset="-122"/>
-              </a:rPr>
-              <a:t> </a:t>
-            </a:r>
-            <a:r>
-              <a:rPr lang="zh-CN" altLang="en-US" sz="1800" kern="100" dirty="0">
-                <a:effectLst/>
-                <a:latin typeface="Times New Roman" panose="02020603050405020304" pitchFamily="18" charset="0"/>
-                <a:ea typeface="宋体" panose="02010600030101010101" pitchFamily="2" charset="-122"/>
-                <a:cs typeface="宋体" panose="02010600030101010101" pitchFamily="2" charset="-122"/>
-              </a:rPr>
-              <a:t> </a:t>
-            </a:r>
-            <a:r>
-              <a:rPr lang="zh-CN" altLang="zh-CN" sz="1800" kern="100" dirty="0">
-                <a:effectLst/>
-                <a:latin typeface="Times New Roman" panose="02020603050405020304" pitchFamily="18" charset="0"/>
-                <a:ea typeface="宋体" panose="02010600030101010101" pitchFamily="2" charset="-122"/>
-                <a:cs typeface="宋体" panose="02010600030101010101" pitchFamily="2" charset="-122"/>
-              </a:rPr>
-              <a:t>接受</a:t>
-            </a:r>
-            <a:r>
-              <a:rPr lang="en-US" altLang="zh-CN" sz="1800" kern="100" dirty="0">
-                <a:effectLst/>
-                <a:latin typeface="宋体" panose="02010600030101010101" pitchFamily="2" charset="-122"/>
-                <a:ea typeface="宋体" panose="02010600030101010101" pitchFamily="2" charset="-122"/>
-                <a:cs typeface="宋体" panose="02010600030101010101" pitchFamily="2" charset="-122"/>
-              </a:rPr>
-              <a:t> Client </a:t>
-            </a:r>
-            <a:r>
-              <a:rPr lang="zh-CN" altLang="zh-CN" sz="1800" kern="100" dirty="0">
-                <a:effectLst/>
-                <a:latin typeface="Times New Roman" panose="02020603050405020304" pitchFamily="18" charset="0"/>
-                <a:ea typeface="宋体" panose="02010600030101010101" pitchFamily="2" charset="-122"/>
-                <a:cs typeface="宋体" panose="02010600030101010101" pitchFamily="2" charset="-122"/>
-              </a:rPr>
-              <a:t>的请求，返回结果</a:t>
-            </a:r>
-            <a:endParaRPr lang="zh-CN" altLang="zh-CN" sz="1800" kern="100" dirty="0">
-              <a:effectLst/>
-              <a:latin typeface="Times New Roman" panose="02020603050405020304" pitchFamily="18" charset="0"/>
-              <a:ea typeface="宋体" panose="02010600030101010101" pitchFamily="2" charset="-122"/>
-            </a:endParaRPr>
-          </a:p>
-          <a:p>
-            <a:endParaRPr kumimoji="1" lang="zh-CN" altLang="en-US" dirty="0"/>
-          </a:p>
         </p:txBody>
       </p:sp>
     </p:spTree>
-    <p:extLst>
-      <p:ext uri="{BB962C8B-B14F-4D97-AF65-F5344CB8AC3E}">
-        <p14:creationId xmlns:p14="http://schemas.microsoft.com/office/powerpoint/2010/main" val="1544244863"/>
-      </p:ext>
-    </p:extLst>
   </p:cSld>
   <p:clrMapOvr>
     <a:masterClrMapping/>
   </p:clrMapOvr>
-  <mc:AlternateContent xmlns:mc="http://schemas.openxmlformats.org/markup-compatibility/2006" xmlns:p14="http://schemas.microsoft.com/office/powerpoint/2010/main">
-    <mc:Choice Requires="p14">
+  <mc:AlternateContent xmlns:mc="http://schemas.openxmlformats.org/markup-compatibility/2006">
+    <mc:Choice xmlns:p14="http://schemas.microsoft.com/office/powerpoint/2010/main" Requires="p14">
       <p:transition p14:dur="10"/>
     </mc:Choice>
-    <mc:Fallback xmlns="">
+    <mc:Fallback>
       <p:transition/>
     </mc:Fallback>
   </mc:AlternateContent>
@@ -10671,51 +11044,15 @@
           </a:fontRef>
         </p:style>
       </p:cxnSp>
-      <p:pic>
-        <p:nvPicPr>
-          <p:cNvPr id="2" name="图片 1">
-            <a:extLst>
-              <a:ext uri="{FF2B5EF4-FFF2-40B4-BE49-F238E27FC236}">
-                <a16:creationId xmlns:a16="http://schemas.microsoft.com/office/drawing/2014/main" id="{CEAEF0D6-D419-05E7-C3FE-A17FFA0743B0}"/>
-              </a:ext>
-            </a:extLst>
-          </p:cNvPr>
-          <p:cNvPicPr>
-            <a:picLocks noChangeAspect="1"/>
-          </p:cNvPicPr>
-          <p:nvPr/>
-        </p:nvPicPr>
-        <p:blipFill>
-          <a:blip r:embed="rId3"/>
-          <a:stretch>
-            <a:fillRect/>
-          </a:stretch>
-        </p:blipFill>
-        <p:spPr>
-          <a:xfrm>
-            <a:off x="1880210" y="434898"/>
-            <a:ext cx="6817737" cy="6133170"/>
-          </a:xfrm>
-          <a:prstGeom prst="rect">
-            <a:avLst/>
-          </a:prstGeom>
-        </p:spPr>
-      </p:pic>
-      <p:sp>
-        <p:nvSpPr>
-          <p:cNvPr id="4" name="文本框 3">
-            <a:extLst>
-              <a:ext uri="{FF2B5EF4-FFF2-40B4-BE49-F238E27FC236}">
-                <a16:creationId xmlns:a16="http://schemas.microsoft.com/office/drawing/2014/main" id="{EA9B251F-B0EA-B5FA-F206-914B5A8FB9D8}"/>
-              </a:ext>
-            </a:extLst>
-          </p:cNvPr>
+      <p:sp>
+        <p:nvSpPr>
+          <p:cNvPr id="2" name="文本框 1"/>
           <p:cNvSpPr txBox="1"/>
           <p:nvPr/>
         </p:nvSpPr>
         <p:spPr>
           <a:xfrm>
-            <a:off x="784607" y="599179"/>
+            <a:off x="778587" y="599179"/>
             <a:ext cx="2870135" cy="415498"/>
           </a:xfrm>
           <a:prstGeom prst="rect">
@@ -10734,14 +11071,7 @@
                 <a:latin typeface="微软雅黑" panose="020B0503020204020204" pitchFamily="34" charset="-122"/>
                 <a:ea typeface="微软雅黑" panose="020B0503020204020204" pitchFamily="34" charset="-122"/>
               </a:rPr>
-              <a:t>REGION</a:t>
-            </a:r>
-            <a:r>
-              <a:rPr lang="zh-CN" altLang="en-US" sz="2100" dirty="0">
-                <a:latin typeface="微软雅黑" panose="020B0503020204020204" pitchFamily="34" charset="-122"/>
-                <a:ea typeface="微软雅黑" panose="020B0503020204020204" pitchFamily="34" charset="-122"/>
-              </a:rPr>
-              <a:t>关键流程</a:t>
+              <a:t>MASTER</a:t>
             </a:r>
             <a:endParaRPr lang="en-US" altLang="zh-CN" sz="2100" dirty="0">
               <a:latin typeface="微软雅黑" panose="020B0503020204020204" pitchFamily="34" charset="-122"/>
@@ -10750,21 +11080,368 @@
           </a:p>
         </p:txBody>
       </p:sp>
+      <p:sp>
+        <p:nvSpPr>
+          <p:cNvPr id="4" name="文本框 3"/>
+          <p:cNvSpPr txBox="1"/>
+          <p:nvPr/>
+        </p:nvSpPr>
+        <p:spPr>
+          <a:xfrm>
+            <a:off x="778587" y="1572322"/>
+            <a:ext cx="7239140" cy="3277820"/>
+          </a:xfrm>
+          <a:prstGeom prst="rect">
+            <a:avLst/>
+          </a:prstGeom>
+          <a:noFill/>
+        </p:spPr>
+        <p:txBody>
+          <a:bodyPr wrap="square" rtlCol="0">
+            <a:spAutoFit/>
+          </a:bodyPr>
+          <a:lstStyle/>
+          <a:p>
+            <a:pPr marL="342900" lvl="0" indent="-342900" algn="just">
+              <a:lnSpc>
+                <a:spcPct val="150000"/>
+              </a:lnSpc>
+              <a:buFont typeface="Wingdings" panose="05000000000000000000" pitchFamily="2" charset="2"/>
+              <a:buChar char=""/>
+            </a:pPr>
+            <a:r>
+              <a:rPr lang="en-US" altLang="zh-CN" sz="1800" kern="100" dirty="0" err="1">
+                <a:effectLst/>
+                <a:latin typeface="宋体" pitchFamily="2" charset="-122"/>
+                <a:ea typeface="宋体" pitchFamily="2" charset="-122"/>
+                <a:cs typeface="宋体" pitchFamily="2" charset="-122"/>
+              </a:rPr>
+              <a:t>ZKService</a:t>
+            </a:r>
+            <a:r>
+              <a:rPr lang="en-US" altLang="zh-CN" sz="1800" kern="100" dirty="0">
+                <a:effectLst/>
+                <a:latin typeface="宋体" pitchFamily="2" charset="-122"/>
+                <a:ea typeface="宋体" pitchFamily="2" charset="-122"/>
+                <a:cs typeface="宋体" pitchFamily="2" charset="-122"/>
+              </a:rPr>
+              <a:t> </a:t>
+            </a:r>
+            <a:r>
+              <a:rPr lang="zh-CN" altLang="zh-CN" sz="1800" kern="100" dirty="0">
+                <a:effectLst/>
+                <a:latin typeface="Times New Roman" panose="02020603050405020304" pitchFamily="18" charset="0"/>
+                <a:ea typeface="宋体" pitchFamily="2" charset="-122"/>
+                <a:cs typeface="宋体" pitchFamily="2" charset="-122"/>
+              </a:rPr>
+              <a:t>获取</a:t>
+            </a:r>
+            <a:r>
+              <a:rPr lang="en-US" altLang="zh-CN" sz="1800" kern="100" dirty="0">
+                <a:effectLst/>
+                <a:latin typeface="宋体" pitchFamily="2" charset="-122"/>
+                <a:ea typeface="宋体" pitchFamily="2" charset="-122"/>
+                <a:cs typeface="宋体" pitchFamily="2" charset="-122"/>
+              </a:rPr>
+              <a:t> </a:t>
+            </a:r>
+            <a:r>
+              <a:rPr lang="en-US" altLang="zh-CN" sz="1800" kern="100" dirty="0" err="1">
+                <a:effectLst/>
+                <a:latin typeface="宋体" pitchFamily="2" charset="-122"/>
+                <a:ea typeface="宋体" pitchFamily="2" charset="-122"/>
+                <a:cs typeface="宋体" pitchFamily="2" charset="-122"/>
+              </a:rPr>
+              <a:t>zk</a:t>
+            </a:r>
+            <a:r>
+              <a:rPr lang="en-US" altLang="zh-CN" sz="1800" kern="100" dirty="0">
+                <a:effectLst/>
+                <a:latin typeface="宋体" pitchFamily="2" charset="-122"/>
+                <a:ea typeface="宋体" pitchFamily="2" charset="-122"/>
+                <a:cs typeface="宋体" pitchFamily="2" charset="-122"/>
+              </a:rPr>
+              <a:t> </a:t>
+            </a:r>
+            <a:r>
+              <a:rPr lang="zh-CN" altLang="zh-CN" sz="1800" kern="100" dirty="0">
+                <a:effectLst/>
+                <a:latin typeface="Times New Roman" panose="02020603050405020304" pitchFamily="18" charset="0"/>
+                <a:ea typeface="宋体" pitchFamily="2" charset="-122"/>
+                <a:cs typeface="宋体" pitchFamily="2" charset="-122"/>
+              </a:rPr>
+              <a:t>节点状态的接口，执行表间同步逻辑以及节点切换逻辑。</a:t>
+            </a:r>
+            <a:endParaRPr lang="zh-CN" altLang="zh-CN" sz="1800" kern="100" dirty="0">
+              <a:effectLst/>
+              <a:latin typeface="Times New Roman" panose="02020603050405020304" pitchFamily="18" charset="0"/>
+              <a:ea typeface="宋体" pitchFamily="2" charset="-122"/>
+            </a:endParaRPr>
+          </a:p>
+          <a:p>
+            <a:pPr marL="342900" lvl="0" indent="-342900" algn="just">
+              <a:lnSpc>
+                <a:spcPct val="150000"/>
+              </a:lnSpc>
+              <a:buFont typeface="Wingdings" panose="05000000000000000000" pitchFamily="2" charset="2"/>
+              <a:buChar char=""/>
+            </a:pPr>
+            <a:r>
+              <a:rPr lang="en-US" altLang="zh-CN" sz="1800" kern="100" dirty="0" err="1">
+                <a:effectLst/>
+                <a:latin typeface="宋体" pitchFamily="2" charset="-122"/>
+                <a:ea typeface="宋体" pitchFamily="2" charset="-122"/>
+                <a:cs typeface="宋体" pitchFamily="2" charset="-122"/>
+              </a:rPr>
+              <a:t>CheckRegionThread</a:t>
+            </a:r>
+            <a:r>
+              <a:rPr lang="en-US" altLang="zh-CN" sz="1800" kern="100" dirty="0">
+                <a:effectLst/>
+                <a:latin typeface="宋体" pitchFamily="2" charset="-122"/>
+                <a:ea typeface="宋体" pitchFamily="2" charset="-122"/>
+                <a:cs typeface="宋体" pitchFamily="2" charset="-122"/>
+              </a:rPr>
+              <a:t> </a:t>
+            </a:r>
+            <a:r>
+              <a:rPr lang="zh-CN" altLang="zh-CN" sz="1800" kern="100" dirty="0">
+                <a:effectLst/>
+                <a:latin typeface="Times New Roman" panose="02020603050405020304" pitchFamily="18" charset="0"/>
+                <a:ea typeface="宋体" pitchFamily="2" charset="-122"/>
+                <a:cs typeface="宋体" pitchFamily="2" charset="-122"/>
+              </a:rPr>
+              <a:t>定时和</a:t>
+            </a:r>
+            <a:r>
+              <a:rPr lang="en-US" altLang="zh-CN" sz="1800" kern="100" dirty="0">
+                <a:effectLst/>
+                <a:latin typeface="宋体" pitchFamily="2" charset="-122"/>
+                <a:ea typeface="宋体" pitchFamily="2" charset="-122"/>
+                <a:cs typeface="宋体" pitchFamily="2" charset="-122"/>
+              </a:rPr>
+              <a:t> Zookeeper </a:t>
+            </a:r>
+            <a:r>
+              <a:rPr lang="zh-CN" altLang="zh-CN" sz="1800" kern="100" dirty="0">
+                <a:effectLst/>
+                <a:latin typeface="Times New Roman" panose="02020603050405020304" pitchFamily="18" charset="0"/>
+                <a:ea typeface="宋体" pitchFamily="2" charset="-122"/>
+                <a:cs typeface="宋体" pitchFamily="2" charset="-122"/>
+              </a:rPr>
+              <a:t>集群通信，保障本地缓存的一致性。</a:t>
+            </a:r>
+            <a:endParaRPr lang="zh-CN" altLang="zh-CN" sz="1800" kern="100" dirty="0">
+              <a:effectLst/>
+              <a:latin typeface="Times New Roman" panose="02020603050405020304" pitchFamily="18" charset="0"/>
+              <a:ea typeface="宋体" pitchFamily="2" charset="-122"/>
+            </a:endParaRPr>
+          </a:p>
+          <a:p>
+            <a:pPr marL="342900" lvl="0" indent="-342900" algn="just">
+              <a:lnSpc>
+                <a:spcPct val="150000"/>
+              </a:lnSpc>
+              <a:buFont typeface="Wingdings" panose="05000000000000000000" pitchFamily="2" charset="2"/>
+              <a:buChar char=""/>
+            </a:pPr>
+            <a:r>
+              <a:rPr lang="en-US" altLang="zh-CN" sz="1800" kern="100" dirty="0" err="1">
+                <a:effectLst/>
+                <a:latin typeface="宋体" pitchFamily="2" charset="-122"/>
+                <a:ea typeface="宋体" pitchFamily="2" charset="-122"/>
+                <a:cs typeface="宋体" pitchFamily="2" charset="-122"/>
+              </a:rPr>
+              <a:t>ZKConfig</a:t>
+            </a:r>
+            <a:r>
+              <a:rPr lang="en-US" altLang="zh-CN" sz="1800" kern="100" dirty="0">
+                <a:effectLst/>
+                <a:latin typeface="宋体" pitchFamily="2" charset="-122"/>
+                <a:ea typeface="宋体" pitchFamily="2" charset="-122"/>
+                <a:cs typeface="宋体" pitchFamily="2" charset="-122"/>
+              </a:rPr>
+              <a:t> </a:t>
+            </a:r>
+            <a:r>
+              <a:rPr lang="zh-CN" altLang="en-US" sz="1800" kern="100" dirty="0">
+                <a:effectLst/>
+                <a:latin typeface="宋体" pitchFamily="2" charset="-122"/>
+                <a:ea typeface="宋体" pitchFamily="2" charset="-122"/>
+                <a:cs typeface="宋体" pitchFamily="2" charset="-122"/>
+              </a:rPr>
+              <a:t> </a:t>
+            </a:r>
+            <a:r>
+              <a:rPr lang="en-US" altLang="zh-CN" sz="1800" kern="100" dirty="0">
+                <a:effectLst/>
+                <a:latin typeface="宋体" pitchFamily="2" charset="-122"/>
+                <a:ea typeface="宋体" pitchFamily="2" charset="-122"/>
+                <a:cs typeface="宋体" pitchFamily="2" charset="-122"/>
+              </a:rPr>
+              <a:t>Master </a:t>
+            </a:r>
+            <a:r>
+              <a:rPr lang="zh-CN" altLang="zh-CN" sz="1800" kern="100" dirty="0">
+                <a:effectLst/>
+                <a:latin typeface="Times New Roman" panose="02020603050405020304" pitchFamily="18" charset="0"/>
+                <a:ea typeface="宋体" pitchFamily="2" charset="-122"/>
+                <a:cs typeface="宋体" pitchFamily="2" charset="-122"/>
+              </a:rPr>
+              <a:t>启动的时候对</a:t>
+            </a:r>
+            <a:r>
+              <a:rPr lang="en-US" altLang="zh-CN" sz="1800" kern="100" dirty="0">
+                <a:effectLst/>
+                <a:latin typeface="宋体" pitchFamily="2" charset="-122"/>
+                <a:ea typeface="宋体" pitchFamily="2" charset="-122"/>
+                <a:cs typeface="宋体" pitchFamily="2" charset="-122"/>
+              </a:rPr>
+              <a:t> Zookeeper </a:t>
+            </a:r>
+            <a:r>
+              <a:rPr lang="zh-CN" altLang="zh-CN" sz="1800" kern="100" dirty="0">
+                <a:effectLst/>
+                <a:latin typeface="Times New Roman" panose="02020603050405020304" pitchFamily="18" charset="0"/>
+                <a:ea typeface="宋体" pitchFamily="2" charset="-122"/>
+                <a:cs typeface="宋体" pitchFamily="2" charset="-122"/>
+              </a:rPr>
+              <a:t>集群注册</a:t>
+            </a:r>
+            <a:r>
+              <a:rPr lang="en-US" altLang="zh-CN" sz="1800" kern="100" dirty="0">
+                <a:effectLst/>
+                <a:latin typeface="宋体" pitchFamily="2" charset="-122"/>
+                <a:ea typeface="宋体" pitchFamily="2" charset="-122"/>
+                <a:cs typeface="宋体" pitchFamily="2" charset="-122"/>
+              </a:rPr>
+              <a:t>Master</a:t>
+            </a:r>
+            <a:r>
+              <a:rPr lang="zh-CN" altLang="zh-CN" sz="1800" kern="100" dirty="0">
+                <a:effectLst/>
+                <a:latin typeface="Times New Roman" panose="02020603050405020304" pitchFamily="18" charset="0"/>
+                <a:ea typeface="宋体" pitchFamily="2" charset="-122"/>
+                <a:cs typeface="宋体" pitchFamily="2" charset="-122"/>
+              </a:rPr>
+              <a:t>的信息，方便</a:t>
+            </a:r>
+            <a:r>
+              <a:rPr lang="en-US" altLang="zh-CN" sz="1800" kern="100" dirty="0">
+                <a:effectLst/>
+                <a:latin typeface="宋体" pitchFamily="2" charset="-122"/>
+                <a:ea typeface="宋体" pitchFamily="2" charset="-122"/>
+                <a:cs typeface="宋体" pitchFamily="2" charset="-122"/>
+              </a:rPr>
+              <a:t>Client</a:t>
+            </a:r>
+            <a:r>
+              <a:rPr lang="zh-CN" altLang="zh-CN" sz="1800" kern="100" dirty="0">
+                <a:effectLst/>
+                <a:latin typeface="Times New Roman" panose="02020603050405020304" pitchFamily="18" charset="0"/>
+                <a:ea typeface="宋体" pitchFamily="2" charset="-122"/>
+                <a:cs typeface="宋体" pitchFamily="2" charset="-122"/>
+              </a:rPr>
+              <a:t>使用。</a:t>
+            </a:r>
+            <a:endParaRPr lang="zh-CN" altLang="zh-CN" sz="1800" kern="100" dirty="0">
+              <a:effectLst/>
+              <a:latin typeface="Times New Roman" panose="02020603050405020304" pitchFamily="18" charset="0"/>
+              <a:ea typeface="宋体" pitchFamily="2" charset="-122"/>
+            </a:endParaRPr>
+          </a:p>
+          <a:p>
+            <a:pPr marL="342900" lvl="0" indent="-342900" algn="just">
+              <a:lnSpc>
+                <a:spcPct val="150000"/>
+              </a:lnSpc>
+              <a:buFont typeface="Wingdings" panose="05000000000000000000" pitchFamily="2" charset="2"/>
+              <a:buChar char=""/>
+            </a:pPr>
+            <a:r>
+              <a:rPr lang="en-US" altLang="zh-CN" sz="1800" kern="100" dirty="0">
+                <a:effectLst/>
+                <a:latin typeface="宋体" pitchFamily="2" charset="-122"/>
+                <a:ea typeface="宋体" pitchFamily="2" charset="-122"/>
+                <a:cs typeface="宋体" pitchFamily="2" charset="-122"/>
+              </a:rPr>
+              <a:t> </a:t>
+            </a:r>
+            <a:r>
+              <a:rPr lang="en-US" altLang="zh-CN" sz="1800" kern="100" dirty="0" err="1">
+                <a:effectLst/>
+                <a:latin typeface="宋体" pitchFamily="2" charset="-122"/>
+                <a:ea typeface="宋体" pitchFamily="2" charset="-122"/>
+                <a:cs typeface="宋体" pitchFamily="2" charset="-122"/>
+              </a:rPr>
+              <a:t>MasterController</a:t>
+            </a:r>
+            <a:r>
+              <a:rPr lang="en-US" altLang="zh-CN" sz="1800" kern="100" dirty="0">
+                <a:effectLst/>
+                <a:latin typeface="宋体" pitchFamily="2" charset="-122"/>
+                <a:ea typeface="宋体" pitchFamily="2" charset="-122"/>
+                <a:cs typeface="宋体" pitchFamily="2" charset="-122"/>
+              </a:rPr>
+              <a:t> </a:t>
+            </a:r>
+            <a:r>
+              <a:rPr lang="zh-CN" altLang="en-US" sz="1800" kern="100" dirty="0">
+                <a:effectLst/>
+                <a:latin typeface="Times New Roman" panose="02020603050405020304" pitchFamily="18" charset="0"/>
+                <a:ea typeface="宋体" pitchFamily="2" charset="-122"/>
+                <a:cs typeface="宋体" pitchFamily="2" charset="-122"/>
+              </a:rPr>
+              <a:t> </a:t>
+            </a:r>
+            <a:r>
+              <a:rPr lang="zh-CN" altLang="zh-CN" sz="1800" kern="100" dirty="0">
+                <a:effectLst/>
+                <a:latin typeface="Times New Roman" panose="02020603050405020304" pitchFamily="18" charset="0"/>
+                <a:ea typeface="宋体" pitchFamily="2" charset="-122"/>
+                <a:cs typeface="宋体" pitchFamily="2" charset="-122"/>
+              </a:rPr>
+              <a:t>接受</a:t>
+            </a:r>
+            <a:r>
+              <a:rPr lang="en-US" altLang="zh-CN" sz="1800" kern="100" dirty="0">
+                <a:effectLst/>
+                <a:latin typeface="宋体" pitchFamily="2" charset="-122"/>
+                <a:ea typeface="宋体" pitchFamily="2" charset="-122"/>
+                <a:cs typeface="宋体" pitchFamily="2" charset="-122"/>
+              </a:rPr>
+              <a:t> Client </a:t>
+            </a:r>
+            <a:r>
+              <a:rPr lang="zh-CN" altLang="zh-CN" sz="1800" kern="100" dirty="0">
+                <a:effectLst/>
+                <a:latin typeface="Times New Roman" panose="02020603050405020304" pitchFamily="18" charset="0"/>
+                <a:ea typeface="宋体" pitchFamily="2" charset="-122"/>
+                <a:cs typeface="宋体" pitchFamily="2" charset="-122"/>
+              </a:rPr>
+              <a:t>的请求，返回结果</a:t>
+            </a:r>
+            <a:endParaRPr lang="zh-CN" altLang="zh-CN" sz="1800" kern="100" dirty="0">
+              <a:effectLst/>
+              <a:latin typeface="Times New Roman" panose="02020603050405020304" pitchFamily="18" charset="0"/>
+              <a:ea typeface="宋体" pitchFamily="2" charset="-122"/>
+            </a:endParaRPr>
+          </a:p>
+          <a:p>
+            <a:endParaRPr kumimoji="1" lang="zh-CN" altLang="en-US" dirty="0"/>
+          </a:p>
+        </p:txBody>
+      </p:sp>
     </p:spTree>
-    <p:extLst>
-      <p:ext uri="{BB962C8B-B14F-4D97-AF65-F5344CB8AC3E}">
-        <p14:creationId xmlns:p14="http://schemas.microsoft.com/office/powerpoint/2010/main" val="988957606"/>
-      </p:ext>
-    </p:extLst>
   </p:cSld>
   <p:clrMapOvr>
     <a:masterClrMapping/>
   </p:clrMapOvr>
-  <mc:AlternateContent xmlns:mc="http://schemas.openxmlformats.org/markup-compatibility/2006" xmlns:p14="http://schemas.microsoft.com/office/powerpoint/2010/main">
-    <mc:Choice Requires="p14">
+  <mc:AlternateContent xmlns:mc="http://schemas.openxmlformats.org/markup-compatibility/2006">
+    <mc:Choice xmlns:p14="http://schemas.microsoft.com/office/powerpoint/2010/main" Requires="p14">
       <p:transition p14:dur="10"/>
     </mc:Choice>
-    <mc:Fallback xmlns="">
+    <mc:Fallback>
       <p:transition/>
     </mc:Fallback>
   </mc:AlternateContent>
@@ -10796,7 +11473,7 @@
         </p:nvCxnSpPr>
         <p:spPr>
           <a:xfrm>
-            <a:off x="597310" y="1200152"/>
+            <a:off x="606188" y="569837"/>
             <a:ext cx="0" cy="474183"/>
           </a:xfrm>
           <a:prstGeom prst="line">
@@ -10823,16 +11500,40 @@
           </a:fontRef>
         </p:style>
       </p:cxnSp>
-      <p:sp>
-        <p:nvSpPr>
-          <p:cNvPr id="2" name="文本框 1"/>
+      <p:pic>
+        <p:nvPicPr>
+          <p:cNvPr id="2" name="图片 1"/>
+          <p:cNvPicPr>
+            <a:picLocks noChangeAspect="1"/>
+          </p:cNvPicPr>
+          <p:nvPr/>
+        </p:nvPicPr>
+        <p:blipFill>
+          <a:blip r:embed="rId1"/>
+          <a:stretch>
+            <a:fillRect/>
+          </a:stretch>
+        </p:blipFill>
+        <p:spPr>
+          <a:xfrm>
+            <a:off x="1880210" y="434898"/>
+            <a:ext cx="6817737" cy="6133170"/>
+          </a:xfrm>
+          <a:prstGeom prst="rect">
+            <a:avLst/>
+          </a:prstGeom>
+        </p:spPr>
+      </p:pic>
+      <p:sp>
+        <p:nvSpPr>
+          <p:cNvPr id="4" name="文本框 3"/>
           <p:cNvSpPr txBox="1"/>
           <p:nvPr/>
         </p:nvSpPr>
         <p:spPr>
           <a:xfrm>
-            <a:off x="817685" y="1229494"/>
-            <a:ext cx="5192496" cy="415498"/>
+            <a:off x="784607" y="599179"/>
+            <a:ext cx="2870135" cy="415498"/>
           </a:xfrm>
           <a:prstGeom prst="rect">
             <a:avLst/>
@@ -10846,239 +11547,36 @@
           <a:lstStyle/>
           <a:p>
             <a:r>
+              <a:rPr lang="en-US" altLang="zh-CN" sz="2100" dirty="0">
+                <a:latin typeface="微软雅黑" panose="020B0503020204020204" pitchFamily="34" charset="-122"/>
+                <a:ea typeface="微软雅黑" panose="020B0503020204020204" pitchFamily="34" charset="-122"/>
+              </a:rPr>
+              <a:t>REGION</a:t>
+            </a:r>
+            <a:r>
               <a:rPr lang="zh-CN" altLang="en-US" sz="2100" dirty="0">
                 <a:latin typeface="微软雅黑" panose="020B0503020204020204" pitchFamily="34" charset="-122"/>
                 <a:ea typeface="微软雅黑" panose="020B0503020204020204" pitchFamily="34" charset="-122"/>
               </a:rPr>
-              <a:t>重点功能 </a:t>
-            </a:r>
-            <a:r>
-              <a:rPr lang="en-US" altLang="zh-CN" sz="2100" dirty="0">
-                <a:latin typeface="微软雅黑" panose="020B0503020204020204" pitchFamily="34" charset="-122"/>
-                <a:ea typeface="微软雅黑" panose="020B0503020204020204" pitchFamily="34" charset="-122"/>
-              </a:rPr>
-              <a:t>·</a:t>
-            </a:r>
-            <a:r>
-              <a:rPr lang="zh-CN" altLang="en-US" sz="2100" dirty="0">
-                <a:latin typeface="微软雅黑" panose="020B0503020204020204" pitchFamily="34" charset="-122"/>
-                <a:ea typeface="微软雅黑" panose="020B0503020204020204" pitchFamily="34" charset="-122"/>
-              </a:rPr>
-              <a:t> 副本管理</a:t>
-            </a:r>
-          </a:p>
-        </p:txBody>
-      </p:sp>
-      <p:sp>
-        <p:nvSpPr>
-          <p:cNvPr id="3" name="文本框 2">
-            <a:extLst>
-              <a:ext uri="{FF2B5EF4-FFF2-40B4-BE49-F238E27FC236}">
-                <a16:creationId xmlns:a16="http://schemas.microsoft.com/office/drawing/2014/main" id="{EE34D3E1-4136-78A4-0216-7072809CAE78}"/>
-              </a:ext>
-            </a:extLst>
-          </p:cNvPr>
-          <p:cNvSpPr txBox="1"/>
-          <p:nvPr/>
-        </p:nvSpPr>
-        <p:spPr>
-          <a:xfrm>
-            <a:off x="1927998" y="2413337"/>
-            <a:ext cx="5288003" cy="2031325"/>
-          </a:xfrm>
-          <a:prstGeom prst="rect">
-            <a:avLst/>
-          </a:prstGeom>
-          <a:noFill/>
-        </p:spPr>
-        <p:txBody>
-          <a:bodyPr wrap="square" rtlCol="0">
-            <a:spAutoFit/>
-          </a:bodyPr>
-          <a:lstStyle/>
-          <a:p>
-            <a:pPr marL="342900" lvl="0" indent="-342900" algn="just">
-              <a:lnSpc>
-                <a:spcPct val="150000"/>
-              </a:lnSpc>
-              <a:buFont typeface="Wingdings" pitchFamily="2" charset="2"/>
-              <a:buChar char=""/>
-            </a:pPr>
-            <a:r>
-              <a:rPr lang="zh-CN" altLang="en-US" sz="1800" kern="100" dirty="0">
-                <a:effectLst/>
-                <a:latin typeface="Times New Roman" panose="02020603050405020304" pitchFamily="18" charset="0"/>
-                <a:ea typeface="宋体" panose="02010600030101010101" pitchFamily="2" charset="-122"/>
-              </a:rPr>
-              <a:t>选择表最少得节点创建主表</a:t>
-            </a:r>
-            <a:r>
-              <a:rPr lang="en-US" altLang="zh-CN" sz="1800" kern="100" dirty="0">
-                <a:effectLst/>
-                <a:latin typeface="Times New Roman" panose="02020603050405020304" pitchFamily="18" charset="0"/>
-                <a:ea typeface="宋体" panose="02010600030101010101" pitchFamily="2" charset="-122"/>
-              </a:rPr>
-              <a:t>——</a:t>
-            </a:r>
-            <a:r>
-              <a:rPr lang="zh-CN" altLang="en-US" sz="1800" kern="100" dirty="0">
-                <a:effectLst/>
-                <a:latin typeface="Times New Roman" panose="02020603050405020304" pitchFamily="18" charset="0"/>
-                <a:ea typeface="宋体" panose="02010600030101010101" pitchFamily="2" charset="-122"/>
-              </a:rPr>
-              <a:t>负载均衡</a:t>
-            </a:r>
-            <a:endParaRPr lang="en-US" altLang="zh-CN" sz="1800" kern="100" dirty="0">
-              <a:effectLst/>
-              <a:latin typeface="Times New Roman" panose="02020603050405020304" pitchFamily="18" charset="0"/>
-              <a:ea typeface="宋体" panose="02010600030101010101" pitchFamily="2" charset="-122"/>
+              <a:t>关键流程</a:t>
+            </a:r>
+            <a:endParaRPr lang="en-US" altLang="zh-CN" sz="2100" dirty="0">
+              <a:latin typeface="微软雅黑" panose="020B0503020204020204" pitchFamily="34" charset="-122"/>
+              <a:ea typeface="微软雅黑" panose="020B0503020204020204" pitchFamily="34" charset="-122"/>
             </a:endParaRPr>
           </a:p>
-          <a:p>
-            <a:pPr marL="342900" lvl="0" indent="-342900" algn="just">
-              <a:lnSpc>
-                <a:spcPct val="150000"/>
-              </a:lnSpc>
-              <a:buFont typeface="Wingdings" pitchFamily="2" charset="2"/>
-              <a:buChar char=""/>
-            </a:pPr>
-            <a:r>
-              <a:rPr lang="zh-CN" altLang="en-US" kern="100" dirty="0">
-                <a:latin typeface="Times New Roman" panose="02020603050405020304" pitchFamily="18" charset="0"/>
-                <a:ea typeface="宋体" panose="02010600030101010101" pitchFamily="2" charset="-122"/>
-              </a:rPr>
-              <a:t>随机选取连个节点创建副本</a:t>
-            </a:r>
-            <a:r>
-              <a:rPr lang="en-US" altLang="zh-CN" kern="100" dirty="0">
-                <a:latin typeface="Times New Roman" panose="02020603050405020304" pitchFamily="18" charset="0"/>
-                <a:ea typeface="宋体" panose="02010600030101010101" pitchFamily="2" charset="-122"/>
-              </a:rPr>
-              <a:t>——</a:t>
-            </a:r>
-            <a:r>
-              <a:rPr lang="zh-CN" altLang="en-US" kern="100" dirty="0">
-                <a:latin typeface="Times New Roman" panose="02020603050405020304" pitchFamily="18" charset="0"/>
-                <a:ea typeface="宋体" panose="02010600030101010101" pitchFamily="2" charset="-122"/>
-              </a:rPr>
-              <a:t>副本创建</a:t>
-            </a:r>
-            <a:endParaRPr lang="zh-CN" altLang="zh-CN" sz="1800" kern="100" dirty="0">
-              <a:effectLst/>
-              <a:latin typeface="Times New Roman" panose="02020603050405020304" pitchFamily="18" charset="0"/>
-              <a:ea typeface="宋体" panose="02010600030101010101" pitchFamily="2" charset="-122"/>
-            </a:endParaRPr>
-          </a:p>
-          <a:p>
-            <a:pPr marL="342900" lvl="0" indent="-342900" algn="just">
-              <a:lnSpc>
-                <a:spcPct val="150000"/>
-              </a:lnSpc>
-              <a:buFont typeface="Wingdings" pitchFamily="2" charset="2"/>
-              <a:buChar char=""/>
-            </a:pPr>
-            <a:r>
-              <a:rPr lang="zh-CN" altLang="zh-CN" sz="1800" kern="100" dirty="0">
-                <a:effectLst/>
-                <a:latin typeface="Times New Roman" panose="02020603050405020304" pitchFamily="18" charset="0"/>
-                <a:ea typeface="宋体" panose="02010600030101010101" pitchFamily="2" charset="-122"/>
-                <a:cs typeface="Times New Roman" panose="02020603050405020304" pitchFamily="18" charset="0"/>
-              </a:rPr>
-              <a:t>修改数据表的</a:t>
-            </a:r>
-            <a:r>
-              <a:rPr lang="en-US" altLang="zh-CN" kern="100" dirty="0">
-                <a:latin typeface="Times New Roman" panose="02020603050405020304" pitchFamily="18" charset="0"/>
-                <a:ea typeface="宋体" panose="02010600030101010101" pitchFamily="2" charset="-122"/>
-                <a:cs typeface="Times New Roman" panose="02020603050405020304" pitchFamily="18" charset="0"/>
-              </a:rPr>
-              <a:t>SQL</a:t>
-            </a:r>
-            <a:r>
-              <a:rPr lang="zh-CN" altLang="en-US" kern="100" dirty="0">
-                <a:latin typeface="Times New Roman" panose="02020603050405020304" pitchFamily="18" charset="0"/>
-                <a:ea typeface="宋体" panose="02010600030101010101" pitchFamily="2" charset="-122"/>
-                <a:cs typeface="Times New Roman" panose="02020603050405020304" pitchFamily="18" charset="0"/>
-              </a:rPr>
-              <a:t>将被转发</a:t>
-            </a:r>
-            <a:r>
-              <a:rPr lang="en-US" altLang="zh-CN" kern="100" dirty="0">
-                <a:latin typeface="Times New Roman" panose="02020603050405020304" pitchFamily="18" charset="0"/>
-                <a:ea typeface="宋体" panose="02010600030101010101" pitchFamily="2" charset="-122"/>
-                <a:cs typeface="Times New Roman" panose="02020603050405020304" pitchFamily="18" charset="0"/>
-              </a:rPr>
-              <a:t>——</a:t>
-            </a:r>
-            <a:r>
-              <a:rPr lang="zh-CN" altLang="en-US" kern="100" dirty="0">
-                <a:latin typeface="Times New Roman" panose="02020603050405020304" pitchFamily="18" charset="0"/>
-                <a:ea typeface="宋体" panose="02010600030101010101" pitchFamily="2" charset="-122"/>
-                <a:cs typeface="Times New Roman" panose="02020603050405020304" pitchFamily="18" charset="0"/>
-              </a:rPr>
-              <a:t>数据一致性</a:t>
-            </a:r>
-            <a:endParaRPr lang="zh-CN" altLang="zh-CN" sz="1800" kern="100" dirty="0">
-              <a:effectLst/>
-              <a:latin typeface="Times New Roman" panose="02020603050405020304" pitchFamily="18" charset="0"/>
-              <a:ea typeface="宋体" panose="02010600030101010101" pitchFamily="2" charset="-122"/>
-            </a:endParaRPr>
-          </a:p>
-          <a:p>
-            <a:pPr marL="342900" lvl="0" indent="-342900" algn="just">
-              <a:lnSpc>
-                <a:spcPct val="150000"/>
-              </a:lnSpc>
-              <a:buFont typeface="Wingdings" pitchFamily="2" charset="2"/>
-              <a:buChar char=""/>
-            </a:pPr>
-            <a:r>
-              <a:rPr lang="zh-CN" altLang="en-US" kern="100" dirty="0">
-                <a:latin typeface="Times New Roman" panose="02020603050405020304" pitchFamily="18" charset="0"/>
-                <a:ea typeface="宋体" panose="02010600030101010101" pitchFamily="2" charset="-122"/>
-              </a:rPr>
-              <a:t>删除主表会连同副本一起删除</a:t>
-            </a:r>
-            <a:r>
-              <a:rPr lang="en-US" altLang="zh-CN" kern="100" dirty="0">
-                <a:latin typeface="Times New Roman" panose="02020603050405020304" pitchFamily="18" charset="0"/>
-                <a:ea typeface="宋体" panose="02010600030101010101" pitchFamily="2" charset="-122"/>
-              </a:rPr>
-              <a:t>——</a:t>
-            </a:r>
-            <a:r>
-              <a:rPr lang="zh-CN" altLang="en-US" kern="100" dirty="0">
-                <a:latin typeface="Times New Roman" panose="02020603050405020304" pitchFamily="18" charset="0"/>
-                <a:ea typeface="宋体" panose="02010600030101010101" pitchFamily="2" charset="-122"/>
-              </a:rPr>
-              <a:t>副本删除</a:t>
-            </a:r>
-            <a:endParaRPr lang="zh-CN" altLang="zh-CN" sz="1800" kern="100" dirty="0">
-              <a:effectLst/>
-              <a:latin typeface="Times New Roman" panose="02020603050405020304" pitchFamily="18" charset="0"/>
-              <a:ea typeface="宋体" panose="02010600030101010101" pitchFamily="2" charset="-122"/>
-            </a:endParaRPr>
-          </a:p>
-          <a:p>
-            <a:endParaRPr kumimoji="1" lang="zh-CN" altLang="en-US" dirty="0"/>
-          </a:p>
         </p:txBody>
       </p:sp>
     </p:spTree>
-    <p:extLst>
-      <p:ext uri="{BB962C8B-B14F-4D97-AF65-F5344CB8AC3E}">
-        <p14:creationId xmlns:p14="http://schemas.microsoft.com/office/powerpoint/2010/main" val="1338268012"/>
-      </p:ext>
-    </p:extLst>
   </p:cSld>
   <p:clrMapOvr>
     <a:masterClrMapping/>
   </p:clrMapOvr>
-  <mc:AlternateContent xmlns:mc="http://schemas.openxmlformats.org/markup-compatibility/2006" xmlns:p14="http://schemas.microsoft.com/office/powerpoint/2010/main">
-    <mc:Choice Requires="p14">
+  <mc:AlternateContent xmlns:mc="http://schemas.openxmlformats.org/markup-compatibility/2006">
+    <mc:Choice xmlns:p14="http://schemas.microsoft.com/office/powerpoint/2010/main" Requires="p14">
       <p:transition p14:dur="10"/>
     </mc:Choice>
-    <mc:Fallback xmlns="">
+    <mc:Fallback>
       <p:transition/>
     </mc:Fallback>
   </mc:AlternateContent>
@@ -11178,9 +11676,9 @@
                 <a:latin typeface="微软雅黑" panose="020B0503020204020204" pitchFamily="34" charset="-122"/>
                 <a:ea typeface="微软雅黑" panose="020B0503020204020204" pitchFamily="34" charset="-122"/>
               </a:rPr>
-              <a:t> 容灾容错</a:t>
-            </a:r>
-            <a:endParaRPr lang="en-US" altLang="zh-CN" sz="2100" dirty="0">
+              <a:t> 副本管理</a:t>
+            </a:r>
+            <a:endParaRPr lang="zh-CN" altLang="en-US" sz="2100" dirty="0">
               <a:latin typeface="微软雅黑" panose="020B0503020204020204" pitchFamily="34" charset="-122"/>
               <a:ea typeface="微软雅黑" panose="020B0503020204020204" pitchFamily="34" charset="-122"/>
             </a:endParaRPr>
@@ -11189,20 +11687,14 @@
       </p:sp>
       <p:sp>
         <p:nvSpPr>
-          <p:cNvPr id="4" name="文本框 3">
-            <a:extLst>
-              <a:ext uri="{FF2B5EF4-FFF2-40B4-BE49-F238E27FC236}">
-                <a16:creationId xmlns:a16="http://schemas.microsoft.com/office/drawing/2014/main" id="{1969ADD5-8506-9F61-0381-E3C2659BE168}"/>
-              </a:ext>
-            </a:extLst>
-          </p:cNvPr>
+          <p:cNvPr id="3" name="文本框 2"/>
           <p:cNvSpPr txBox="1"/>
           <p:nvPr/>
         </p:nvSpPr>
         <p:spPr>
           <a:xfrm>
-            <a:off x="1945305" y="2413337"/>
-            <a:ext cx="6011671" cy="2031325"/>
+            <a:off x="1927998" y="2413337"/>
+            <a:ext cx="5288003" cy="2031325"/>
           </a:xfrm>
           <a:prstGeom prst="rect">
             <a:avLst/>
@@ -11219,22 +11711,22 @@
               <a:lnSpc>
                 <a:spcPct val="150000"/>
               </a:lnSpc>
-              <a:buFont typeface="Wingdings" pitchFamily="2" charset="2"/>
+              <a:buFont typeface="Wingdings" panose="05000000000000000000" pitchFamily="2" charset="2"/>
               <a:buChar char=""/>
             </a:pPr>
             <a:r>
               <a:rPr lang="zh-CN" altLang="en-US" sz="1800" kern="100" dirty="0">
                 <a:effectLst/>
                 <a:latin typeface="Times New Roman" panose="02020603050405020304" pitchFamily="18" charset="0"/>
-                <a:ea typeface="宋体" panose="02010600030101010101" pitchFamily="2" charset="-122"/>
-              </a:rPr>
-              <a:t>拥有主表的从节点下线将会晋升副本</a:t>
+                <a:ea typeface="宋体" pitchFamily="2" charset="-122"/>
+              </a:rPr>
+              <a:t>选择表最少得节点创建主表</a:t>
             </a:r>
             <a:r>
               <a:rPr lang="en-US" altLang="zh-CN" sz="1800" kern="100" dirty="0">
                 <a:effectLst/>
                 <a:latin typeface="Times New Roman" panose="02020603050405020304" pitchFamily="18" charset="0"/>
-                <a:ea typeface="宋体" panose="02010600030101010101" pitchFamily="2" charset="-122"/>
+                <a:ea typeface="宋体" pitchFamily="2" charset="-122"/>
               </a:rPr>
               <a:t>——</a:t>
             </a:r>
@@ -11242,14 +11734,14 @@
               <a:rPr lang="zh-CN" altLang="en-US" sz="1800" kern="100" dirty="0">
                 <a:effectLst/>
                 <a:latin typeface="Times New Roman" panose="02020603050405020304" pitchFamily="18" charset="0"/>
-                <a:ea typeface="宋体" panose="02010600030101010101" pitchFamily="2" charset="-122"/>
-              </a:rPr>
-              <a:t>灾难晋升</a:t>
+                <a:ea typeface="宋体" pitchFamily="2" charset="-122"/>
+              </a:rPr>
+              <a:t>负载均衡</a:t>
             </a:r>
             <a:endParaRPr lang="en-US" altLang="zh-CN" sz="1800" kern="100" dirty="0">
               <a:effectLst/>
               <a:latin typeface="Times New Roman" panose="02020603050405020304" pitchFamily="18" charset="0"/>
-              <a:ea typeface="宋体" panose="02010600030101010101" pitchFamily="2" charset="-122"/>
+              <a:ea typeface="宋体" pitchFamily="2" charset="-122"/>
             </a:endParaRPr>
           </a:p>
           <a:p>
@@ -11257,37 +11749,34 @@
               <a:lnSpc>
                 <a:spcPct val="150000"/>
               </a:lnSpc>
-              <a:buFont typeface="Wingdings" pitchFamily="2" charset="2"/>
+              <a:buFont typeface="Wingdings" panose="05000000000000000000" pitchFamily="2" charset="2"/>
               <a:buChar char=""/>
             </a:pPr>
             <a:r>
-              <a:rPr lang="zh-CN" altLang="en-US" sz="1800" kern="100" dirty="0">
-                <a:effectLst/>
+              <a:rPr lang="zh-CN" altLang="en-US" kern="100" dirty="0">
                 <a:latin typeface="Times New Roman" panose="02020603050405020304" pitchFamily="18" charset="0"/>
-                <a:ea typeface="宋体" panose="02010600030101010101" pitchFamily="2" charset="-122"/>
-              </a:rPr>
-              <a:t>随机选取没有副本的节点复制一份副本</a:t>
-            </a:r>
-            <a:r>
-              <a:rPr lang="en-US" altLang="zh-CN" sz="1800" kern="100" dirty="0">
-                <a:effectLst/>
+                <a:ea typeface="宋体" pitchFamily="2" charset="-122"/>
+              </a:rPr>
+              <a:t>随机选取连个节点创建副本</a:t>
+            </a:r>
+            <a:r>
+              <a:rPr lang="en-US" altLang="zh-CN" kern="100" dirty="0">
                 <a:latin typeface="Times New Roman" panose="02020603050405020304" pitchFamily="18" charset="0"/>
-                <a:ea typeface="宋体" panose="02010600030101010101" pitchFamily="2" charset="-122"/>
+                <a:ea typeface="宋体" pitchFamily="2" charset="-122"/>
               </a:rPr>
               <a:t>——</a:t>
             </a:r>
             <a:r>
-              <a:rPr lang="zh-CN" altLang="en-US" sz="1800" kern="100" dirty="0">
-                <a:effectLst/>
+              <a:rPr lang="zh-CN" altLang="en-US" kern="100" dirty="0">
                 <a:latin typeface="Times New Roman" panose="02020603050405020304" pitchFamily="18" charset="0"/>
-                <a:ea typeface="宋体" panose="02010600030101010101" pitchFamily="2" charset="-122"/>
-              </a:rPr>
-              <a:t>副本克隆</a:t>
-            </a:r>
-            <a:endParaRPr lang="en-US" altLang="zh-CN" sz="1800" kern="100" dirty="0">
+                <a:ea typeface="宋体" pitchFamily="2" charset="-122"/>
+              </a:rPr>
+              <a:t>副本创建</a:t>
+            </a:r>
+            <a:endParaRPr lang="zh-CN" altLang="zh-CN" sz="1800" kern="100" dirty="0">
               <a:effectLst/>
               <a:latin typeface="Times New Roman" panose="02020603050405020304" pitchFamily="18" charset="0"/>
-              <a:ea typeface="宋体" panose="02010600030101010101" pitchFamily="2" charset="-122"/>
+              <a:ea typeface="宋体" pitchFamily="2" charset="-122"/>
             </a:endParaRPr>
           </a:p>
           <a:p>
@@ -11295,20 +11784,54 @@
               <a:lnSpc>
                 <a:spcPct val="150000"/>
               </a:lnSpc>
-              <a:buFont typeface="Wingdings" pitchFamily="2" charset="2"/>
+              <a:buFont typeface="Wingdings" panose="05000000000000000000" pitchFamily="2" charset="2"/>
               <a:buChar char=""/>
             </a:pPr>
             <a:r>
+              <a:rPr lang="zh-CN" altLang="zh-CN" sz="1800" kern="100" dirty="0">
+                <a:effectLst/>
+                <a:latin typeface="Times New Roman" panose="02020603050405020304" pitchFamily="18" charset="0"/>
+                <a:ea typeface="宋体" pitchFamily="2" charset="-122"/>
+                <a:cs typeface="Times New Roman" panose="02020603050405020304" pitchFamily="18" charset="0"/>
+              </a:rPr>
+              <a:t>修改数据表的</a:t>
+            </a:r>
+            <a:r>
+              <a:rPr lang="en-US" altLang="zh-CN" kern="100" dirty="0">
+                <a:latin typeface="Times New Roman" panose="02020603050405020304" pitchFamily="18" charset="0"/>
+                <a:ea typeface="宋体" pitchFamily="2" charset="-122"/>
+                <a:cs typeface="Times New Roman" panose="02020603050405020304" pitchFamily="18" charset="0"/>
+              </a:rPr>
+              <a:t>SQL</a:t>
+            </a:r>
+            <a:r>
               <a:rPr lang="zh-CN" altLang="en-US" kern="100" dirty="0">
                 <a:latin typeface="Times New Roman" panose="02020603050405020304" pitchFamily="18" charset="0"/>
-                <a:ea typeface="宋体" panose="02010600030101010101" pitchFamily="2" charset="-122"/>
-              </a:rPr>
-              <a:t>始终保持一个表有三份存储</a:t>
+                <a:ea typeface="宋体" pitchFamily="2" charset="-122"/>
+                <a:cs typeface="Times New Roman" panose="02020603050405020304" pitchFamily="18" charset="0"/>
+              </a:rPr>
+              <a:t>将被转发</a:t>
+            </a:r>
+            <a:r>
+              <a:rPr lang="en-US" altLang="zh-CN" kern="100" dirty="0">
+                <a:latin typeface="Times New Roman" panose="02020603050405020304" pitchFamily="18" charset="0"/>
+                <a:ea typeface="宋体" pitchFamily="2" charset="-122"/>
+                <a:cs typeface="Times New Roman" panose="02020603050405020304" pitchFamily="18" charset="0"/>
+              </a:rPr>
+              <a:t>——</a:t>
+            </a:r>
+            <a:r>
+              <a:rPr lang="zh-CN" altLang="en-US" kern="100" dirty="0">
+                <a:latin typeface="Times New Roman" panose="02020603050405020304" pitchFamily="18" charset="0"/>
+                <a:ea typeface="宋体" pitchFamily="2" charset="-122"/>
+                <a:cs typeface="Times New Roman" panose="02020603050405020304" pitchFamily="18" charset="0"/>
+              </a:rPr>
+              <a:t>数据一致性</a:t>
             </a:r>
             <a:endParaRPr lang="zh-CN" altLang="zh-CN" sz="1800" kern="100" dirty="0">
               <a:effectLst/>
               <a:latin typeface="Times New Roman" panose="02020603050405020304" pitchFamily="18" charset="0"/>
-              <a:ea typeface="宋体" panose="02010600030101010101" pitchFamily="2" charset="-122"/>
+              <a:ea typeface="宋体" pitchFamily="2" charset="-122"/>
             </a:endParaRPr>
           </a:p>
           <a:p>
@@ -11316,24 +11839,34 @@
               <a:lnSpc>
                 <a:spcPct val="150000"/>
               </a:lnSpc>
-              <a:buFont typeface="Wingdings" pitchFamily="2" charset="2"/>
+              <a:buFont typeface="Wingdings" panose="05000000000000000000" pitchFamily="2" charset="2"/>
               <a:buChar char=""/>
             </a:pPr>
             <a:r>
-              <a:rPr kumimoji="1" lang="zh-CN" altLang="en-US" sz="1800" kern="100" dirty="0">
-                <a:solidFill>
-                  <a:srgbClr val="FF0000"/>
-                </a:solidFill>
+              <a:rPr lang="zh-CN" altLang="en-US" kern="100" dirty="0">
                 <a:latin typeface="Times New Roman" panose="02020603050405020304" pitchFamily="18" charset="0"/>
-                <a:ea typeface="宋体" panose="02010600030101010101" pitchFamily="2" charset="-122"/>
-                <a:cs typeface="Times New Roman" panose="02020603050405020304" pitchFamily="18" charset="0"/>
-              </a:rPr>
-              <a:t>系统需要保证至少有两个以上的从节点</a:t>
+                <a:ea typeface="宋体" pitchFamily="2" charset="-122"/>
+              </a:rPr>
+              <a:t>删除主表会连同副本一起删除</a:t>
+            </a:r>
+            <a:r>
+              <a:rPr lang="en-US" altLang="zh-CN" kern="100" dirty="0">
+                <a:latin typeface="Times New Roman" panose="02020603050405020304" pitchFamily="18" charset="0"/>
+                <a:ea typeface="宋体" pitchFamily="2" charset="-122"/>
+              </a:rPr>
+              <a:t>——</a:t>
+            </a:r>
+            <a:r>
+              <a:rPr lang="zh-CN" altLang="en-US" kern="100" dirty="0">
+                <a:latin typeface="Times New Roman" panose="02020603050405020304" pitchFamily="18" charset="0"/>
+                <a:ea typeface="宋体" pitchFamily="2" charset="-122"/>
+              </a:rPr>
+              <a:t>副本删除</a:t>
             </a:r>
             <a:endParaRPr lang="zh-CN" altLang="zh-CN" sz="1800" kern="100" dirty="0">
               <a:effectLst/>
               <a:latin typeface="Times New Roman" panose="02020603050405020304" pitchFamily="18" charset="0"/>
-              <a:ea typeface="宋体" panose="02010600030101010101" pitchFamily="2" charset="-122"/>
+              <a:ea typeface="宋体" pitchFamily="2" charset="-122"/>
             </a:endParaRPr>
           </a:p>
           <a:p>
@@ -11342,20 +11875,15 @@
         </p:txBody>
       </p:sp>
     </p:spTree>
-    <p:extLst>
-      <p:ext uri="{BB962C8B-B14F-4D97-AF65-F5344CB8AC3E}">
-        <p14:creationId xmlns:p14="http://schemas.microsoft.com/office/powerpoint/2010/main" val="1007502615"/>
-      </p:ext>
-    </p:extLst>
   </p:cSld>
   <p:clrMapOvr>
     <a:masterClrMapping/>
   </p:clrMapOvr>
-  <mc:AlternateContent xmlns:mc="http://schemas.openxmlformats.org/markup-compatibility/2006" xmlns:p14="http://schemas.microsoft.com/office/powerpoint/2010/main">
-    <mc:Choice Requires="p14">
+  <mc:AlternateContent xmlns:mc="http://schemas.openxmlformats.org/markup-compatibility/2006">
+    <mc:Choice xmlns:p14="http://schemas.microsoft.com/office/powerpoint/2010/main" Requires="p14">
       <p:transition p14:dur="10"/>
     </mc:Choice>
-    <mc:Fallback xmlns="">
+    <mc:Fallback>
       <p:transition/>
     </mc:Fallback>
   </mc:AlternateContent>
@@ -11455,27 +11983,25 @@
                 <a:latin typeface="微软雅黑" panose="020B0503020204020204" pitchFamily="34" charset="-122"/>
                 <a:ea typeface="微软雅黑" panose="020B0503020204020204" pitchFamily="34" charset="-122"/>
               </a:rPr>
-              <a:t> 节点管理</a:t>
-            </a:r>
-          </a:p>
-        </p:txBody>
-      </p:sp>
-      <p:sp>
-        <p:nvSpPr>
-          <p:cNvPr id="4" name="文本框 3">
-            <a:extLst>
-              <a:ext uri="{FF2B5EF4-FFF2-40B4-BE49-F238E27FC236}">
-                <a16:creationId xmlns:a16="http://schemas.microsoft.com/office/drawing/2014/main" id="{2AE984E3-3E6B-C8B3-CFD7-8BD71DB0BD3A}"/>
-              </a:ext>
-            </a:extLst>
-          </p:cNvPr>
+              <a:t> 容灾容错</a:t>
+            </a:r>
+            <a:endParaRPr lang="en-US" altLang="zh-CN" sz="2100" dirty="0">
+              <a:latin typeface="微软雅黑" panose="020B0503020204020204" pitchFamily="34" charset="-122"/>
+              <a:ea typeface="微软雅黑" panose="020B0503020204020204" pitchFamily="34" charset="-122"/>
+            </a:endParaRPr>
+          </a:p>
+        </p:txBody>
+      </p:sp>
+      <p:sp>
+        <p:nvSpPr>
+          <p:cNvPr id="4" name="文本框 3"/>
           <p:cNvSpPr txBox="1"/>
           <p:nvPr/>
         </p:nvSpPr>
         <p:spPr>
           <a:xfrm>
-            <a:off x="1878400" y="2205588"/>
-            <a:ext cx="4923846" cy="2446824"/>
+            <a:off x="1945305" y="2413337"/>
+            <a:ext cx="6011671" cy="2031325"/>
           </a:xfrm>
           <a:prstGeom prst="rect">
             <a:avLst/>
@@ -11488,53 +12014,41 @@
           </a:bodyPr>
           <a:lstStyle/>
           <a:p>
-            <a:pPr lvl="0" algn="just">
-              <a:lnSpc>
-                <a:spcPct val="150000"/>
-              </a:lnSpc>
-            </a:pPr>
-            <a:r>
-              <a:rPr lang="en-US" altLang="zh-CN" sz="1800" kern="100" dirty="0">
-                <a:effectLst/>
-                <a:latin typeface="Times New Roman" panose="02020603050405020304" pitchFamily="18" charset="0"/>
-                <a:ea typeface="宋体" panose="02010600030101010101" pitchFamily="2" charset="-122"/>
-              </a:rPr>
-              <a:t>Master</a:t>
-            </a:r>
-            <a:r>
-              <a:rPr lang="zh-CN" altLang="en-US" sz="1800" kern="100" dirty="0">
-                <a:effectLst/>
-                <a:latin typeface="Times New Roman" panose="02020603050405020304" pitchFamily="18" charset="0"/>
-                <a:ea typeface="宋体" panose="02010600030101010101" pitchFamily="2" charset="-122"/>
-              </a:rPr>
-              <a:t>进行基于本地缓存的节点管理</a:t>
-            </a:r>
-            <a:endParaRPr lang="en-US" altLang="zh-CN" sz="1800" kern="100" dirty="0">
-              <a:effectLst/>
-              <a:latin typeface="Times New Roman" panose="02020603050405020304" pitchFamily="18" charset="0"/>
-              <a:ea typeface="宋体" panose="02010600030101010101" pitchFamily="2" charset="-122"/>
-            </a:endParaRPr>
-          </a:p>
-          <a:p>
             <a:pPr marL="342900" lvl="0" indent="-342900" algn="just">
               <a:lnSpc>
                 <a:spcPct val="150000"/>
               </a:lnSpc>
-              <a:buFont typeface="Wingdings" pitchFamily="2" charset="2"/>
+              <a:buFont typeface="Wingdings" panose="05000000000000000000" pitchFamily="2" charset="2"/>
               <a:buChar char=""/>
             </a:pPr>
             <a:r>
               <a:rPr lang="zh-CN" altLang="en-US" sz="1800" kern="100" dirty="0">
                 <a:effectLst/>
                 <a:latin typeface="Times New Roman" panose="02020603050405020304" pitchFamily="18" charset="0"/>
-                <a:ea typeface="宋体" panose="02010600030101010101" pitchFamily="2" charset="-122"/>
-              </a:rPr>
-              <a:t>节点加入</a:t>
+                <a:ea typeface="宋体" pitchFamily="2" charset="-122"/>
+              </a:rPr>
+              <a:t>拥有主表的从节点下线将会晋升副本</a:t>
+            </a:r>
+            <a:r>
+              <a:rPr lang="en-US" altLang="zh-CN" sz="1800" kern="100" dirty="0">
+                <a:effectLst/>
+                <a:latin typeface="Times New Roman" panose="02020603050405020304" pitchFamily="18" charset="0"/>
+                <a:ea typeface="宋体" pitchFamily="2" charset="-122"/>
+              </a:rPr>
+              <a:t>——</a:t>
+            </a:r>
+            <a:r>
+              <a:rPr lang="zh-CN" altLang="en-US" sz="1800" kern="100" dirty="0">
+                <a:effectLst/>
+                <a:latin typeface="Times New Roman" panose="02020603050405020304" pitchFamily="18" charset="0"/>
+                <a:ea typeface="宋体" pitchFamily="2" charset="-122"/>
+              </a:rPr>
+              <a:t>灾难晋升</a:t>
             </a:r>
             <a:endParaRPr lang="en-US" altLang="zh-CN" sz="1800" kern="100" dirty="0">
               <a:effectLst/>
               <a:latin typeface="Times New Roman" panose="02020603050405020304" pitchFamily="18" charset="0"/>
-              <a:ea typeface="宋体" panose="02010600030101010101" pitchFamily="2" charset="-122"/>
+              <a:ea typeface="宋体" pitchFamily="2" charset="-122"/>
             </a:endParaRPr>
           </a:p>
           <a:p>
@@ -11542,20 +12056,37 @@
               <a:lnSpc>
                 <a:spcPct val="150000"/>
               </a:lnSpc>
-              <a:buFont typeface="Wingdings" pitchFamily="2" charset="2"/>
+              <a:buFont typeface="Wingdings" panose="05000000000000000000" pitchFamily="2" charset="2"/>
               <a:buChar char=""/>
             </a:pPr>
             <a:r>
-              <a:rPr lang="zh-CN" altLang="en-US" kern="100" dirty="0">
+              <a:rPr lang="zh-CN" altLang="en-US" sz="1800" kern="100" dirty="0">
+                <a:effectLst/>
                 <a:latin typeface="Times New Roman" panose="02020603050405020304" pitchFamily="18" charset="0"/>
-                <a:ea typeface="宋体" panose="02010600030101010101" pitchFamily="2" charset="-122"/>
-              </a:rPr>
-              <a:t>节点退出</a:t>
+                <a:ea typeface="宋体" pitchFamily="2" charset="-122"/>
+              </a:rPr>
+              <a:t>随机选取没有副本的节点复制一份副本</a:t>
+            </a:r>
+            <a:r>
+              <a:rPr lang="en-US" altLang="zh-CN" sz="1800" kern="100" dirty="0">
+                <a:effectLst/>
+                <a:latin typeface="Times New Roman" panose="02020603050405020304" pitchFamily="18" charset="0"/>
+                <a:ea typeface="宋体" pitchFamily="2" charset="-122"/>
+              </a:rPr>
+              <a:t>——</a:t>
+            </a:r>
+            <a:r>
+              <a:rPr lang="zh-CN" altLang="en-US" sz="1800" kern="100" dirty="0">
+                <a:effectLst/>
+                <a:latin typeface="Times New Roman" panose="02020603050405020304" pitchFamily="18" charset="0"/>
+                <a:ea typeface="宋体" pitchFamily="2" charset="-122"/>
+              </a:rPr>
+              <a:t>副本克隆</a:t>
             </a:r>
             <a:endParaRPr lang="en-US" altLang="zh-CN" sz="1800" kern="100" dirty="0">
               <a:effectLst/>
               <a:latin typeface="Times New Roman" panose="02020603050405020304" pitchFamily="18" charset="0"/>
-              <a:ea typeface="宋体" panose="02010600030101010101" pitchFamily="2" charset="-122"/>
+              <a:ea typeface="宋体" pitchFamily="2" charset="-122"/>
             </a:endParaRPr>
           </a:p>
           <a:p>
@@ -11563,21 +12094,20 @@
               <a:lnSpc>
                 <a:spcPct val="150000"/>
               </a:lnSpc>
-              <a:buFont typeface="Wingdings" pitchFamily="2" charset="2"/>
+              <a:buFont typeface="Wingdings" panose="05000000000000000000" pitchFamily="2" charset="2"/>
               <a:buChar char=""/>
             </a:pPr>
             <a:r>
-              <a:rPr lang="zh-CN" altLang="en-US" sz="1800" kern="100" dirty="0">
-                <a:effectLst/>
+              <a:rPr lang="zh-CN" altLang="en-US" kern="100" dirty="0">
                 <a:latin typeface="Times New Roman" panose="02020603050405020304" pitchFamily="18" charset="0"/>
-                <a:ea typeface="宋体" panose="02010600030101010101" pitchFamily="2" charset="-122"/>
-              </a:rPr>
-              <a:t>新表创建</a:t>
-            </a:r>
-            <a:endParaRPr lang="en-US" altLang="zh-CN" sz="1800" kern="100" dirty="0">
+                <a:ea typeface="宋体" pitchFamily="2" charset="-122"/>
+              </a:rPr>
+              <a:t>始终保持一个表有三份存储</a:t>
+            </a:r>
+            <a:endParaRPr lang="zh-CN" altLang="zh-CN" sz="1800" kern="100" dirty="0">
               <a:effectLst/>
               <a:latin typeface="Times New Roman" panose="02020603050405020304" pitchFamily="18" charset="0"/>
-              <a:ea typeface="宋体" panose="02010600030101010101" pitchFamily="2" charset="-122"/>
+              <a:ea typeface="宋体" pitchFamily="2" charset="-122"/>
             </a:endParaRPr>
           </a:p>
           <a:p>
@@ -11585,20 +12115,24 @@
               <a:lnSpc>
                 <a:spcPct val="150000"/>
               </a:lnSpc>
-              <a:buFont typeface="Wingdings" pitchFamily="2" charset="2"/>
+              <a:buFont typeface="Wingdings" panose="05000000000000000000" pitchFamily="2" charset="2"/>
               <a:buChar char=""/>
             </a:pPr>
             <a:r>
-              <a:rPr lang="zh-CN" altLang="en-US" kern="100" dirty="0">
+              <a:rPr kumimoji="1" lang="zh-CN" altLang="en-US" sz="1800" kern="100" dirty="0">
+                <a:solidFill>
+                  <a:srgbClr val="FF0000"/>
+                </a:solidFill>
                 <a:latin typeface="Times New Roman" panose="02020603050405020304" pitchFamily="18" charset="0"/>
-                <a:ea typeface="宋体" panose="02010600030101010101" pitchFamily="2" charset="-122"/>
-              </a:rPr>
-              <a:t>旧表删除</a:t>
+                <a:ea typeface="宋体" pitchFamily="2" charset="-122"/>
+                <a:cs typeface="Times New Roman" panose="02020603050405020304" pitchFamily="18" charset="0"/>
+              </a:rPr>
+              <a:t>系统需要保证至少有两个以上的从节点</a:t>
             </a:r>
             <a:endParaRPr lang="zh-CN" altLang="zh-CN" sz="1800" kern="100" dirty="0">
               <a:effectLst/>
               <a:latin typeface="Times New Roman" panose="02020603050405020304" pitchFamily="18" charset="0"/>
-              <a:ea typeface="宋体" panose="02010600030101010101" pitchFamily="2" charset="-122"/>
+              <a:ea typeface="宋体" pitchFamily="2" charset="-122"/>
             </a:endParaRPr>
           </a:p>
           <a:p>
@@ -11607,20 +12141,15 @@
         </p:txBody>
       </p:sp>
     </p:spTree>
-    <p:extLst>
-      <p:ext uri="{BB962C8B-B14F-4D97-AF65-F5344CB8AC3E}">
-        <p14:creationId xmlns:p14="http://schemas.microsoft.com/office/powerpoint/2010/main" val="1629202383"/>
-      </p:ext>
-    </p:extLst>
   </p:cSld>
   <p:clrMapOvr>
     <a:masterClrMapping/>
   </p:clrMapOvr>
-  <mc:AlternateContent xmlns:mc="http://schemas.openxmlformats.org/markup-compatibility/2006" xmlns:p14="http://schemas.microsoft.com/office/powerpoint/2010/main">
-    <mc:Choice Requires="p14">
+  <mc:AlternateContent xmlns:mc="http://schemas.openxmlformats.org/markup-compatibility/2006">
+    <mc:Choice xmlns:p14="http://schemas.microsoft.com/office/powerpoint/2010/main" Requires="p14">
       <p:transition p14:dur="10"/>
     </mc:Choice>
-    <mc:Fallback xmlns="">
+    <mc:Fallback>
       <p:transition/>
     </mc:Fallback>
   </mc:AlternateContent>
@@ -11628,7 +12157,7 @@
 </file>
 
 <file path=ppt/tags/tag1.xml><?xml version="1.0" encoding="utf-8"?>
-<p:tagLst xmlns:a="http://schemas.openxmlformats.org/drawingml/2006/main" xmlns:r="http://schemas.openxmlformats.org/officeDocument/2006/relationships" xmlns:p="http://schemas.openxmlformats.org/presentationml/2006/main">
+<p:tagLst xmlns:p="http://schemas.openxmlformats.org/presentationml/2006/main">
   <p:tag name="ISPRING_PRESENTATION_TITLE" val="蓝色简洁毕业答辩PPT模板"/>
 </p:tagLst>
 </file>
@@ -11676,7 +12205,7 @@
     </a:clrScheme>
     <a:fontScheme name="Office 主题​​">
       <a:majorFont>
-        <a:latin typeface="Calibri Light" panose="020F0302020204030204"/>
+        <a:latin typeface="Calibri Light"/>
         <a:ea typeface=""/>
         <a:cs typeface=""/>
         <a:font script="Jpan" typeface="游ゴシック Light"/>
@@ -11711,7 +12240,7 @@
         <a:font script="Geor" typeface="Sylfaen"/>
       </a:majorFont>
       <a:minorFont>
-        <a:latin typeface="Calibri" panose="020F0502020204030204"/>
+        <a:latin typeface="Calibri"/>
         <a:ea typeface=""/>
         <a:cs typeface=""/>
         <a:font script="Jpan" typeface="游ゴシック"/>
@@ -11884,8 +12413,6 @@
       </a:bgFillStyleLst>
     </a:fmtScheme>
   </a:themeElements>
-  <a:objectDefaults/>
-  <a:extraClrSchemeLst/>
   <a:extLst>
     <a:ext uri="{05A4C25C-085E-4340-85A3-A5531E510DB2}">
       <thm15:themeFamily xmlns:thm15="http://schemas.microsoft.com/office/thememl/2012/main" name="Office Theme" id="{62F939B6-93AF-4DB8-9C6B-D6C7DFDC589F}" vid="{4A3C46E8-61CC-4603-A589-7422A47A8E4A}"/>
@@ -11937,7 +12464,7 @@
     </a:clrScheme>
     <a:fontScheme name="Office">
       <a:majorFont>
-        <a:latin typeface="等线 Light" panose="020F0302020204030204"/>
+        <a:latin typeface="等线 Light"/>
         <a:ea typeface=""/>
         <a:cs typeface=""/>
         <a:font script="Jpan" typeface="游ゴシック Light"/>
@@ -11970,26 +12497,9 @@
         <a:font script="Viet" typeface="Times New Roman"/>
         <a:font script="Uigh" typeface="Microsoft Uighur"/>
         <a:font script="Geor" typeface="Sylfaen"/>
-        <a:font script="Armn" typeface="Arial"/>
-        <a:font script="Bugi" typeface="Leelawadee UI"/>
-        <a:font script="Bopo" typeface="Microsoft JhengHei"/>
-        <a:font script="Java" typeface="Javanese Text"/>
-        <a:font script="Lisu" typeface="Segoe UI"/>
-        <a:font script="Mymr" typeface="Myanmar Text"/>
-        <a:font script="Nkoo" typeface="Ebrima"/>
-        <a:font script="Olck" typeface="Nirmala UI"/>
-        <a:font script="Osma" typeface="Ebrima"/>
-        <a:font script="Phag" typeface="Phagspa"/>
-        <a:font script="Syrn" typeface="Estrangelo Edessa"/>
-        <a:font script="Syrj" typeface="Estrangelo Edessa"/>
-        <a:font script="Syre" typeface="Estrangelo Edessa"/>
-        <a:font script="Sora" typeface="Nirmala UI"/>
-        <a:font script="Tale" typeface="Microsoft Tai Le"/>
-        <a:font script="Talu" typeface="Microsoft New Tai Lue"/>
-        <a:font script="Tfng" typeface="Ebrima"/>
       </a:majorFont>
       <a:minorFont>
-        <a:latin typeface="等线" panose="020F0502020204030204"/>
+        <a:latin typeface="等线"/>
         <a:ea typeface=""/>
         <a:cs typeface=""/>
         <a:font script="Jpan" typeface="游ゴシック"/>
@@ -12022,23 +12532,6 @@
         <a:font script="Viet" typeface="Arial"/>
         <a:font script="Uigh" typeface="Microsoft Uighur"/>
         <a:font script="Geor" typeface="Sylfaen"/>
-        <a:font script="Armn" typeface="Arial"/>
-        <a:font script="Bugi" typeface="Leelawadee UI"/>
-        <a:font script="Bopo" typeface="Microsoft JhengHei"/>
-        <a:font script="Java" typeface="Javanese Text"/>
-        <a:font script="Lisu" typeface="Segoe UI"/>
-        <a:font script="Mymr" typeface="Myanmar Text"/>
-        <a:font script="Nkoo" typeface="Ebrima"/>
-        <a:font script="Olck" typeface="Nirmala UI"/>
-        <a:font script="Osma" typeface="Ebrima"/>
-        <a:font script="Phag" typeface="Phagspa"/>
-        <a:font script="Syrn" typeface="Estrangelo Edessa"/>
-        <a:font script="Syrj" typeface="Estrangelo Edessa"/>
-        <a:font script="Syre" typeface="Estrangelo Edessa"/>
-        <a:font script="Sora" typeface="Nirmala UI"/>
-        <a:font script="Tale" typeface="Microsoft Tai Le"/>
-        <a:font script="Talu" typeface="Microsoft New Tai Lue"/>
-        <a:font script="Tfng" typeface="Ebrima"/>
       </a:minorFont>
     </a:fontScheme>
     <a:fmtScheme name="Office">
@@ -12179,8 +12672,6 @@
       </a:bgFillStyleLst>
     </a:fmtScheme>
   </a:themeElements>
-  <a:objectDefaults/>
-  <a:extraClrSchemeLst/>
   <a:extLst>
     <a:ext uri="{05A4C25C-085E-4340-85A3-A5531E510DB2}">
       <thm15:themeFamily xmlns:thm15="http://schemas.microsoft.com/office/thememl/2012/main" name="Office Theme" id="{62F939B6-93AF-4DB8-9C6B-D6C7DFDC589F}" vid="{4A3C46E8-61CC-4603-A589-7422A47A8E4A}"/>
